--- a/IS 436: Deliverable 1.pptx
+++ b/IS 436: Deliverable 1.pptx
@@ -18,6 +18,7 @@
     <p:sldId id="263" r:id="rId13"/>
     <p:sldId id="264" r:id="rId14"/>
     <p:sldId id="265" r:id="rId15"/>
+    <p:sldId id="266" r:id="rId16"/>
   </p:sldIdLst>
   <p:sldSz cy="5143500" cx="9144000"/>
   <p:notesSz cx="6858000" cy="9144000"/>
@@ -799,7 +800,7 @@
   <p:cSld>
     <p:spTree>
       <p:nvGrpSpPr>
-        <p:cNvPr id="106" name="Shape 106"/>
+        <p:cNvPr id="104" name="Shape 104"/>
         <p:cNvGrpSpPr/>
         <p:nvPr/>
       </p:nvGrpSpPr>
@@ -813,7 +814,7 @@
       </p:grpSpPr>
       <p:sp>
         <p:nvSpPr>
-          <p:cNvPr id="107" name="Google Shape;107;g61dba17950_0_81:notes"/>
+          <p:cNvPr id="105" name="Google Shape;105;g62da31217e_8_0:notes"/>
           <p:cNvSpPr/>
           <p:nvPr>
             <p:ph idx="2" type="sldImg"/>
@@ -848,7 +849,106 @@
       </p:sp>
       <p:sp>
         <p:nvSpPr>
-          <p:cNvPr id="108" name="Google Shape;108;g61dba17950_0_81:notes"/>
+          <p:cNvPr id="106" name="Google Shape;106;g62da31217e_8_0:notes"/>
+          <p:cNvSpPr txBox="1"/>
+          <p:nvPr>
+            <p:ph idx="1" type="body"/>
+          </p:nvPr>
+        </p:nvSpPr>
+        <p:spPr>
+          <a:xfrm>
+            <a:off x="685800" y="4343400"/>
+            <a:ext cx="5486400" cy="4114800"/>
+          </a:xfrm>
+          <a:prstGeom prst="rect">
+            <a:avLst/>
+          </a:prstGeom>
+        </p:spPr>
+        <p:txBody>
+          <a:bodyPr anchorCtr="0" anchor="t" bIns="91425" lIns="91425" spcFirstLastPara="1" rIns="91425" wrap="square" tIns="91425">
+            <a:noAutofit/>
+          </a:bodyPr>
+          <a:lstStyle/>
+          <a:p>
+            <a:pPr indent="0" lvl="0" marL="0" rtl="0" algn="l">
+              <a:spcBef>
+                <a:spcPts val="0"/>
+              </a:spcBef>
+              <a:spcAft>
+                <a:spcPts val="0"/>
+              </a:spcAft>
+              <a:buNone/>
+            </a:pPr>
+            <a:r>
+              <a:t/>
+            </a:r>
+            <a:endParaRPr/>
+          </a:p>
+        </p:txBody>
+      </p:sp>
+    </p:spTree>
+  </p:cSld>
+  <p:clrMapOvr>
+    <a:masterClrMapping/>
+  </p:clrMapOvr>
+</p:notes>
+</file>
+
+<file path=ppt/notesSlides/notesSlide11.xml><?xml version="1.0" encoding="utf-8"?>
+<p:notes xmlns:a="http://schemas.openxmlformats.org/drawingml/2006/main" xmlns:r="http://schemas.openxmlformats.org/officeDocument/2006/relationships" xmlns:mc="http://schemas.openxmlformats.org/markup-compatibility/2006" xmlns:mv="urn:schemas-microsoft-com:mac:vml" xmlns:p="http://schemas.openxmlformats.org/presentationml/2006/main" xmlns:c="http://schemas.openxmlformats.org/drawingml/2006/chart" xmlns:dgm="http://schemas.openxmlformats.org/drawingml/2006/diagram" xmlns:o="urn:schemas-microsoft-com:office:office" xmlns:v="urn:schemas-microsoft-com:vml" xmlns:pvml="urn:schemas-microsoft-com:office:powerpoint" xmlns:com="http://schemas.openxmlformats.org/drawingml/2006/compatibility" xmlns:p14="http://schemas.microsoft.com/office/powerpoint/2010/main" xmlns:p15="http://schemas.microsoft.com/office/powerpoint/2012/main" showMasterPhAnim="0" showMasterSp="0">
+  <p:cSld>
+    <p:spTree>
+      <p:nvGrpSpPr>
+        <p:cNvPr id="111" name="Shape 111"/>
+        <p:cNvGrpSpPr/>
+        <p:nvPr/>
+      </p:nvGrpSpPr>
+      <p:grpSpPr>
+        <a:xfrm>
+          <a:off x="0" y="0"/>
+          <a:ext cx="0" cy="0"/>
+          <a:chOff x="0" y="0"/>
+          <a:chExt cx="0" cy="0"/>
+        </a:xfrm>
+      </p:grpSpPr>
+      <p:sp>
+        <p:nvSpPr>
+          <p:cNvPr id="112" name="Google Shape;112;g61dba17950_0_81:notes"/>
+          <p:cNvSpPr/>
+          <p:nvPr>
+            <p:ph idx="2" type="sldImg"/>
+          </p:nvPr>
+        </p:nvSpPr>
+        <p:spPr>
+          <a:xfrm>
+            <a:off x="381300" y="685800"/>
+            <a:ext cx="6096000" cy="3429000"/>
+          </a:xfrm>
+          <a:custGeom>
+            <a:rect b="b" l="l" r="r" t="t"/>
+            <a:pathLst>
+              <a:path extrusionOk="0" h="120000" w="120000">
+                <a:moveTo>
+                  <a:pt x="0" y="0"/>
+                </a:moveTo>
+                <a:lnTo>
+                  <a:pt x="120000" y="0"/>
+                </a:lnTo>
+                <a:lnTo>
+                  <a:pt x="120000" y="120000"/>
+                </a:lnTo>
+                <a:lnTo>
+                  <a:pt x="0" y="120000"/>
+                </a:lnTo>
+                <a:close/>
+              </a:path>
+            </a:pathLst>
+          </a:custGeom>
+        </p:spPr>
+      </p:sp>
+      <p:sp>
+        <p:nvSpPr>
+          <p:cNvPr id="113" name="Google Shape;113;g61dba17950_0_81:notes"/>
           <p:cNvSpPr txBox="1"/>
           <p:nvPr>
             <p:ph idx="1" type="body"/>
@@ -1308,7 +1408,7 @@
       </p:grpSpPr>
       <p:sp>
         <p:nvSpPr>
-          <p:cNvPr id="82" name="Google Shape;82;g61dba17950_0_60:notes"/>
+          <p:cNvPr id="82" name="Google Shape;82;g62da31217e_12_0:notes"/>
           <p:cNvSpPr/>
           <p:nvPr>
             <p:ph idx="2" type="sldImg"/>
@@ -1343,7 +1443,7 @@
       </p:sp>
       <p:sp>
         <p:nvSpPr>
-          <p:cNvPr id="83" name="Google Shape;83;g61dba17950_0_60:notes"/>
+          <p:cNvPr id="83" name="Google Shape;83;g62da31217e_12_0:notes"/>
           <p:cNvSpPr txBox="1"/>
           <p:nvPr>
             <p:ph idx="1" type="body"/>
@@ -1393,7 +1493,7 @@
   <p:cSld>
     <p:spTree>
       <p:nvGrpSpPr>
-        <p:cNvPr id="87" name="Shape 87"/>
+        <p:cNvPr id="86" name="Shape 86"/>
         <p:cNvGrpSpPr/>
         <p:nvPr/>
       </p:nvGrpSpPr>
@@ -1407,7 +1507,7 @@
       </p:grpSpPr>
       <p:sp>
         <p:nvSpPr>
-          <p:cNvPr id="88" name="Google Shape;88;g61dba17950_0_65:notes"/>
+          <p:cNvPr id="87" name="Google Shape;87;g61dba17950_0_60:notes"/>
           <p:cNvSpPr/>
           <p:nvPr>
             <p:ph idx="2" type="sldImg"/>
@@ -1442,7 +1542,7 @@
       </p:sp>
       <p:sp>
         <p:nvSpPr>
-          <p:cNvPr id="89" name="Google Shape;89;g61dba17950_0_65:notes"/>
+          <p:cNvPr id="88" name="Google Shape;88;g61dba17950_0_60:notes"/>
           <p:cNvSpPr txBox="1"/>
           <p:nvPr>
             <p:ph idx="1" type="body"/>
@@ -1492,7 +1592,7 @@
   <p:cSld>
     <p:spTree>
       <p:nvGrpSpPr>
-        <p:cNvPr id="93" name="Shape 93"/>
+        <p:cNvPr id="92" name="Shape 92"/>
         <p:cNvGrpSpPr/>
         <p:nvPr/>
       </p:nvGrpSpPr>
@@ -1506,7 +1606,7 @@
       </p:grpSpPr>
       <p:sp>
         <p:nvSpPr>
-          <p:cNvPr id="94" name="Google Shape;94;g61dba17950_0_71:notes"/>
+          <p:cNvPr id="93" name="Google Shape;93;g61dba17950_0_65:notes"/>
           <p:cNvSpPr/>
           <p:nvPr>
             <p:ph idx="2" type="sldImg"/>
@@ -1541,7 +1641,7 @@
       </p:sp>
       <p:sp>
         <p:nvSpPr>
-          <p:cNvPr id="95" name="Google Shape;95;g61dba17950_0_71:notes"/>
+          <p:cNvPr id="94" name="Google Shape;94;g61dba17950_0_65:notes"/>
           <p:cNvSpPr txBox="1"/>
           <p:nvPr>
             <p:ph idx="1" type="body"/>
@@ -1591,7 +1691,7 @@
   <p:cSld>
     <p:spTree>
       <p:nvGrpSpPr>
-        <p:cNvPr id="99" name="Shape 99"/>
+        <p:cNvPr id="98" name="Shape 98"/>
         <p:cNvGrpSpPr/>
         <p:nvPr/>
       </p:nvGrpSpPr>
@@ -1605,7 +1705,7 @@
       </p:grpSpPr>
       <p:sp>
         <p:nvSpPr>
-          <p:cNvPr id="100" name="Google Shape;100;g62da31217e_8_0:notes"/>
+          <p:cNvPr id="99" name="Google Shape;99;g61dba17950_0_71:notes"/>
           <p:cNvSpPr/>
           <p:nvPr>
             <p:ph idx="2" type="sldImg"/>
@@ -1640,7 +1740,7 @@
       </p:sp>
       <p:sp>
         <p:nvSpPr>
-          <p:cNvPr id="101" name="Google Shape;101;g62da31217e_8_0:notes"/>
+          <p:cNvPr id="100" name="Google Shape;100;g61dba17950_0_71:notes"/>
           <p:cNvSpPr txBox="1"/>
           <p:nvPr>
             <p:ph idx="1" type="body"/>
@@ -6571,7 +6671,7 @@
   <p:cSld>
     <p:spTree>
       <p:nvGrpSpPr>
-        <p:cNvPr id="109" name="Shape 109"/>
+        <p:cNvPr id="107" name="Shape 107"/>
         <p:cNvGrpSpPr/>
         <p:nvPr/>
       </p:nvGrpSpPr>
@@ -6585,7 +6685,7 @@
       </p:grpSpPr>
       <p:sp>
         <p:nvSpPr>
-          <p:cNvPr id="110" name="Google Shape;110;p22"/>
+          <p:cNvPr id="108" name="Google Shape;108;p22"/>
           <p:cNvSpPr txBox="1"/>
           <p:nvPr>
             <p:ph type="title"/>
@@ -6617,7 +6717,11 @@
             </a:pPr>
             <a:r>
               <a:rPr lang="en"/>
-              <a:t>Questions?</a:t>
+              <a:t>Waterfall</a:t>
+            </a:r>
+            <a:r>
+              <a:rPr lang="en"/>
+              <a:t> Methodology </a:t>
             </a:r>
             <a:endParaRPr/>
           </a:p>
@@ -6625,7 +6729,242 @@
       </p:sp>
       <p:sp>
         <p:nvSpPr>
-          <p:cNvPr id="111" name="Google Shape;111;p22"/>
+          <p:cNvPr id="109" name="Google Shape;109;p22"/>
+          <p:cNvSpPr txBox="1"/>
+          <p:nvPr>
+            <p:ph idx="1" type="body"/>
+          </p:nvPr>
+        </p:nvSpPr>
+        <p:spPr>
+          <a:xfrm>
+            <a:off x="395575" y="1077900"/>
+            <a:ext cx="8520600" cy="3416400"/>
+          </a:xfrm>
+          <a:prstGeom prst="rect">
+            <a:avLst/>
+          </a:prstGeom>
+        </p:spPr>
+        <p:txBody>
+          <a:bodyPr anchorCtr="0" anchor="t" bIns="91425" lIns="91425" spcFirstLastPara="1" rIns="91425" wrap="square" tIns="91425">
+            <a:noAutofit/>
+          </a:bodyPr>
+          <a:lstStyle/>
+          <a:p>
+            <a:pPr indent="0" lvl="0" marL="0" rtl="0" algn="l">
+              <a:spcBef>
+                <a:spcPts val="0"/>
+              </a:spcBef>
+              <a:spcAft>
+                <a:spcPts val="0"/>
+              </a:spcAft>
+              <a:buNone/>
+            </a:pPr>
+            <a:r>
+              <a:rPr lang="en"/>
+              <a:t>Pro: Good for simple project.</a:t>
+            </a:r>
+            <a:endParaRPr/>
+          </a:p>
+          <a:p>
+            <a:pPr indent="0" lvl="0" marL="0" rtl="0" algn="l">
+              <a:spcBef>
+                <a:spcPts val="1600"/>
+              </a:spcBef>
+              <a:spcAft>
+                <a:spcPts val="0"/>
+              </a:spcAft>
+              <a:buNone/>
+            </a:pPr>
+            <a:r>
+              <a:rPr lang="en"/>
+              <a:t>Reduce </a:t>
+            </a:r>
+            <a:r>
+              <a:rPr lang="en"/>
+              <a:t>communication</a:t>
+            </a:r>
+            <a:r>
+              <a:rPr lang="en"/>
+              <a:t> error.</a:t>
+            </a:r>
+            <a:endParaRPr/>
+          </a:p>
+          <a:p>
+            <a:pPr indent="0" lvl="0" marL="0" rtl="0" algn="l">
+              <a:spcBef>
+                <a:spcPts val="1600"/>
+              </a:spcBef>
+              <a:spcAft>
+                <a:spcPts val="0"/>
+              </a:spcAft>
+              <a:buNone/>
+            </a:pPr>
+            <a:r>
+              <a:t/>
+            </a:r>
+            <a:endParaRPr/>
+          </a:p>
+          <a:p>
+            <a:pPr indent="0" lvl="0" marL="0" rtl="0" algn="l">
+              <a:spcBef>
+                <a:spcPts val="1600"/>
+              </a:spcBef>
+              <a:spcAft>
+                <a:spcPts val="0"/>
+              </a:spcAft>
+              <a:buNone/>
+            </a:pPr>
+            <a:r>
+              <a:rPr lang="en"/>
+              <a:t>Con: Difficult to fix if there was</a:t>
+            </a:r>
+            <a:endParaRPr/>
+          </a:p>
+          <a:p>
+            <a:pPr indent="0" lvl="0" marL="0" rtl="0" algn="l">
+              <a:spcBef>
+                <a:spcPts val="1600"/>
+              </a:spcBef>
+              <a:spcAft>
+                <a:spcPts val="0"/>
+              </a:spcAft>
+              <a:buNone/>
+            </a:pPr>
+            <a:r>
+              <a:rPr lang="en"/>
+              <a:t> problem/mistake in requirement </a:t>
+            </a:r>
+            <a:endParaRPr/>
+          </a:p>
+          <a:p>
+            <a:pPr indent="0" lvl="0" marL="0" rtl="0" algn="l">
+              <a:spcBef>
+                <a:spcPts val="1600"/>
+              </a:spcBef>
+              <a:spcAft>
+                <a:spcPts val="0"/>
+              </a:spcAft>
+              <a:buNone/>
+            </a:pPr>
+            <a:r>
+              <a:rPr lang="en"/>
+              <a:t>phase.</a:t>
+            </a:r>
+            <a:endParaRPr/>
+          </a:p>
+          <a:p>
+            <a:pPr indent="0" lvl="0" marL="0" rtl="0" algn="l">
+              <a:spcBef>
+                <a:spcPts val="1600"/>
+              </a:spcBef>
+              <a:spcAft>
+                <a:spcPts val="1600"/>
+              </a:spcAft>
+              <a:buNone/>
+            </a:pPr>
+            <a:r>
+              <a:t/>
+            </a:r>
+            <a:endParaRPr/>
+          </a:p>
+        </p:txBody>
+      </p:sp>
+      <p:pic>
+        <p:nvPicPr>
+          <p:cNvPr id="110" name="Google Shape;110;p22"/>
+          <p:cNvPicPr preferRelativeResize="0"/>
+          <p:nvPr/>
+        </p:nvPicPr>
+        <p:blipFill>
+          <a:blip r:embed="rId3">
+            <a:alphaModFix/>
+          </a:blip>
+          <a:stretch>
+            <a:fillRect/>
+          </a:stretch>
+        </p:blipFill>
+        <p:spPr>
+          <a:xfrm>
+            <a:off x="4258150" y="1115175"/>
+            <a:ext cx="4658026" cy="2612000"/>
+          </a:xfrm>
+          <a:prstGeom prst="rect">
+            <a:avLst/>
+          </a:prstGeom>
+          <a:noFill/>
+          <a:ln>
+            <a:noFill/>
+          </a:ln>
+        </p:spPr>
+      </p:pic>
+    </p:spTree>
+  </p:cSld>
+  <p:clrMapOvr>
+    <a:masterClrMapping/>
+  </p:clrMapOvr>
+</p:sld>
+</file>
+
+<file path=ppt/slides/slide11.xml><?xml version="1.0" encoding="utf-8"?>
+<p:sld xmlns:a="http://schemas.openxmlformats.org/drawingml/2006/main" xmlns:r="http://schemas.openxmlformats.org/officeDocument/2006/relationships" xmlns:mc="http://schemas.openxmlformats.org/markup-compatibility/2006" xmlns:mv="urn:schemas-microsoft-com:mac:vml" xmlns:p="http://schemas.openxmlformats.org/presentationml/2006/main" xmlns:c="http://schemas.openxmlformats.org/drawingml/2006/chart" xmlns:dgm="http://schemas.openxmlformats.org/drawingml/2006/diagram" xmlns:o="urn:schemas-microsoft-com:office:office" xmlns:v="urn:schemas-microsoft-com:vml" xmlns:pvml="urn:schemas-microsoft-com:office:powerpoint" xmlns:com="http://schemas.openxmlformats.org/drawingml/2006/compatibility" xmlns:p14="http://schemas.microsoft.com/office/powerpoint/2010/main" xmlns:p15="http://schemas.microsoft.com/office/powerpoint/2012/main">
+  <p:cSld>
+    <p:spTree>
+      <p:nvGrpSpPr>
+        <p:cNvPr id="114" name="Shape 114"/>
+        <p:cNvGrpSpPr/>
+        <p:nvPr/>
+      </p:nvGrpSpPr>
+      <p:grpSpPr>
+        <a:xfrm>
+          <a:off x="0" y="0"/>
+          <a:ext cx="0" cy="0"/>
+          <a:chOff x="0" y="0"/>
+          <a:chExt cx="0" cy="0"/>
+        </a:xfrm>
+      </p:grpSpPr>
+      <p:sp>
+        <p:nvSpPr>
+          <p:cNvPr id="115" name="Google Shape;115;p23"/>
+          <p:cNvSpPr txBox="1"/>
+          <p:nvPr>
+            <p:ph type="title"/>
+          </p:nvPr>
+        </p:nvSpPr>
+        <p:spPr>
+          <a:xfrm>
+            <a:off x="311700" y="445025"/>
+            <a:ext cx="8520600" cy="572700"/>
+          </a:xfrm>
+          <a:prstGeom prst="rect">
+            <a:avLst/>
+          </a:prstGeom>
+        </p:spPr>
+        <p:txBody>
+          <a:bodyPr anchorCtr="0" anchor="t" bIns="91425" lIns="91425" spcFirstLastPara="1" rIns="91425" wrap="square" tIns="91425">
+            <a:noAutofit/>
+          </a:bodyPr>
+          <a:lstStyle/>
+          <a:p>
+            <a:pPr indent="0" lvl="0" marL="0" rtl="0" algn="l">
+              <a:spcBef>
+                <a:spcPts val="0"/>
+              </a:spcBef>
+              <a:spcAft>
+                <a:spcPts val="0"/>
+              </a:spcAft>
+              <a:buNone/>
+            </a:pPr>
+            <a:r>
+              <a:rPr lang="en"/>
+              <a:t>Questions?</a:t>
+            </a:r>
+            <a:endParaRPr/>
+          </a:p>
+        </p:txBody>
+      </p:sp>
+      <p:sp>
+        <p:nvSpPr>
+          <p:cNvPr id="116" name="Google Shape;116;p23"/>
           <p:cNvSpPr txBox="1"/>
           <p:nvPr>
             <p:ph idx="1" type="body"/>
@@ -6809,7 +7148,7 @@
                   <a:srgbClr val="FFFFFF"/>
                 </a:solidFill>
               </a:rPr>
-              <a:t>                                                                                                                                                                                                                                                                                                                                                                                                                                                                 Anna is a small business owner that runs two nail salons. She uses a system of data </a:t>
+              <a:t>                                                                                                                                                                                                                                                                                                                                                                                                                                                                 Ann is a small business owner that runs two nail salons. She uses a system of data </a:t>
             </a:r>
             <a:r>
               <a:rPr lang="en">
@@ -7198,29 +7537,7 @@
                   <a:srgbClr val="FFFFFF"/>
                 </a:solidFill>
               </a:rPr>
-              <a:t> information create a customer reward system that keep track of customer point total. (Optional)</a:t>
-            </a:r>
-            <a:endParaRPr sz="1400">
-              <a:solidFill>
-                <a:srgbClr val="FFFFFF"/>
-              </a:solidFill>
-            </a:endParaRPr>
-          </a:p>
-          <a:p>
-            <a:pPr indent="0" lvl="0" marL="0" rtl="0" algn="l">
-              <a:lnSpc>
-                <a:spcPct val="115000"/>
-              </a:lnSpc>
-              <a:spcBef>
-                <a:spcPts val="0"/>
-              </a:spcBef>
-              <a:spcAft>
-                <a:spcPts val="0"/>
-              </a:spcAft>
-              <a:buNone/>
-            </a:pPr>
-            <a:r>
-              <a:t/>
+              <a:t> information create a customer reward system that keep track of customer reward point and spending.</a:t>
             </a:r>
             <a:endParaRPr sz="1400">
               <a:solidFill>
@@ -8053,9 +8370,62 @@
           <a:chExt cx="0" cy="0"/>
         </a:xfrm>
       </p:grpSpPr>
+      <p:pic>
+        <p:nvPicPr>
+          <p:cNvPr id="85" name="Google Shape;85;p18"/>
+          <p:cNvPicPr preferRelativeResize="0"/>
+          <p:nvPr/>
+        </p:nvPicPr>
+        <p:blipFill>
+          <a:blip r:embed="rId3">
+            <a:alphaModFix/>
+          </a:blip>
+          <a:stretch>
+            <a:fillRect/>
+          </a:stretch>
+        </p:blipFill>
+        <p:spPr>
+          <a:xfrm>
+            <a:off x="621925" y="540825"/>
+            <a:ext cx="7900150" cy="3933526"/>
+          </a:xfrm>
+          <a:prstGeom prst="rect">
+            <a:avLst/>
+          </a:prstGeom>
+          <a:noFill/>
+          <a:ln>
+            <a:noFill/>
+          </a:ln>
+        </p:spPr>
+      </p:pic>
+    </p:spTree>
+  </p:cSld>
+  <p:clrMapOvr>
+    <a:masterClrMapping/>
+  </p:clrMapOvr>
+</p:sld>
+</file>
+
+<file path=ppt/slides/slide7.xml><?xml version="1.0" encoding="utf-8"?>
+<p:sld xmlns:a="http://schemas.openxmlformats.org/drawingml/2006/main" xmlns:r="http://schemas.openxmlformats.org/officeDocument/2006/relationships" xmlns:mc="http://schemas.openxmlformats.org/markup-compatibility/2006" xmlns:mv="urn:schemas-microsoft-com:mac:vml" xmlns:p="http://schemas.openxmlformats.org/presentationml/2006/main" xmlns:c="http://schemas.openxmlformats.org/drawingml/2006/chart" xmlns:dgm="http://schemas.openxmlformats.org/drawingml/2006/diagram" xmlns:o="urn:schemas-microsoft-com:office:office" xmlns:v="urn:schemas-microsoft-com:vml" xmlns:pvml="urn:schemas-microsoft-com:office:powerpoint" xmlns:com="http://schemas.openxmlformats.org/drawingml/2006/compatibility" xmlns:p14="http://schemas.microsoft.com/office/powerpoint/2010/main" xmlns:p15="http://schemas.microsoft.com/office/powerpoint/2012/main">
+  <p:cSld>
+    <p:spTree>
+      <p:nvGrpSpPr>
+        <p:cNvPr id="89" name="Shape 89"/>
+        <p:cNvGrpSpPr/>
+        <p:nvPr/>
+      </p:nvGrpSpPr>
+      <p:grpSpPr>
+        <a:xfrm>
+          <a:off x="0" y="0"/>
+          <a:ext cx="0" cy="0"/>
+          <a:chOff x="0" y="0"/>
+          <a:chExt cx="0" cy="0"/>
+        </a:xfrm>
+      </p:grpSpPr>
       <p:sp>
         <p:nvSpPr>
-          <p:cNvPr id="85" name="Google Shape;85;p18"/>
+          <p:cNvPr id="90" name="Google Shape;90;p19"/>
           <p:cNvSpPr txBox="1"/>
           <p:nvPr>
             <p:ph type="title"/>
@@ -8127,7 +8497,7 @@
       </p:sp>
       <p:sp>
         <p:nvSpPr>
-          <p:cNvPr id="86" name="Google Shape;86;p18"/>
+          <p:cNvPr id="91" name="Google Shape;91;p19"/>
           <p:cNvSpPr txBox="1"/>
           <p:nvPr>
             <p:ph idx="1" type="body"/>
@@ -8273,12 +8643,12 @@
 </p:sld>
 </file>
 
-<file path=ppt/slides/slide7.xml><?xml version="1.0" encoding="utf-8"?>
+<file path=ppt/slides/slide8.xml><?xml version="1.0" encoding="utf-8"?>
 <p:sld xmlns:a="http://schemas.openxmlformats.org/drawingml/2006/main" xmlns:r="http://schemas.openxmlformats.org/officeDocument/2006/relationships" xmlns:mc="http://schemas.openxmlformats.org/markup-compatibility/2006" xmlns:mv="urn:schemas-microsoft-com:mac:vml" xmlns:p="http://schemas.openxmlformats.org/presentationml/2006/main" xmlns:c="http://schemas.openxmlformats.org/drawingml/2006/chart" xmlns:dgm="http://schemas.openxmlformats.org/drawingml/2006/diagram" xmlns:o="urn:schemas-microsoft-com:office:office" xmlns:v="urn:schemas-microsoft-com:vml" xmlns:pvml="urn:schemas-microsoft-com:office:powerpoint" xmlns:com="http://schemas.openxmlformats.org/drawingml/2006/compatibility" xmlns:p14="http://schemas.microsoft.com/office/powerpoint/2010/main" xmlns:p15="http://schemas.microsoft.com/office/powerpoint/2012/main">
   <p:cSld>
     <p:spTree>
       <p:nvGrpSpPr>
-        <p:cNvPr id="90" name="Shape 90"/>
+        <p:cNvPr id="95" name="Shape 95"/>
         <p:cNvGrpSpPr/>
         <p:nvPr/>
       </p:nvGrpSpPr>
@@ -8292,7 +8662,7 @@
       </p:grpSpPr>
       <p:sp>
         <p:nvSpPr>
-          <p:cNvPr id="91" name="Google Shape;91;p19"/>
+          <p:cNvPr id="96" name="Google Shape;96;p20"/>
           <p:cNvSpPr txBox="1"/>
           <p:nvPr>
             <p:ph type="title"/>
@@ -8340,7 +8710,7 @@
       </p:sp>
       <p:sp>
         <p:nvSpPr>
-          <p:cNvPr id="92" name="Google Shape;92;p19"/>
+          <p:cNvPr id="97" name="Google Shape;97;p20"/>
           <p:cNvSpPr txBox="1"/>
           <p:nvPr>
             <p:ph idx="1" type="body"/>
@@ -8478,12 +8848,12 @@
 </p:sld>
 </file>
 
-<file path=ppt/slides/slide8.xml><?xml version="1.0" encoding="utf-8"?>
+<file path=ppt/slides/slide9.xml><?xml version="1.0" encoding="utf-8"?>
 <p:sld xmlns:a="http://schemas.openxmlformats.org/drawingml/2006/main" xmlns:r="http://schemas.openxmlformats.org/officeDocument/2006/relationships" xmlns:mc="http://schemas.openxmlformats.org/markup-compatibility/2006" xmlns:mv="urn:schemas-microsoft-com:mac:vml" xmlns:p="http://schemas.openxmlformats.org/presentationml/2006/main" xmlns:c="http://schemas.openxmlformats.org/drawingml/2006/chart" xmlns:dgm="http://schemas.openxmlformats.org/drawingml/2006/diagram" xmlns:o="urn:schemas-microsoft-com:office:office" xmlns:v="urn:schemas-microsoft-com:vml" xmlns:pvml="urn:schemas-microsoft-com:office:powerpoint" xmlns:com="http://schemas.openxmlformats.org/drawingml/2006/compatibility" xmlns:p14="http://schemas.microsoft.com/office/powerpoint/2010/main" xmlns:p15="http://schemas.microsoft.com/office/powerpoint/2012/main">
   <p:cSld>
     <p:spTree>
       <p:nvGrpSpPr>
-        <p:cNvPr id="96" name="Shape 96"/>
+        <p:cNvPr id="101" name="Shape 101"/>
         <p:cNvGrpSpPr/>
         <p:nvPr/>
       </p:nvGrpSpPr>
@@ -8497,7 +8867,7 @@
       </p:grpSpPr>
       <p:sp>
         <p:nvSpPr>
-          <p:cNvPr id="97" name="Google Shape;97;p20"/>
+          <p:cNvPr id="102" name="Google Shape;102;p21"/>
           <p:cNvSpPr txBox="1"/>
           <p:nvPr>
             <p:ph type="title"/>
@@ -8545,7 +8915,7 @@
       </p:sp>
       <p:sp>
         <p:nvSpPr>
-          <p:cNvPr id="98" name="Google Shape;98;p20"/>
+          <p:cNvPr id="103" name="Google Shape;103;p21"/>
           <p:cNvSpPr txBox="1"/>
           <p:nvPr>
             <p:ph idx="1" type="body"/>
@@ -8566,7 +8936,7 @@
           </a:bodyPr>
           <a:lstStyle/>
           <a:p>
-            <a:pPr indent="0" lvl="0" marL="0" rtl="0" algn="l">
+            <a:pPr indent="457200" lvl="0" marL="0" rtl="0" algn="l">
               <a:spcBef>
                 <a:spcPts val="0"/>
               </a:spcBef>
@@ -8587,157 +8957,6 @@
           </a:p>
         </p:txBody>
       </p:sp>
-    </p:spTree>
-  </p:cSld>
-  <p:clrMapOvr>
-    <a:masterClrMapping/>
-  </p:clrMapOvr>
-</p:sld>
-</file>
-
-<file path=ppt/slides/slide9.xml><?xml version="1.0" encoding="utf-8"?>
-<p:sld xmlns:a="http://schemas.openxmlformats.org/drawingml/2006/main" xmlns:r="http://schemas.openxmlformats.org/officeDocument/2006/relationships" xmlns:mc="http://schemas.openxmlformats.org/markup-compatibility/2006" xmlns:mv="urn:schemas-microsoft-com:mac:vml" xmlns:p="http://schemas.openxmlformats.org/presentationml/2006/main" xmlns:c="http://schemas.openxmlformats.org/drawingml/2006/chart" xmlns:dgm="http://schemas.openxmlformats.org/drawingml/2006/diagram" xmlns:o="urn:schemas-microsoft-com:office:office" xmlns:v="urn:schemas-microsoft-com:vml" xmlns:pvml="urn:schemas-microsoft-com:office:powerpoint" xmlns:com="http://schemas.openxmlformats.org/drawingml/2006/compatibility" xmlns:p14="http://schemas.microsoft.com/office/powerpoint/2010/main" xmlns:p15="http://schemas.microsoft.com/office/powerpoint/2012/main">
-  <p:cSld>
-    <p:spTree>
-      <p:nvGrpSpPr>
-        <p:cNvPr id="102" name="Shape 102"/>
-        <p:cNvGrpSpPr/>
-        <p:nvPr/>
-      </p:nvGrpSpPr>
-      <p:grpSpPr>
-        <a:xfrm>
-          <a:off x="0" y="0"/>
-          <a:ext cx="0" cy="0"/>
-          <a:chOff x="0" y="0"/>
-          <a:chExt cx="0" cy="0"/>
-        </a:xfrm>
-      </p:grpSpPr>
-      <p:sp>
-        <p:nvSpPr>
-          <p:cNvPr id="103" name="Google Shape;103;p21"/>
-          <p:cNvSpPr txBox="1"/>
-          <p:nvPr>
-            <p:ph type="title"/>
-          </p:nvPr>
-        </p:nvSpPr>
-        <p:spPr>
-          <a:xfrm>
-            <a:off x="311700" y="445025"/>
-            <a:ext cx="8520600" cy="572700"/>
-          </a:xfrm>
-          <a:prstGeom prst="rect">
-            <a:avLst/>
-          </a:prstGeom>
-        </p:spPr>
-        <p:txBody>
-          <a:bodyPr anchorCtr="0" anchor="t" bIns="91425" lIns="91425" spcFirstLastPara="1" rIns="91425" wrap="square" tIns="91425">
-            <a:noAutofit/>
-          </a:bodyPr>
-          <a:lstStyle/>
-          <a:p>
-            <a:pPr indent="0" lvl="0" marL="0" rtl="0" algn="l">
-              <a:spcBef>
-                <a:spcPts val="0"/>
-              </a:spcBef>
-              <a:spcAft>
-                <a:spcPts val="0"/>
-              </a:spcAft>
-              <a:buNone/>
-            </a:pPr>
-            <a:r>
-              <a:rPr lang="en"/>
-              <a:t>Waterfall</a:t>
-            </a:r>
-            <a:r>
-              <a:rPr lang="en"/>
-              <a:t> Methodology </a:t>
-            </a:r>
-            <a:endParaRPr/>
-          </a:p>
-        </p:txBody>
-      </p:sp>
-      <p:sp>
-        <p:nvSpPr>
-          <p:cNvPr id="104" name="Google Shape;104;p21"/>
-          <p:cNvSpPr txBox="1"/>
-          <p:nvPr>
-            <p:ph idx="1" type="body"/>
-          </p:nvPr>
-        </p:nvSpPr>
-        <p:spPr>
-          <a:xfrm>
-            <a:off x="395575" y="1077900"/>
-            <a:ext cx="8520600" cy="3416400"/>
-          </a:xfrm>
-          <a:prstGeom prst="rect">
-            <a:avLst/>
-          </a:prstGeom>
-        </p:spPr>
-        <p:txBody>
-          <a:bodyPr anchorCtr="0" anchor="t" bIns="91425" lIns="91425" spcFirstLastPara="1" rIns="91425" wrap="square" tIns="91425">
-            <a:noAutofit/>
-          </a:bodyPr>
-          <a:lstStyle/>
-          <a:p>
-            <a:pPr indent="0" lvl="0" marL="0" rtl="0" algn="l">
-              <a:spcBef>
-                <a:spcPts val="0"/>
-              </a:spcBef>
-              <a:spcAft>
-                <a:spcPts val="0"/>
-              </a:spcAft>
-              <a:buNone/>
-            </a:pPr>
-            <a:r>
-              <a:t/>
-            </a:r>
-            <a:endParaRPr/>
-          </a:p>
-          <a:p>
-            <a:pPr indent="0" lvl="0" marL="0" rtl="0" algn="l">
-              <a:spcBef>
-                <a:spcPts val="1600"/>
-              </a:spcBef>
-              <a:spcAft>
-                <a:spcPts val="1600"/>
-              </a:spcAft>
-              <a:buNone/>
-            </a:pPr>
-            <a:r>
-              <a:t/>
-            </a:r>
-            <a:endParaRPr/>
-          </a:p>
-        </p:txBody>
-      </p:sp>
-      <p:pic>
-        <p:nvPicPr>
-          <p:cNvPr id="105" name="Google Shape;105;p21"/>
-          <p:cNvPicPr preferRelativeResize="0"/>
-          <p:nvPr/>
-        </p:nvPicPr>
-        <p:blipFill>
-          <a:blip r:embed="rId3">
-            <a:alphaModFix/>
-          </a:blip>
-          <a:stretch>
-            <a:fillRect/>
-          </a:stretch>
-        </p:blipFill>
-        <p:spPr>
-          <a:xfrm>
-            <a:off x="1256900" y="1017725"/>
-            <a:ext cx="7091975" cy="3749825"/>
-          </a:xfrm>
-          <a:prstGeom prst="rect">
-            <a:avLst/>
-          </a:prstGeom>
-          <a:noFill/>
-          <a:ln>
-            <a:noFill/>
-          </a:ln>
-        </p:spPr>
-      </p:pic>
     </p:spTree>
   </p:cSld>
   <p:clrMapOvr>

--- a/IS 436: Deliverable 1.pptx
+++ b/IS 436: Deliverable 1.pptx
@@ -358,104 +358,239 @@
             <a:noAutofit/>
           </a:bodyPr>
           <a:lstStyle>
-            <a:lvl1pPr indent="-298450" lvl="0" marL="457200">
-              <a:spcBef>
-                <a:spcPts val="0"/>
-              </a:spcBef>
-              <a:spcAft>
-                <a:spcPts val="0"/>
-              </a:spcAft>
+            <a:lvl1pPr indent="-298450" lvl="0" marL="457200" marR="0" rtl="0" algn="l">
+              <a:lnSpc>
+                <a:spcPct val="100000"/>
+              </a:lnSpc>
+              <a:spcBef>
+                <a:spcPts val="0"/>
+              </a:spcBef>
+              <a:spcAft>
+                <a:spcPts val="0"/>
+              </a:spcAft>
+              <a:buClr>
+                <a:srgbClr val="000000"/>
+              </a:buClr>
               <a:buSzPts val="1100"/>
+              <a:buFont typeface="Arial"/>
               <a:buChar char="●"/>
-              <a:defRPr sz="1100"/>
+              <a:defRPr b="0" i="0" sz="1100" u="none" cap="none" strike="noStrike">
+                <a:solidFill>
+                  <a:srgbClr val="000000"/>
+                </a:solidFill>
+                <a:latin typeface="Arial"/>
+                <a:ea typeface="Arial"/>
+                <a:cs typeface="Arial"/>
+                <a:sym typeface="Arial"/>
+              </a:defRPr>
             </a:lvl1pPr>
-            <a:lvl2pPr indent="-298450" lvl="1" marL="914400">
-              <a:spcBef>
-                <a:spcPts val="0"/>
-              </a:spcBef>
-              <a:spcAft>
-                <a:spcPts val="0"/>
-              </a:spcAft>
+            <a:lvl2pPr indent="-298450" lvl="1" marL="914400" marR="0" rtl="0" algn="l">
+              <a:lnSpc>
+                <a:spcPct val="100000"/>
+              </a:lnSpc>
+              <a:spcBef>
+                <a:spcPts val="0"/>
+              </a:spcBef>
+              <a:spcAft>
+                <a:spcPts val="0"/>
+              </a:spcAft>
+              <a:buClr>
+                <a:srgbClr val="000000"/>
+              </a:buClr>
               <a:buSzPts val="1100"/>
+              <a:buFont typeface="Arial"/>
               <a:buChar char="○"/>
-              <a:defRPr sz="1100"/>
+              <a:defRPr b="0" i="0" sz="1100" u="none" cap="none" strike="noStrike">
+                <a:solidFill>
+                  <a:srgbClr val="000000"/>
+                </a:solidFill>
+                <a:latin typeface="Arial"/>
+                <a:ea typeface="Arial"/>
+                <a:cs typeface="Arial"/>
+                <a:sym typeface="Arial"/>
+              </a:defRPr>
             </a:lvl2pPr>
-            <a:lvl3pPr indent="-298450" lvl="2" marL="1371600">
-              <a:spcBef>
-                <a:spcPts val="0"/>
-              </a:spcBef>
-              <a:spcAft>
-                <a:spcPts val="0"/>
-              </a:spcAft>
+            <a:lvl3pPr indent="-298450" lvl="2" marL="1371600" marR="0" rtl="0" algn="l">
+              <a:lnSpc>
+                <a:spcPct val="100000"/>
+              </a:lnSpc>
+              <a:spcBef>
+                <a:spcPts val="0"/>
+              </a:spcBef>
+              <a:spcAft>
+                <a:spcPts val="0"/>
+              </a:spcAft>
+              <a:buClr>
+                <a:srgbClr val="000000"/>
+              </a:buClr>
               <a:buSzPts val="1100"/>
+              <a:buFont typeface="Arial"/>
               <a:buChar char="■"/>
-              <a:defRPr sz="1100"/>
+              <a:defRPr b="0" i="0" sz="1100" u="none" cap="none" strike="noStrike">
+                <a:solidFill>
+                  <a:srgbClr val="000000"/>
+                </a:solidFill>
+                <a:latin typeface="Arial"/>
+                <a:ea typeface="Arial"/>
+                <a:cs typeface="Arial"/>
+                <a:sym typeface="Arial"/>
+              </a:defRPr>
             </a:lvl3pPr>
-            <a:lvl4pPr indent="-298450" lvl="3" marL="1828800">
-              <a:spcBef>
-                <a:spcPts val="0"/>
-              </a:spcBef>
-              <a:spcAft>
-                <a:spcPts val="0"/>
-              </a:spcAft>
+            <a:lvl4pPr indent="-298450" lvl="3" marL="1828800" marR="0" rtl="0" algn="l">
+              <a:lnSpc>
+                <a:spcPct val="100000"/>
+              </a:lnSpc>
+              <a:spcBef>
+                <a:spcPts val="0"/>
+              </a:spcBef>
+              <a:spcAft>
+                <a:spcPts val="0"/>
+              </a:spcAft>
+              <a:buClr>
+                <a:srgbClr val="000000"/>
+              </a:buClr>
               <a:buSzPts val="1100"/>
+              <a:buFont typeface="Arial"/>
               <a:buChar char="●"/>
-              <a:defRPr sz="1100"/>
+              <a:defRPr b="0" i="0" sz="1100" u="none" cap="none" strike="noStrike">
+                <a:solidFill>
+                  <a:srgbClr val="000000"/>
+                </a:solidFill>
+                <a:latin typeface="Arial"/>
+                <a:ea typeface="Arial"/>
+                <a:cs typeface="Arial"/>
+                <a:sym typeface="Arial"/>
+              </a:defRPr>
             </a:lvl4pPr>
-            <a:lvl5pPr indent="-298450" lvl="4" marL="2286000">
-              <a:spcBef>
-                <a:spcPts val="0"/>
-              </a:spcBef>
-              <a:spcAft>
-                <a:spcPts val="0"/>
-              </a:spcAft>
+            <a:lvl5pPr indent="-298450" lvl="4" marL="2286000" marR="0" rtl="0" algn="l">
+              <a:lnSpc>
+                <a:spcPct val="100000"/>
+              </a:lnSpc>
+              <a:spcBef>
+                <a:spcPts val="0"/>
+              </a:spcBef>
+              <a:spcAft>
+                <a:spcPts val="0"/>
+              </a:spcAft>
+              <a:buClr>
+                <a:srgbClr val="000000"/>
+              </a:buClr>
               <a:buSzPts val="1100"/>
+              <a:buFont typeface="Arial"/>
               <a:buChar char="○"/>
-              <a:defRPr sz="1100"/>
+              <a:defRPr b="0" i="0" sz="1100" u="none" cap="none" strike="noStrike">
+                <a:solidFill>
+                  <a:srgbClr val="000000"/>
+                </a:solidFill>
+                <a:latin typeface="Arial"/>
+                <a:ea typeface="Arial"/>
+                <a:cs typeface="Arial"/>
+                <a:sym typeface="Arial"/>
+              </a:defRPr>
             </a:lvl5pPr>
-            <a:lvl6pPr indent="-298450" lvl="5" marL="2743200">
-              <a:spcBef>
-                <a:spcPts val="0"/>
-              </a:spcBef>
-              <a:spcAft>
-                <a:spcPts val="0"/>
-              </a:spcAft>
+            <a:lvl6pPr indent="-298450" lvl="5" marL="2743200" marR="0" rtl="0" algn="l">
+              <a:lnSpc>
+                <a:spcPct val="100000"/>
+              </a:lnSpc>
+              <a:spcBef>
+                <a:spcPts val="0"/>
+              </a:spcBef>
+              <a:spcAft>
+                <a:spcPts val="0"/>
+              </a:spcAft>
+              <a:buClr>
+                <a:srgbClr val="000000"/>
+              </a:buClr>
               <a:buSzPts val="1100"/>
+              <a:buFont typeface="Arial"/>
               <a:buChar char="■"/>
-              <a:defRPr sz="1100"/>
+              <a:defRPr b="0" i="0" sz="1100" u="none" cap="none" strike="noStrike">
+                <a:solidFill>
+                  <a:srgbClr val="000000"/>
+                </a:solidFill>
+                <a:latin typeface="Arial"/>
+                <a:ea typeface="Arial"/>
+                <a:cs typeface="Arial"/>
+                <a:sym typeface="Arial"/>
+              </a:defRPr>
             </a:lvl6pPr>
-            <a:lvl7pPr indent="-298450" lvl="6" marL="3200400">
-              <a:spcBef>
-                <a:spcPts val="0"/>
-              </a:spcBef>
-              <a:spcAft>
-                <a:spcPts val="0"/>
-              </a:spcAft>
+            <a:lvl7pPr indent="-298450" lvl="6" marL="3200400" marR="0" rtl="0" algn="l">
+              <a:lnSpc>
+                <a:spcPct val="100000"/>
+              </a:lnSpc>
+              <a:spcBef>
+                <a:spcPts val="0"/>
+              </a:spcBef>
+              <a:spcAft>
+                <a:spcPts val="0"/>
+              </a:spcAft>
+              <a:buClr>
+                <a:srgbClr val="000000"/>
+              </a:buClr>
               <a:buSzPts val="1100"/>
+              <a:buFont typeface="Arial"/>
               <a:buChar char="●"/>
-              <a:defRPr sz="1100"/>
+              <a:defRPr b="0" i="0" sz="1100" u="none" cap="none" strike="noStrike">
+                <a:solidFill>
+                  <a:srgbClr val="000000"/>
+                </a:solidFill>
+                <a:latin typeface="Arial"/>
+                <a:ea typeface="Arial"/>
+                <a:cs typeface="Arial"/>
+                <a:sym typeface="Arial"/>
+              </a:defRPr>
             </a:lvl7pPr>
-            <a:lvl8pPr indent="-298450" lvl="7" marL="3657600">
-              <a:spcBef>
-                <a:spcPts val="0"/>
-              </a:spcBef>
-              <a:spcAft>
-                <a:spcPts val="0"/>
-              </a:spcAft>
+            <a:lvl8pPr indent="-298450" lvl="7" marL="3657600" marR="0" rtl="0" algn="l">
+              <a:lnSpc>
+                <a:spcPct val="100000"/>
+              </a:lnSpc>
+              <a:spcBef>
+                <a:spcPts val="0"/>
+              </a:spcBef>
+              <a:spcAft>
+                <a:spcPts val="0"/>
+              </a:spcAft>
+              <a:buClr>
+                <a:srgbClr val="000000"/>
+              </a:buClr>
               <a:buSzPts val="1100"/>
+              <a:buFont typeface="Arial"/>
               <a:buChar char="○"/>
-              <a:defRPr sz="1100"/>
+              <a:defRPr b="0" i="0" sz="1100" u="none" cap="none" strike="noStrike">
+                <a:solidFill>
+                  <a:srgbClr val="000000"/>
+                </a:solidFill>
+                <a:latin typeface="Arial"/>
+                <a:ea typeface="Arial"/>
+                <a:cs typeface="Arial"/>
+                <a:sym typeface="Arial"/>
+              </a:defRPr>
             </a:lvl8pPr>
-            <a:lvl9pPr indent="-298450" lvl="8" marL="4114800">
-              <a:spcBef>
-                <a:spcPts val="0"/>
-              </a:spcBef>
-              <a:spcAft>
-                <a:spcPts val="0"/>
-              </a:spcAft>
+            <a:lvl9pPr indent="-298450" lvl="8" marL="4114800" marR="0" rtl="0" algn="l">
+              <a:lnSpc>
+                <a:spcPct val="100000"/>
+              </a:lnSpc>
+              <a:spcBef>
+                <a:spcPts val="0"/>
+              </a:spcBef>
+              <a:spcAft>
+                <a:spcPts val="0"/>
+              </a:spcAft>
+              <a:buClr>
+                <a:srgbClr val="000000"/>
+              </a:buClr>
               <a:buSzPts val="1100"/>
+              <a:buFont typeface="Arial"/>
               <a:buChar char="■"/>
-              <a:defRPr sz="1100"/>
+              <a:defRPr b="0" i="0" sz="1100" u="none" cap="none" strike="noStrike">
+                <a:solidFill>
+                  <a:srgbClr val="000000"/>
+                </a:solidFill>
+                <a:latin typeface="Arial"/>
+                <a:ea typeface="Arial"/>
+                <a:cs typeface="Arial"/>
+                <a:sym typeface="Arial"/>
+              </a:defRPr>
             </a:lvl9pPr>
           </a:lstStyle>
           <a:p/>
@@ -715,7 +850,7 @@
       </p:grpSpPr>
       <p:sp>
         <p:nvSpPr>
-          <p:cNvPr id="51" name="Google Shape;51;p:notes"/>
+          <p:cNvPr id="51" name="Google Shape;51;p1:notes"/>
           <p:cNvSpPr/>
           <p:nvPr>
             <p:ph idx="2" type="sldImg"/>
@@ -746,11 +881,21 @@
               </a:path>
             </a:pathLst>
           </a:custGeom>
+          <a:noFill/>
+          <a:ln cap="flat" cmpd="sng" w="9525">
+            <a:solidFill>
+              <a:srgbClr val="000000"/>
+            </a:solidFill>
+            <a:prstDash val="solid"/>
+            <a:round/>
+            <a:headEnd len="sm" w="sm" type="none"/>
+            <a:tailEnd len="sm" w="sm" type="none"/>
+          </a:ln>
         </p:spPr>
       </p:sp>
       <p:sp>
         <p:nvSpPr>
-          <p:cNvPr id="52" name="Google Shape;52;p:notes"/>
+          <p:cNvPr id="52" name="Google Shape;52;p1:notes"/>
           <p:cNvSpPr txBox="1"/>
           <p:nvPr>
             <p:ph idx="1" type="body"/>
@@ -764,6 +909,10 @@
           <a:prstGeom prst="rect">
             <a:avLst/>
           </a:prstGeom>
+          <a:noFill/>
+          <a:ln>
+            <a:noFill/>
+          </a:ln>
         </p:spPr>
         <p:txBody>
           <a:bodyPr anchorCtr="0" anchor="t" bIns="91425" lIns="91425" spcFirstLastPara="1" rIns="91425" wrap="square" tIns="91425">
@@ -772,12 +921,16 @@
           <a:lstStyle/>
           <a:p>
             <a:pPr indent="0" lvl="0" marL="0" rtl="0" algn="l">
-              <a:spcBef>
-                <a:spcPts val="0"/>
-              </a:spcBef>
-              <a:spcAft>
-                <a:spcPts val="0"/>
-              </a:spcAft>
+              <a:lnSpc>
+                <a:spcPct val="100000"/>
+              </a:lnSpc>
+              <a:spcBef>
+                <a:spcPts val="0"/>
+              </a:spcBef>
+              <a:spcAft>
+                <a:spcPts val="0"/>
+              </a:spcAft>
+              <a:buSzPts val="1100"/>
               <a:buNone/>
             </a:pPr>
             <a:r>
@@ -814,7 +967,7 @@
       </p:grpSpPr>
       <p:sp>
         <p:nvSpPr>
-          <p:cNvPr id="105" name="Google Shape;105;g62da31217e_8_0:notes"/>
+          <p:cNvPr id="105" name="Google Shape;105;p10:notes"/>
           <p:cNvSpPr/>
           <p:nvPr>
             <p:ph idx="2" type="sldImg"/>
@@ -845,11 +998,21 @@
               </a:path>
             </a:pathLst>
           </a:custGeom>
+          <a:noFill/>
+          <a:ln cap="flat" cmpd="sng" w="9525">
+            <a:solidFill>
+              <a:srgbClr val="000000"/>
+            </a:solidFill>
+            <a:prstDash val="solid"/>
+            <a:round/>
+            <a:headEnd len="sm" w="sm" type="none"/>
+            <a:tailEnd len="sm" w="sm" type="none"/>
+          </a:ln>
         </p:spPr>
       </p:sp>
       <p:sp>
         <p:nvSpPr>
-          <p:cNvPr id="106" name="Google Shape;106;g62da31217e_8_0:notes"/>
+          <p:cNvPr id="106" name="Google Shape;106;p10:notes"/>
           <p:cNvSpPr txBox="1"/>
           <p:nvPr>
             <p:ph idx="1" type="body"/>
@@ -863,6 +1026,10 @@
           <a:prstGeom prst="rect">
             <a:avLst/>
           </a:prstGeom>
+          <a:noFill/>
+          <a:ln>
+            <a:noFill/>
+          </a:ln>
         </p:spPr>
         <p:txBody>
           <a:bodyPr anchorCtr="0" anchor="t" bIns="91425" lIns="91425" spcFirstLastPara="1" rIns="91425" wrap="square" tIns="91425">
@@ -871,12 +1038,16 @@
           <a:lstStyle/>
           <a:p>
             <a:pPr indent="0" lvl="0" marL="0" rtl="0" algn="l">
-              <a:spcBef>
-                <a:spcPts val="0"/>
-              </a:spcBef>
-              <a:spcAft>
-                <a:spcPts val="0"/>
-              </a:spcAft>
+              <a:lnSpc>
+                <a:spcPct val="100000"/>
+              </a:lnSpc>
+              <a:spcBef>
+                <a:spcPts val="0"/>
+              </a:spcBef>
+              <a:spcAft>
+                <a:spcPts val="0"/>
+              </a:spcAft>
+              <a:buSzPts val="1100"/>
               <a:buNone/>
             </a:pPr>
             <a:r>
@@ -913,7 +1084,7 @@
       </p:grpSpPr>
       <p:sp>
         <p:nvSpPr>
-          <p:cNvPr id="112" name="Google Shape;112;g61dba17950_0_81:notes"/>
+          <p:cNvPr id="112" name="Google Shape;112;p11:notes"/>
           <p:cNvSpPr/>
           <p:nvPr>
             <p:ph idx="2" type="sldImg"/>
@@ -944,11 +1115,21 @@
               </a:path>
             </a:pathLst>
           </a:custGeom>
+          <a:noFill/>
+          <a:ln cap="flat" cmpd="sng" w="9525">
+            <a:solidFill>
+              <a:srgbClr val="000000"/>
+            </a:solidFill>
+            <a:prstDash val="solid"/>
+            <a:round/>
+            <a:headEnd len="sm" w="sm" type="none"/>
+            <a:tailEnd len="sm" w="sm" type="none"/>
+          </a:ln>
         </p:spPr>
       </p:sp>
       <p:sp>
         <p:nvSpPr>
-          <p:cNvPr id="113" name="Google Shape;113;g61dba17950_0_81:notes"/>
+          <p:cNvPr id="113" name="Google Shape;113;p11:notes"/>
           <p:cNvSpPr txBox="1"/>
           <p:nvPr>
             <p:ph idx="1" type="body"/>
@@ -962,6 +1143,10 @@
           <a:prstGeom prst="rect">
             <a:avLst/>
           </a:prstGeom>
+          <a:noFill/>
+          <a:ln>
+            <a:noFill/>
+          </a:ln>
         </p:spPr>
         <p:txBody>
           <a:bodyPr anchorCtr="0" anchor="t" bIns="91425" lIns="91425" spcFirstLastPara="1" rIns="91425" wrap="square" tIns="91425">
@@ -970,12 +1155,16 @@
           <a:lstStyle/>
           <a:p>
             <a:pPr indent="0" lvl="0" marL="0" rtl="0" algn="l">
-              <a:spcBef>
-                <a:spcPts val="0"/>
-              </a:spcBef>
-              <a:spcAft>
-                <a:spcPts val="0"/>
-              </a:spcAft>
+              <a:lnSpc>
+                <a:spcPct val="100000"/>
+              </a:lnSpc>
+              <a:spcBef>
+                <a:spcPts val="0"/>
+              </a:spcBef>
+              <a:spcAft>
+                <a:spcPts val="0"/>
+              </a:spcAft>
+              <a:buSzPts val="1100"/>
               <a:buNone/>
             </a:pPr>
             <a:r>
@@ -1012,7 +1201,7 @@
       </p:grpSpPr>
       <p:sp>
         <p:nvSpPr>
-          <p:cNvPr id="57" name="Google Shape;57;g61dba17950_0_50:notes"/>
+          <p:cNvPr id="57" name="Google Shape;57;p2:notes"/>
           <p:cNvSpPr/>
           <p:nvPr>
             <p:ph idx="2" type="sldImg"/>
@@ -1043,11 +1232,21 @@
               </a:path>
             </a:pathLst>
           </a:custGeom>
+          <a:noFill/>
+          <a:ln cap="flat" cmpd="sng" w="9525">
+            <a:solidFill>
+              <a:srgbClr val="000000"/>
+            </a:solidFill>
+            <a:prstDash val="solid"/>
+            <a:round/>
+            <a:headEnd len="sm" w="sm" type="none"/>
+            <a:tailEnd len="sm" w="sm" type="none"/>
+          </a:ln>
         </p:spPr>
       </p:sp>
       <p:sp>
         <p:nvSpPr>
-          <p:cNvPr id="58" name="Google Shape;58;g61dba17950_0_50:notes"/>
+          <p:cNvPr id="58" name="Google Shape;58;p2:notes"/>
           <p:cNvSpPr txBox="1"/>
           <p:nvPr>
             <p:ph idx="1" type="body"/>
@@ -1061,6 +1260,10 @@
           <a:prstGeom prst="rect">
             <a:avLst/>
           </a:prstGeom>
+          <a:noFill/>
+          <a:ln>
+            <a:noFill/>
+          </a:ln>
         </p:spPr>
         <p:txBody>
           <a:bodyPr anchorCtr="0" anchor="t" bIns="91425" lIns="91425" spcFirstLastPara="1" rIns="91425" wrap="square" tIns="91425">
@@ -1069,12 +1272,16 @@
           <a:lstStyle/>
           <a:p>
             <a:pPr indent="0" lvl="0" marL="0" rtl="0" algn="l">
-              <a:spcBef>
-                <a:spcPts val="0"/>
-              </a:spcBef>
-              <a:spcAft>
-                <a:spcPts val="0"/>
-              </a:spcAft>
+              <a:lnSpc>
+                <a:spcPct val="100000"/>
+              </a:lnSpc>
+              <a:spcBef>
+                <a:spcPts val="0"/>
+              </a:spcBef>
+              <a:spcAft>
+                <a:spcPts val="0"/>
+              </a:spcAft>
+              <a:buSzPts val="1100"/>
               <a:buNone/>
             </a:pPr>
             <a:r>
@@ -1111,7 +1318,7 @@
       </p:grpSpPr>
       <p:sp>
         <p:nvSpPr>
-          <p:cNvPr id="63" name="Google Shape;63;g61dba17950_0_76:notes"/>
+          <p:cNvPr id="63" name="Google Shape;63;p3:notes"/>
           <p:cNvSpPr/>
           <p:nvPr>
             <p:ph idx="2" type="sldImg"/>
@@ -1142,11 +1349,21 @@
               </a:path>
             </a:pathLst>
           </a:custGeom>
+          <a:noFill/>
+          <a:ln cap="flat" cmpd="sng" w="9525">
+            <a:solidFill>
+              <a:srgbClr val="000000"/>
+            </a:solidFill>
+            <a:prstDash val="solid"/>
+            <a:round/>
+            <a:headEnd len="sm" w="sm" type="none"/>
+            <a:tailEnd len="sm" w="sm" type="none"/>
+          </a:ln>
         </p:spPr>
       </p:sp>
       <p:sp>
         <p:nvSpPr>
-          <p:cNvPr id="64" name="Google Shape;64;g61dba17950_0_76:notes"/>
+          <p:cNvPr id="64" name="Google Shape;64;p3:notes"/>
           <p:cNvSpPr txBox="1"/>
           <p:nvPr>
             <p:ph idx="1" type="body"/>
@@ -1160,6 +1377,10 @@
           <a:prstGeom prst="rect">
             <a:avLst/>
           </a:prstGeom>
+          <a:noFill/>
+          <a:ln>
+            <a:noFill/>
+          </a:ln>
         </p:spPr>
         <p:txBody>
           <a:bodyPr anchorCtr="0" anchor="t" bIns="91425" lIns="91425" spcFirstLastPara="1" rIns="91425" wrap="square" tIns="91425">
@@ -1168,12 +1389,16 @@
           <a:lstStyle/>
           <a:p>
             <a:pPr indent="0" lvl="0" marL="0" rtl="0" algn="l">
-              <a:spcBef>
-                <a:spcPts val="0"/>
-              </a:spcBef>
-              <a:spcAft>
-                <a:spcPts val="0"/>
-              </a:spcAft>
+              <a:lnSpc>
+                <a:spcPct val="100000"/>
+              </a:lnSpc>
+              <a:spcBef>
+                <a:spcPts val="0"/>
+              </a:spcBef>
+              <a:spcAft>
+                <a:spcPts val="0"/>
+              </a:spcAft>
+              <a:buSzPts val="1100"/>
               <a:buNone/>
             </a:pPr>
             <a:r>
@@ -1210,7 +1435,7 @@
       </p:grpSpPr>
       <p:sp>
         <p:nvSpPr>
-          <p:cNvPr id="69" name="Google Shape;69;g61dba17950_0_45:notes"/>
+          <p:cNvPr id="69" name="Google Shape;69;p4:notes"/>
           <p:cNvSpPr/>
           <p:nvPr>
             <p:ph idx="2" type="sldImg"/>
@@ -1241,11 +1466,21 @@
               </a:path>
             </a:pathLst>
           </a:custGeom>
+          <a:noFill/>
+          <a:ln cap="flat" cmpd="sng" w="9525">
+            <a:solidFill>
+              <a:srgbClr val="000000"/>
+            </a:solidFill>
+            <a:prstDash val="solid"/>
+            <a:round/>
+            <a:headEnd len="sm" w="sm" type="none"/>
+            <a:tailEnd len="sm" w="sm" type="none"/>
+          </a:ln>
         </p:spPr>
       </p:sp>
       <p:sp>
         <p:nvSpPr>
-          <p:cNvPr id="70" name="Google Shape;70;g61dba17950_0_45:notes"/>
+          <p:cNvPr id="70" name="Google Shape;70;p4:notes"/>
           <p:cNvSpPr txBox="1"/>
           <p:nvPr>
             <p:ph idx="1" type="body"/>
@@ -1259,6 +1494,10 @@
           <a:prstGeom prst="rect">
             <a:avLst/>
           </a:prstGeom>
+          <a:noFill/>
+          <a:ln>
+            <a:noFill/>
+          </a:ln>
         </p:spPr>
         <p:txBody>
           <a:bodyPr anchorCtr="0" anchor="t" bIns="91425" lIns="91425" spcFirstLastPara="1" rIns="91425" wrap="square" tIns="91425">
@@ -1267,12 +1506,16 @@
           <a:lstStyle/>
           <a:p>
             <a:pPr indent="0" lvl="0" marL="0" rtl="0" algn="l">
-              <a:spcBef>
-                <a:spcPts val="0"/>
-              </a:spcBef>
-              <a:spcAft>
-                <a:spcPts val="0"/>
-              </a:spcAft>
+              <a:lnSpc>
+                <a:spcPct val="100000"/>
+              </a:lnSpc>
+              <a:spcBef>
+                <a:spcPts val="0"/>
+              </a:spcBef>
+              <a:spcAft>
+                <a:spcPts val="0"/>
+              </a:spcAft>
+              <a:buSzPts val="1100"/>
               <a:buNone/>
             </a:pPr>
             <a:r>
@@ -1309,7 +1552,7 @@
       </p:grpSpPr>
       <p:sp>
         <p:nvSpPr>
-          <p:cNvPr id="75" name="Google Shape;75;g61dba17950_0_55:notes"/>
+          <p:cNvPr id="75" name="Google Shape;75;p5:notes"/>
           <p:cNvSpPr/>
           <p:nvPr>
             <p:ph idx="2" type="sldImg"/>
@@ -1340,11 +1583,21 @@
               </a:path>
             </a:pathLst>
           </a:custGeom>
+          <a:noFill/>
+          <a:ln cap="flat" cmpd="sng" w="9525">
+            <a:solidFill>
+              <a:srgbClr val="000000"/>
+            </a:solidFill>
+            <a:prstDash val="solid"/>
+            <a:round/>
+            <a:headEnd len="sm" w="sm" type="none"/>
+            <a:tailEnd len="sm" w="sm" type="none"/>
+          </a:ln>
         </p:spPr>
       </p:sp>
       <p:sp>
         <p:nvSpPr>
-          <p:cNvPr id="76" name="Google Shape;76;g61dba17950_0_55:notes"/>
+          <p:cNvPr id="76" name="Google Shape;76;p5:notes"/>
           <p:cNvSpPr txBox="1"/>
           <p:nvPr>
             <p:ph idx="1" type="body"/>
@@ -1358,6 +1611,10 @@
           <a:prstGeom prst="rect">
             <a:avLst/>
           </a:prstGeom>
+          <a:noFill/>
+          <a:ln>
+            <a:noFill/>
+          </a:ln>
         </p:spPr>
         <p:txBody>
           <a:bodyPr anchorCtr="0" anchor="t" bIns="91425" lIns="91425" spcFirstLastPara="1" rIns="91425" wrap="square" tIns="91425">
@@ -1366,12 +1623,16 @@
           <a:lstStyle/>
           <a:p>
             <a:pPr indent="0" lvl="0" marL="0" rtl="0" algn="l">
-              <a:spcBef>
-                <a:spcPts val="0"/>
-              </a:spcBef>
-              <a:spcAft>
-                <a:spcPts val="0"/>
-              </a:spcAft>
+              <a:lnSpc>
+                <a:spcPct val="100000"/>
+              </a:lnSpc>
+              <a:spcBef>
+                <a:spcPts val="0"/>
+              </a:spcBef>
+              <a:spcAft>
+                <a:spcPts val="0"/>
+              </a:spcAft>
+              <a:buSzPts val="1100"/>
               <a:buNone/>
             </a:pPr>
             <a:r>
@@ -1408,7 +1669,7 @@
       </p:grpSpPr>
       <p:sp>
         <p:nvSpPr>
-          <p:cNvPr id="82" name="Google Shape;82;g62da31217e_12_0:notes"/>
+          <p:cNvPr id="82" name="Google Shape;82;p6:notes"/>
           <p:cNvSpPr/>
           <p:nvPr>
             <p:ph idx="2" type="sldImg"/>
@@ -1439,11 +1700,21 @@
               </a:path>
             </a:pathLst>
           </a:custGeom>
+          <a:noFill/>
+          <a:ln cap="flat" cmpd="sng" w="9525">
+            <a:solidFill>
+              <a:srgbClr val="000000"/>
+            </a:solidFill>
+            <a:prstDash val="solid"/>
+            <a:round/>
+            <a:headEnd len="sm" w="sm" type="none"/>
+            <a:tailEnd len="sm" w="sm" type="none"/>
+          </a:ln>
         </p:spPr>
       </p:sp>
       <p:sp>
         <p:nvSpPr>
-          <p:cNvPr id="83" name="Google Shape;83;g62da31217e_12_0:notes"/>
+          <p:cNvPr id="83" name="Google Shape;83;p6:notes"/>
           <p:cNvSpPr txBox="1"/>
           <p:nvPr>
             <p:ph idx="1" type="body"/>
@@ -1457,6 +1728,10 @@
           <a:prstGeom prst="rect">
             <a:avLst/>
           </a:prstGeom>
+          <a:noFill/>
+          <a:ln>
+            <a:noFill/>
+          </a:ln>
         </p:spPr>
         <p:txBody>
           <a:bodyPr anchorCtr="0" anchor="t" bIns="91425" lIns="91425" spcFirstLastPara="1" rIns="91425" wrap="square" tIns="91425">
@@ -1465,12 +1740,16 @@
           <a:lstStyle/>
           <a:p>
             <a:pPr indent="0" lvl="0" marL="0" rtl="0" algn="l">
-              <a:spcBef>
-                <a:spcPts val="0"/>
-              </a:spcBef>
-              <a:spcAft>
-                <a:spcPts val="0"/>
-              </a:spcAft>
+              <a:lnSpc>
+                <a:spcPct val="100000"/>
+              </a:lnSpc>
+              <a:spcBef>
+                <a:spcPts val="0"/>
+              </a:spcBef>
+              <a:spcAft>
+                <a:spcPts val="0"/>
+              </a:spcAft>
+              <a:buSzPts val="1100"/>
               <a:buNone/>
             </a:pPr>
             <a:r>
@@ -1507,7 +1786,7 @@
       </p:grpSpPr>
       <p:sp>
         <p:nvSpPr>
-          <p:cNvPr id="87" name="Google Shape;87;g61dba17950_0_60:notes"/>
+          <p:cNvPr id="87" name="Google Shape;87;p7:notes"/>
           <p:cNvSpPr/>
           <p:nvPr>
             <p:ph idx="2" type="sldImg"/>
@@ -1538,11 +1817,21 @@
               </a:path>
             </a:pathLst>
           </a:custGeom>
+          <a:noFill/>
+          <a:ln cap="flat" cmpd="sng" w="9525">
+            <a:solidFill>
+              <a:srgbClr val="000000"/>
+            </a:solidFill>
+            <a:prstDash val="solid"/>
+            <a:round/>
+            <a:headEnd len="sm" w="sm" type="none"/>
+            <a:tailEnd len="sm" w="sm" type="none"/>
+          </a:ln>
         </p:spPr>
       </p:sp>
       <p:sp>
         <p:nvSpPr>
-          <p:cNvPr id="88" name="Google Shape;88;g61dba17950_0_60:notes"/>
+          <p:cNvPr id="88" name="Google Shape;88;p7:notes"/>
           <p:cNvSpPr txBox="1"/>
           <p:nvPr>
             <p:ph idx="1" type="body"/>
@@ -1556,6 +1845,10 @@
           <a:prstGeom prst="rect">
             <a:avLst/>
           </a:prstGeom>
+          <a:noFill/>
+          <a:ln>
+            <a:noFill/>
+          </a:ln>
         </p:spPr>
         <p:txBody>
           <a:bodyPr anchorCtr="0" anchor="t" bIns="91425" lIns="91425" spcFirstLastPara="1" rIns="91425" wrap="square" tIns="91425">
@@ -1564,12 +1857,16 @@
           <a:lstStyle/>
           <a:p>
             <a:pPr indent="0" lvl="0" marL="0" rtl="0" algn="l">
-              <a:spcBef>
-                <a:spcPts val="0"/>
-              </a:spcBef>
-              <a:spcAft>
-                <a:spcPts val="0"/>
-              </a:spcAft>
+              <a:lnSpc>
+                <a:spcPct val="100000"/>
+              </a:lnSpc>
+              <a:spcBef>
+                <a:spcPts val="0"/>
+              </a:spcBef>
+              <a:spcAft>
+                <a:spcPts val="0"/>
+              </a:spcAft>
+              <a:buSzPts val="1100"/>
               <a:buNone/>
             </a:pPr>
             <a:r>
@@ -1606,7 +1903,7 @@
       </p:grpSpPr>
       <p:sp>
         <p:nvSpPr>
-          <p:cNvPr id="93" name="Google Shape;93;g61dba17950_0_65:notes"/>
+          <p:cNvPr id="93" name="Google Shape;93;p8:notes"/>
           <p:cNvSpPr/>
           <p:nvPr>
             <p:ph idx="2" type="sldImg"/>
@@ -1637,11 +1934,21 @@
               </a:path>
             </a:pathLst>
           </a:custGeom>
+          <a:noFill/>
+          <a:ln cap="flat" cmpd="sng" w="9525">
+            <a:solidFill>
+              <a:srgbClr val="000000"/>
+            </a:solidFill>
+            <a:prstDash val="solid"/>
+            <a:round/>
+            <a:headEnd len="sm" w="sm" type="none"/>
+            <a:tailEnd len="sm" w="sm" type="none"/>
+          </a:ln>
         </p:spPr>
       </p:sp>
       <p:sp>
         <p:nvSpPr>
-          <p:cNvPr id="94" name="Google Shape;94;g61dba17950_0_65:notes"/>
+          <p:cNvPr id="94" name="Google Shape;94;p8:notes"/>
           <p:cNvSpPr txBox="1"/>
           <p:nvPr>
             <p:ph idx="1" type="body"/>
@@ -1655,6 +1962,10 @@
           <a:prstGeom prst="rect">
             <a:avLst/>
           </a:prstGeom>
+          <a:noFill/>
+          <a:ln>
+            <a:noFill/>
+          </a:ln>
         </p:spPr>
         <p:txBody>
           <a:bodyPr anchorCtr="0" anchor="t" bIns="91425" lIns="91425" spcFirstLastPara="1" rIns="91425" wrap="square" tIns="91425">
@@ -1663,12 +1974,16 @@
           <a:lstStyle/>
           <a:p>
             <a:pPr indent="0" lvl="0" marL="0" rtl="0" algn="l">
-              <a:spcBef>
-                <a:spcPts val="0"/>
-              </a:spcBef>
-              <a:spcAft>
-                <a:spcPts val="0"/>
-              </a:spcAft>
+              <a:lnSpc>
+                <a:spcPct val="100000"/>
+              </a:lnSpc>
+              <a:spcBef>
+                <a:spcPts val="0"/>
+              </a:spcBef>
+              <a:spcAft>
+                <a:spcPts val="0"/>
+              </a:spcAft>
+              <a:buSzPts val="1100"/>
               <a:buNone/>
             </a:pPr>
             <a:r>
@@ -1705,7 +2020,7 @@
       </p:grpSpPr>
       <p:sp>
         <p:nvSpPr>
-          <p:cNvPr id="99" name="Google Shape;99;g61dba17950_0_71:notes"/>
+          <p:cNvPr id="99" name="Google Shape;99;p9:notes"/>
           <p:cNvSpPr/>
           <p:nvPr>
             <p:ph idx="2" type="sldImg"/>
@@ -1736,11 +2051,21 @@
               </a:path>
             </a:pathLst>
           </a:custGeom>
+          <a:noFill/>
+          <a:ln cap="flat" cmpd="sng" w="9525">
+            <a:solidFill>
+              <a:srgbClr val="000000"/>
+            </a:solidFill>
+            <a:prstDash val="solid"/>
+            <a:round/>
+            <a:headEnd len="sm" w="sm" type="none"/>
+            <a:tailEnd len="sm" w="sm" type="none"/>
+          </a:ln>
         </p:spPr>
       </p:sp>
       <p:sp>
         <p:nvSpPr>
-          <p:cNvPr id="100" name="Google Shape;100;g61dba17950_0_71:notes"/>
+          <p:cNvPr id="100" name="Google Shape;100;p9:notes"/>
           <p:cNvSpPr txBox="1"/>
           <p:nvPr>
             <p:ph idx="1" type="body"/>
@@ -1754,6 +2079,10 @@
           <a:prstGeom prst="rect">
             <a:avLst/>
           </a:prstGeom>
+          <a:noFill/>
+          <a:ln>
+            <a:noFill/>
+          </a:ln>
         </p:spPr>
         <p:txBody>
           <a:bodyPr anchorCtr="0" anchor="t" bIns="91425" lIns="91425" spcFirstLastPara="1" rIns="91425" wrap="square" tIns="91425">
@@ -1762,12 +2091,16 @@
           <a:lstStyle/>
           <a:p>
             <a:pPr indent="0" lvl="0" marL="0" rtl="0" algn="l">
-              <a:spcBef>
-                <a:spcPts val="0"/>
-              </a:spcBef>
-              <a:spcAft>
-                <a:spcPts val="0"/>
-              </a:spcAft>
+              <a:lnSpc>
+                <a:spcPct val="100000"/>
+              </a:lnSpc>
+              <a:spcBef>
+                <a:spcPts val="0"/>
+              </a:spcBef>
+              <a:spcAft>
+                <a:spcPts val="0"/>
+              </a:spcAft>
+              <a:buSzPts val="1100"/>
               <a:buNone/>
             </a:pPr>
             <a:r>
@@ -1818,6 +2151,10 @@
           <a:prstGeom prst="rect">
             <a:avLst/>
           </a:prstGeom>
+          <a:noFill/>
+          <a:ln>
+            <a:noFill/>
+          </a:ln>
         </p:spPr>
         <p:txBody>
           <a:bodyPr anchorCtr="0" anchor="b" bIns="91425" lIns="91425" spcFirstLastPara="1" rIns="91425" wrap="square" tIns="91425">
@@ -1825,6 +2162,9 @@
           </a:bodyPr>
           <a:lstStyle>
             <a:lvl1pPr lvl="0" algn="ctr">
+              <a:lnSpc>
+                <a:spcPct val="100000"/>
+              </a:lnSpc>
               <a:spcBef>
                 <a:spcPts val="0"/>
               </a:spcBef>
@@ -1836,6 +2176,9 @@
               <a:defRPr sz="5200"/>
             </a:lvl1pPr>
             <a:lvl2pPr lvl="1" algn="ctr">
+              <a:lnSpc>
+                <a:spcPct val="100000"/>
+              </a:lnSpc>
               <a:spcBef>
                 <a:spcPts val="0"/>
               </a:spcBef>
@@ -1847,6 +2190,9 @@
               <a:defRPr sz="5200"/>
             </a:lvl2pPr>
             <a:lvl3pPr lvl="2" algn="ctr">
+              <a:lnSpc>
+                <a:spcPct val="100000"/>
+              </a:lnSpc>
               <a:spcBef>
                 <a:spcPts val="0"/>
               </a:spcBef>
@@ -1858,6 +2204,9 @@
               <a:defRPr sz="5200"/>
             </a:lvl3pPr>
             <a:lvl4pPr lvl="3" algn="ctr">
+              <a:lnSpc>
+                <a:spcPct val="100000"/>
+              </a:lnSpc>
               <a:spcBef>
                 <a:spcPts val="0"/>
               </a:spcBef>
@@ -1869,6 +2218,9 @@
               <a:defRPr sz="5200"/>
             </a:lvl4pPr>
             <a:lvl5pPr lvl="4" algn="ctr">
+              <a:lnSpc>
+                <a:spcPct val="100000"/>
+              </a:lnSpc>
               <a:spcBef>
                 <a:spcPts val="0"/>
               </a:spcBef>
@@ -1880,6 +2232,9 @@
               <a:defRPr sz="5200"/>
             </a:lvl5pPr>
             <a:lvl6pPr lvl="5" algn="ctr">
+              <a:lnSpc>
+                <a:spcPct val="100000"/>
+              </a:lnSpc>
               <a:spcBef>
                 <a:spcPts val="0"/>
               </a:spcBef>
@@ -1891,6 +2246,9 @@
               <a:defRPr sz="5200"/>
             </a:lvl6pPr>
             <a:lvl7pPr lvl="6" algn="ctr">
+              <a:lnSpc>
+                <a:spcPct val="100000"/>
+              </a:lnSpc>
               <a:spcBef>
                 <a:spcPts val="0"/>
               </a:spcBef>
@@ -1902,6 +2260,9 @@
               <a:defRPr sz="5200"/>
             </a:lvl7pPr>
             <a:lvl8pPr lvl="7" algn="ctr">
+              <a:lnSpc>
+                <a:spcPct val="100000"/>
+              </a:lnSpc>
               <a:spcBef>
                 <a:spcPts val="0"/>
               </a:spcBef>
@@ -1913,6 +2274,9 @@
               <a:defRPr sz="5200"/>
             </a:lvl8pPr>
             <a:lvl9pPr lvl="8" algn="ctr">
+              <a:lnSpc>
+                <a:spcPct val="100000"/>
+              </a:lnSpc>
               <a:spcBef>
                 <a:spcPts val="0"/>
               </a:spcBef>
@@ -1943,6 +2307,10 @@
           <a:prstGeom prst="rect">
             <a:avLst/>
           </a:prstGeom>
+          <a:noFill/>
+          <a:ln>
+            <a:noFill/>
+          </a:ln>
         </p:spPr>
         <p:txBody>
           <a:bodyPr anchorCtr="0" anchor="t" bIns="91425" lIns="91425" spcFirstLastPara="1" rIns="91425" wrap="square" tIns="91425">
@@ -2095,47 +2463,249 @@
           <a:prstGeom prst="rect">
             <a:avLst/>
           </a:prstGeom>
+          <a:noFill/>
+          <a:ln>
+            <a:noFill/>
+          </a:ln>
         </p:spPr>
         <p:txBody>
           <a:bodyPr anchorCtr="0" anchor="ctr" bIns="91425" lIns="91425" spcFirstLastPara="1" rIns="91425" wrap="square" tIns="91425">
             <a:noAutofit/>
           </a:bodyPr>
           <a:lstStyle>
-            <a:lvl1pPr lvl="0">
-              <a:buNone/>
-              <a:defRPr/>
+            <a:lvl1pPr indent="0" lvl="0" marL="0" marR="0" algn="r">
+              <a:lnSpc>
+                <a:spcPct val="100000"/>
+              </a:lnSpc>
+              <a:spcBef>
+                <a:spcPts val="0"/>
+              </a:spcBef>
+              <a:spcAft>
+                <a:spcPts val="0"/>
+              </a:spcAft>
+              <a:buClr>
+                <a:srgbClr val="000000"/>
+              </a:buClr>
+              <a:buSzPts val="1000"/>
+              <a:buFont typeface="Arial"/>
+              <a:buNone/>
+              <a:defRPr b="0" i="0" sz="1000" u="none" cap="none" strike="noStrike">
+                <a:solidFill>
+                  <a:schemeClr val="lt2"/>
+                </a:solidFill>
+                <a:latin typeface="Arial"/>
+                <a:ea typeface="Arial"/>
+                <a:cs typeface="Arial"/>
+                <a:sym typeface="Arial"/>
+              </a:defRPr>
             </a:lvl1pPr>
-            <a:lvl2pPr lvl="1">
-              <a:buNone/>
-              <a:defRPr/>
+            <a:lvl2pPr indent="0" lvl="1" marL="0" marR="0" algn="r">
+              <a:lnSpc>
+                <a:spcPct val="100000"/>
+              </a:lnSpc>
+              <a:spcBef>
+                <a:spcPts val="0"/>
+              </a:spcBef>
+              <a:spcAft>
+                <a:spcPts val="0"/>
+              </a:spcAft>
+              <a:buClr>
+                <a:srgbClr val="000000"/>
+              </a:buClr>
+              <a:buSzPts val="1000"/>
+              <a:buFont typeface="Arial"/>
+              <a:buNone/>
+              <a:defRPr b="0" i="0" sz="1000" u="none" cap="none" strike="noStrike">
+                <a:solidFill>
+                  <a:schemeClr val="lt2"/>
+                </a:solidFill>
+                <a:latin typeface="Arial"/>
+                <a:ea typeface="Arial"/>
+                <a:cs typeface="Arial"/>
+                <a:sym typeface="Arial"/>
+              </a:defRPr>
             </a:lvl2pPr>
-            <a:lvl3pPr lvl="2">
-              <a:buNone/>
-              <a:defRPr/>
+            <a:lvl3pPr indent="0" lvl="2" marL="0" marR="0" algn="r">
+              <a:lnSpc>
+                <a:spcPct val="100000"/>
+              </a:lnSpc>
+              <a:spcBef>
+                <a:spcPts val="0"/>
+              </a:spcBef>
+              <a:spcAft>
+                <a:spcPts val="0"/>
+              </a:spcAft>
+              <a:buClr>
+                <a:srgbClr val="000000"/>
+              </a:buClr>
+              <a:buSzPts val="1000"/>
+              <a:buFont typeface="Arial"/>
+              <a:buNone/>
+              <a:defRPr b="0" i="0" sz="1000" u="none" cap="none" strike="noStrike">
+                <a:solidFill>
+                  <a:schemeClr val="lt2"/>
+                </a:solidFill>
+                <a:latin typeface="Arial"/>
+                <a:ea typeface="Arial"/>
+                <a:cs typeface="Arial"/>
+                <a:sym typeface="Arial"/>
+              </a:defRPr>
             </a:lvl3pPr>
-            <a:lvl4pPr lvl="3">
-              <a:buNone/>
-              <a:defRPr/>
+            <a:lvl4pPr indent="0" lvl="3" marL="0" marR="0" algn="r">
+              <a:lnSpc>
+                <a:spcPct val="100000"/>
+              </a:lnSpc>
+              <a:spcBef>
+                <a:spcPts val="0"/>
+              </a:spcBef>
+              <a:spcAft>
+                <a:spcPts val="0"/>
+              </a:spcAft>
+              <a:buClr>
+                <a:srgbClr val="000000"/>
+              </a:buClr>
+              <a:buSzPts val="1000"/>
+              <a:buFont typeface="Arial"/>
+              <a:buNone/>
+              <a:defRPr b="0" i="0" sz="1000" u="none" cap="none" strike="noStrike">
+                <a:solidFill>
+                  <a:schemeClr val="lt2"/>
+                </a:solidFill>
+                <a:latin typeface="Arial"/>
+                <a:ea typeface="Arial"/>
+                <a:cs typeface="Arial"/>
+                <a:sym typeface="Arial"/>
+              </a:defRPr>
             </a:lvl4pPr>
-            <a:lvl5pPr lvl="4">
-              <a:buNone/>
-              <a:defRPr/>
+            <a:lvl5pPr indent="0" lvl="4" marL="0" marR="0" algn="r">
+              <a:lnSpc>
+                <a:spcPct val="100000"/>
+              </a:lnSpc>
+              <a:spcBef>
+                <a:spcPts val="0"/>
+              </a:spcBef>
+              <a:spcAft>
+                <a:spcPts val="0"/>
+              </a:spcAft>
+              <a:buClr>
+                <a:srgbClr val="000000"/>
+              </a:buClr>
+              <a:buSzPts val="1000"/>
+              <a:buFont typeface="Arial"/>
+              <a:buNone/>
+              <a:defRPr b="0" i="0" sz="1000" u="none" cap="none" strike="noStrike">
+                <a:solidFill>
+                  <a:schemeClr val="lt2"/>
+                </a:solidFill>
+                <a:latin typeface="Arial"/>
+                <a:ea typeface="Arial"/>
+                <a:cs typeface="Arial"/>
+                <a:sym typeface="Arial"/>
+              </a:defRPr>
             </a:lvl5pPr>
-            <a:lvl6pPr lvl="5">
-              <a:buNone/>
-              <a:defRPr/>
+            <a:lvl6pPr indent="0" lvl="5" marL="0" marR="0" algn="r">
+              <a:lnSpc>
+                <a:spcPct val="100000"/>
+              </a:lnSpc>
+              <a:spcBef>
+                <a:spcPts val="0"/>
+              </a:spcBef>
+              <a:spcAft>
+                <a:spcPts val="0"/>
+              </a:spcAft>
+              <a:buClr>
+                <a:srgbClr val="000000"/>
+              </a:buClr>
+              <a:buSzPts val="1000"/>
+              <a:buFont typeface="Arial"/>
+              <a:buNone/>
+              <a:defRPr b="0" i="0" sz="1000" u="none" cap="none" strike="noStrike">
+                <a:solidFill>
+                  <a:schemeClr val="lt2"/>
+                </a:solidFill>
+                <a:latin typeface="Arial"/>
+                <a:ea typeface="Arial"/>
+                <a:cs typeface="Arial"/>
+                <a:sym typeface="Arial"/>
+              </a:defRPr>
             </a:lvl6pPr>
-            <a:lvl7pPr lvl="6">
-              <a:buNone/>
-              <a:defRPr/>
+            <a:lvl7pPr indent="0" lvl="6" marL="0" marR="0" algn="r">
+              <a:lnSpc>
+                <a:spcPct val="100000"/>
+              </a:lnSpc>
+              <a:spcBef>
+                <a:spcPts val="0"/>
+              </a:spcBef>
+              <a:spcAft>
+                <a:spcPts val="0"/>
+              </a:spcAft>
+              <a:buClr>
+                <a:srgbClr val="000000"/>
+              </a:buClr>
+              <a:buSzPts val="1000"/>
+              <a:buFont typeface="Arial"/>
+              <a:buNone/>
+              <a:defRPr b="0" i="0" sz="1000" u="none" cap="none" strike="noStrike">
+                <a:solidFill>
+                  <a:schemeClr val="lt2"/>
+                </a:solidFill>
+                <a:latin typeface="Arial"/>
+                <a:ea typeface="Arial"/>
+                <a:cs typeface="Arial"/>
+                <a:sym typeface="Arial"/>
+              </a:defRPr>
             </a:lvl7pPr>
-            <a:lvl8pPr lvl="7">
-              <a:buNone/>
-              <a:defRPr/>
+            <a:lvl8pPr indent="0" lvl="7" marL="0" marR="0" algn="r">
+              <a:lnSpc>
+                <a:spcPct val="100000"/>
+              </a:lnSpc>
+              <a:spcBef>
+                <a:spcPts val="0"/>
+              </a:spcBef>
+              <a:spcAft>
+                <a:spcPts val="0"/>
+              </a:spcAft>
+              <a:buClr>
+                <a:srgbClr val="000000"/>
+              </a:buClr>
+              <a:buSzPts val="1000"/>
+              <a:buFont typeface="Arial"/>
+              <a:buNone/>
+              <a:defRPr b="0" i="0" sz="1000" u="none" cap="none" strike="noStrike">
+                <a:solidFill>
+                  <a:schemeClr val="lt2"/>
+                </a:solidFill>
+                <a:latin typeface="Arial"/>
+                <a:ea typeface="Arial"/>
+                <a:cs typeface="Arial"/>
+                <a:sym typeface="Arial"/>
+              </a:defRPr>
             </a:lvl8pPr>
-            <a:lvl9pPr lvl="8">
-              <a:buNone/>
-              <a:defRPr/>
+            <a:lvl9pPr indent="0" lvl="8" marL="0" marR="0" algn="r">
+              <a:lnSpc>
+                <a:spcPct val="100000"/>
+              </a:lnSpc>
+              <a:spcBef>
+                <a:spcPts val="0"/>
+              </a:spcBef>
+              <a:spcAft>
+                <a:spcPts val="0"/>
+              </a:spcAft>
+              <a:buClr>
+                <a:srgbClr val="000000"/>
+              </a:buClr>
+              <a:buSzPts val="1000"/>
+              <a:buFont typeface="Arial"/>
+              <a:buNone/>
+              <a:defRPr b="0" i="0" sz="1000" u="none" cap="none" strike="noStrike">
+                <a:solidFill>
+                  <a:schemeClr val="lt2"/>
+                </a:solidFill>
+                <a:latin typeface="Arial"/>
+                <a:ea typeface="Arial"/>
+                <a:cs typeface="Arial"/>
+                <a:sym typeface="Arial"/>
+              </a:defRPr>
             </a:lvl9pPr>
           </a:lstStyle>
           <a:p>
@@ -2197,6 +2767,10 @@
           <a:prstGeom prst="rect">
             <a:avLst/>
           </a:prstGeom>
+          <a:noFill/>
+          <a:ln>
+            <a:noFill/>
+          </a:ln>
         </p:spPr>
         <p:txBody>
           <a:bodyPr anchorCtr="0" anchor="b" bIns="91425" lIns="91425" spcFirstLastPara="1" rIns="91425" wrap="square" tIns="91425">
@@ -2204,6 +2778,9 @@
           </a:bodyPr>
           <a:lstStyle>
             <a:lvl1pPr lvl="0" algn="ctr">
+              <a:lnSpc>
+                <a:spcPct val="100000"/>
+              </a:lnSpc>
               <a:spcBef>
                 <a:spcPts val="0"/>
               </a:spcBef>
@@ -2215,6 +2792,9 @@
               <a:defRPr sz="12000"/>
             </a:lvl1pPr>
             <a:lvl2pPr lvl="1" algn="ctr">
+              <a:lnSpc>
+                <a:spcPct val="100000"/>
+              </a:lnSpc>
               <a:spcBef>
                 <a:spcPts val="0"/>
               </a:spcBef>
@@ -2226,6 +2806,9 @@
               <a:defRPr sz="12000"/>
             </a:lvl2pPr>
             <a:lvl3pPr lvl="2" algn="ctr">
+              <a:lnSpc>
+                <a:spcPct val="100000"/>
+              </a:lnSpc>
               <a:spcBef>
                 <a:spcPts val="0"/>
               </a:spcBef>
@@ -2237,6 +2820,9 @@
               <a:defRPr sz="12000"/>
             </a:lvl3pPr>
             <a:lvl4pPr lvl="3" algn="ctr">
+              <a:lnSpc>
+                <a:spcPct val="100000"/>
+              </a:lnSpc>
               <a:spcBef>
                 <a:spcPts val="0"/>
               </a:spcBef>
@@ -2248,6 +2834,9 @@
               <a:defRPr sz="12000"/>
             </a:lvl4pPr>
             <a:lvl5pPr lvl="4" algn="ctr">
+              <a:lnSpc>
+                <a:spcPct val="100000"/>
+              </a:lnSpc>
               <a:spcBef>
                 <a:spcPts val="0"/>
               </a:spcBef>
@@ -2259,6 +2848,9 @@
               <a:defRPr sz="12000"/>
             </a:lvl5pPr>
             <a:lvl6pPr lvl="5" algn="ctr">
+              <a:lnSpc>
+                <a:spcPct val="100000"/>
+              </a:lnSpc>
               <a:spcBef>
                 <a:spcPts val="0"/>
               </a:spcBef>
@@ -2270,6 +2862,9 @@
               <a:defRPr sz="12000"/>
             </a:lvl6pPr>
             <a:lvl7pPr lvl="6" algn="ctr">
+              <a:lnSpc>
+                <a:spcPct val="100000"/>
+              </a:lnSpc>
               <a:spcBef>
                 <a:spcPts val="0"/>
               </a:spcBef>
@@ -2281,6 +2876,9 @@
               <a:defRPr sz="12000"/>
             </a:lvl7pPr>
             <a:lvl8pPr lvl="7" algn="ctr">
+              <a:lnSpc>
+                <a:spcPct val="100000"/>
+              </a:lnSpc>
               <a:spcBef>
                 <a:spcPts val="0"/>
               </a:spcBef>
@@ -2292,6 +2890,9 @@
               <a:defRPr sz="12000"/>
             </a:lvl8pPr>
             <a:lvl9pPr lvl="8" algn="ctr">
+              <a:lnSpc>
+                <a:spcPct val="100000"/>
+              </a:lnSpc>
               <a:spcBef>
                 <a:spcPts val="0"/>
               </a:spcBef>
@@ -2326,6 +2927,10 @@
           <a:prstGeom prst="rect">
             <a:avLst/>
           </a:prstGeom>
+          <a:noFill/>
+          <a:ln>
+            <a:noFill/>
+          </a:ln>
         </p:spPr>
         <p:txBody>
           <a:bodyPr anchorCtr="0" anchor="t" bIns="91425" lIns="91425" spcFirstLastPara="1" rIns="91425" wrap="square" tIns="91425">
@@ -2333,6 +2938,9 @@
           </a:bodyPr>
           <a:lstStyle>
             <a:lvl1pPr indent="-342900" lvl="0" marL="457200" algn="ctr">
+              <a:lnSpc>
+                <a:spcPct val="115000"/>
+              </a:lnSpc>
               <a:spcBef>
                 <a:spcPts val="0"/>
               </a:spcBef>
@@ -2344,6 +2952,9 @@
               <a:defRPr/>
             </a:lvl1pPr>
             <a:lvl2pPr indent="-317500" lvl="1" marL="914400" algn="ctr">
+              <a:lnSpc>
+                <a:spcPct val="115000"/>
+              </a:lnSpc>
               <a:spcBef>
                 <a:spcPts val="1600"/>
               </a:spcBef>
@@ -2355,6 +2966,9 @@
               <a:defRPr/>
             </a:lvl2pPr>
             <a:lvl3pPr indent="-317500" lvl="2" marL="1371600" algn="ctr">
+              <a:lnSpc>
+                <a:spcPct val="115000"/>
+              </a:lnSpc>
               <a:spcBef>
                 <a:spcPts val="1600"/>
               </a:spcBef>
@@ -2366,6 +2980,9 @@
               <a:defRPr/>
             </a:lvl3pPr>
             <a:lvl4pPr indent="-317500" lvl="3" marL="1828800" algn="ctr">
+              <a:lnSpc>
+                <a:spcPct val="115000"/>
+              </a:lnSpc>
               <a:spcBef>
                 <a:spcPts val="1600"/>
               </a:spcBef>
@@ -2377,6 +2994,9 @@
               <a:defRPr/>
             </a:lvl4pPr>
             <a:lvl5pPr indent="-317500" lvl="4" marL="2286000" algn="ctr">
+              <a:lnSpc>
+                <a:spcPct val="115000"/>
+              </a:lnSpc>
               <a:spcBef>
                 <a:spcPts val="1600"/>
               </a:spcBef>
@@ -2388,6 +3008,9 @@
               <a:defRPr/>
             </a:lvl5pPr>
             <a:lvl6pPr indent="-317500" lvl="5" marL="2743200" algn="ctr">
+              <a:lnSpc>
+                <a:spcPct val="115000"/>
+              </a:lnSpc>
               <a:spcBef>
                 <a:spcPts val="1600"/>
               </a:spcBef>
@@ -2399,6 +3022,9 @@
               <a:defRPr/>
             </a:lvl6pPr>
             <a:lvl7pPr indent="-317500" lvl="6" marL="3200400" algn="ctr">
+              <a:lnSpc>
+                <a:spcPct val="115000"/>
+              </a:lnSpc>
               <a:spcBef>
                 <a:spcPts val="1600"/>
               </a:spcBef>
@@ -2410,6 +3036,9 @@
               <a:defRPr/>
             </a:lvl7pPr>
             <a:lvl8pPr indent="-317500" lvl="7" marL="3657600" algn="ctr">
+              <a:lnSpc>
+                <a:spcPct val="115000"/>
+              </a:lnSpc>
               <a:spcBef>
                 <a:spcPts val="1600"/>
               </a:spcBef>
@@ -2421,6 +3050,9 @@
               <a:defRPr/>
             </a:lvl8pPr>
             <a:lvl9pPr indent="-317500" lvl="8" marL="4114800" algn="ctr">
+              <a:lnSpc>
+                <a:spcPct val="115000"/>
+              </a:lnSpc>
               <a:spcBef>
                 <a:spcPts val="1600"/>
               </a:spcBef>
@@ -2451,47 +3083,249 @@
           <a:prstGeom prst="rect">
             <a:avLst/>
           </a:prstGeom>
+          <a:noFill/>
+          <a:ln>
+            <a:noFill/>
+          </a:ln>
         </p:spPr>
         <p:txBody>
           <a:bodyPr anchorCtr="0" anchor="ctr" bIns="91425" lIns="91425" spcFirstLastPara="1" rIns="91425" wrap="square" tIns="91425">
             <a:noAutofit/>
           </a:bodyPr>
           <a:lstStyle>
-            <a:lvl1pPr lvl="0">
-              <a:buNone/>
-              <a:defRPr/>
+            <a:lvl1pPr indent="0" lvl="0" marL="0" marR="0" algn="r">
+              <a:lnSpc>
+                <a:spcPct val="100000"/>
+              </a:lnSpc>
+              <a:spcBef>
+                <a:spcPts val="0"/>
+              </a:spcBef>
+              <a:spcAft>
+                <a:spcPts val="0"/>
+              </a:spcAft>
+              <a:buClr>
+                <a:srgbClr val="000000"/>
+              </a:buClr>
+              <a:buSzPts val="1000"/>
+              <a:buFont typeface="Arial"/>
+              <a:buNone/>
+              <a:defRPr b="0" i="0" sz="1000" u="none" cap="none" strike="noStrike">
+                <a:solidFill>
+                  <a:schemeClr val="lt2"/>
+                </a:solidFill>
+                <a:latin typeface="Arial"/>
+                <a:ea typeface="Arial"/>
+                <a:cs typeface="Arial"/>
+                <a:sym typeface="Arial"/>
+              </a:defRPr>
             </a:lvl1pPr>
-            <a:lvl2pPr lvl="1">
-              <a:buNone/>
-              <a:defRPr/>
+            <a:lvl2pPr indent="0" lvl="1" marL="0" marR="0" algn="r">
+              <a:lnSpc>
+                <a:spcPct val="100000"/>
+              </a:lnSpc>
+              <a:spcBef>
+                <a:spcPts val="0"/>
+              </a:spcBef>
+              <a:spcAft>
+                <a:spcPts val="0"/>
+              </a:spcAft>
+              <a:buClr>
+                <a:srgbClr val="000000"/>
+              </a:buClr>
+              <a:buSzPts val="1000"/>
+              <a:buFont typeface="Arial"/>
+              <a:buNone/>
+              <a:defRPr b="0" i="0" sz="1000" u="none" cap="none" strike="noStrike">
+                <a:solidFill>
+                  <a:schemeClr val="lt2"/>
+                </a:solidFill>
+                <a:latin typeface="Arial"/>
+                <a:ea typeface="Arial"/>
+                <a:cs typeface="Arial"/>
+                <a:sym typeface="Arial"/>
+              </a:defRPr>
             </a:lvl2pPr>
-            <a:lvl3pPr lvl="2">
-              <a:buNone/>
-              <a:defRPr/>
+            <a:lvl3pPr indent="0" lvl="2" marL="0" marR="0" algn="r">
+              <a:lnSpc>
+                <a:spcPct val="100000"/>
+              </a:lnSpc>
+              <a:spcBef>
+                <a:spcPts val="0"/>
+              </a:spcBef>
+              <a:spcAft>
+                <a:spcPts val="0"/>
+              </a:spcAft>
+              <a:buClr>
+                <a:srgbClr val="000000"/>
+              </a:buClr>
+              <a:buSzPts val="1000"/>
+              <a:buFont typeface="Arial"/>
+              <a:buNone/>
+              <a:defRPr b="0" i="0" sz="1000" u="none" cap="none" strike="noStrike">
+                <a:solidFill>
+                  <a:schemeClr val="lt2"/>
+                </a:solidFill>
+                <a:latin typeface="Arial"/>
+                <a:ea typeface="Arial"/>
+                <a:cs typeface="Arial"/>
+                <a:sym typeface="Arial"/>
+              </a:defRPr>
             </a:lvl3pPr>
-            <a:lvl4pPr lvl="3">
-              <a:buNone/>
-              <a:defRPr/>
+            <a:lvl4pPr indent="0" lvl="3" marL="0" marR="0" algn="r">
+              <a:lnSpc>
+                <a:spcPct val="100000"/>
+              </a:lnSpc>
+              <a:spcBef>
+                <a:spcPts val="0"/>
+              </a:spcBef>
+              <a:spcAft>
+                <a:spcPts val="0"/>
+              </a:spcAft>
+              <a:buClr>
+                <a:srgbClr val="000000"/>
+              </a:buClr>
+              <a:buSzPts val="1000"/>
+              <a:buFont typeface="Arial"/>
+              <a:buNone/>
+              <a:defRPr b="0" i="0" sz="1000" u="none" cap="none" strike="noStrike">
+                <a:solidFill>
+                  <a:schemeClr val="lt2"/>
+                </a:solidFill>
+                <a:latin typeface="Arial"/>
+                <a:ea typeface="Arial"/>
+                <a:cs typeface="Arial"/>
+                <a:sym typeface="Arial"/>
+              </a:defRPr>
             </a:lvl4pPr>
-            <a:lvl5pPr lvl="4">
-              <a:buNone/>
-              <a:defRPr/>
+            <a:lvl5pPr indent="0" lvl="4" marL="0" marR="0" algn="r">
+              <a:lnSpc>
+                <a:spcPct val="100000"/>
+              </a:lnSpc>
+              <a:spcBef>
+                <a:spcPts val="0"/>
+              </a:spcBef>
+              <a:spcAft>
+                <a:spcPts val="0"/>
+              </a:spcAft>
+              <a:buClr>
+                <a:srgbClr val="000000"/>
+              </a:buClr>
+              <a:buSzPts val="1000"/>
+              <a:buFont typeface="Arial"/>
+              <a:buNone/>
+              <a:defRPr b="0" i="0" sz="1000" u="none" cap="none" strike="noStrike">
+                <a:solidFill>
+                  <a:schemeClr val="lt2"/>
+                </a:solidFill>
+                <a:latin typeface="Arial"/>
+                <a:ea typeface="Arial"/>
+                <a:cs typeface="Arial"/>
+                <a:sym typeface="Arial"/>
+              </a:defRPr>
             </a:lvl5pPr>
-            <a:lvl6pPr lvl="5">
-              <a:buNone/>
-              <a:defRPr/>
+            <a:lvl6pPr indent="0" lvl="5" marL="0" marR="0" algn="r">
+              <a:lnSpc>
+                <a:spcPct val="100000"/>
+              </a:lnSpc>
+              <a:spcBef>
+                <a:spcPts val="0"/>
+              </a:spcBef>
+              <a:spcAft>
+                <a:spcPts val="0"/>
+              </a:spcAft>
+              <a:buClr>
+                <a:srgbClr val="000000"/>
+              </a:buClr>
+              <a:buSzPts val="1000"/>
+              <a:buFont typeface="Arial"/>
+              <a:buNone/>
+              <a:defRPr b="0" i="0" sz="1000" u="none" cap="none" strike="noStrike">
+                <a:solidFill>
+                  <a:schemeClr val="lt2"/>
+                </a:solidFill>
+                <a:latin typeface="Arial"/>
+                <a:ea typeface="Arial"/>
+                <a:cs typeface="Arial"/>
+                <a:sym typeface="Arial"/>
+              </a:defRPr>
             </a:lvl6pPr>
-            <a:lvl7pPr lvl="6">
-              <a:buNone/>
-              <a:defRPr/>
+            <a:lvl7pPr indent="0" lvl="6" marL="0" marR="0" algn="r">
+              <a:lnSpc>
+                <a:spcPct val="100000"/>
+              </a:lnSpc>
+              <a:spcBef>
+                <a:spcPts val="0"/>
+              </a:spcBef>
+              <a:spcAft>
+                <a:spcPts val="0"/>
+              </a:spcAft>
+              <a:buClr>
+                <a:srgbClr val="000000"/>
+              </a:buClr>
+              <a:buSzPts val="1000"/>
+              <a:buFont typeface="Arial"/>
+              <a:buNone/>
+              <a:defRPr b="0" i="0" sz="1000" u="none" cap="none" strike="noStrike">
+                <a:solidFill>
+                  <a:schemeClr val="lt2"/>
+                </a:solidFill>
+                <a:latin typeface="Arial"/>
+                <a:ea typeface="Arial"/>
+                <a:cs typeface="Arial"/>
+                <a:sym typeface="Arial"/>
+              </a:defRPr>
             </a:lvl7pPr>
-            <a:lvl8pPr lvl="7">
-              <a:buNone/>
-              <a:defRPr/>
+            <a:lvl8pPr indent="0" lvl="7" marL="0" marR="0" algn="r">
+              <a:lnSpc>
+                <a:spcPct val="100000"/>
+              </a:lnSpc>
+              <a:spcBef>
+                <a:spcPts val="0"/>
+              </a:spcBef>
+              <a:spcAft>
+                <a:spcPts val="0"/>
+              </a:spcAft>
+              <a:buClr>
+                <a:srgbClr val="000000"/>
+              </a:buClr>
+              <a:buSzPts val="1000"/>
+              <a:buFont typeface="Arial"/>
+              <a:buNone/>
+              <a:defRPr b="0" i="0" sz="1000" u="none" cap="none" strike="noStrike">
+                <a:solidFill>
+                  <a:schemeClr val="lt2"/>
+                </a:solidFill>
+                <a:latin typeface="Arial"/>
+                <a:ea typeface="Arial"/>
+                <a:cs typeface="Arial"/>
+                <a:sym typeface="Arial"/>
+              </a:defRPr>
             </a:lvl8pPr>
-            <a:lvl9pPr lvl="8">
-              <a:buNone/>
-              <a:defRPr/>
+            <a:lvl9pPr indent="0" lvl="8" marL="0" marR="0" algn="r">
+              <a:lnSpc>
+                <a:spcPct val="100000"/>
+              </a:lnSpc>
+              <a:spcBef>
+                <a:spcPts val="0"/>
+              </a:spcBef>
+              <a:spcAft>
+                <a:spcPts val="0"/>
+              </a:spcAft>
+              <a:buClr>
+                <a:srgbClr val="000000"/>
+              </a:buClr>
+              <a:buSzPts val="1000"/>
+              <a:buFont typeface="Arial"/>
+              <a:buNone/>
+              <a:defRPr b="0" i="0" sz="1000" u="none" cap="none" strike="noStrike">
+                <a:solidFill>
+                  <a:schemeClr val="lt2"/>
+                </a:solidFill>
+                <a:latin typeface="Arial"/>
+                <a:ea typeface="Arial"/>
+                <a:cs typeface="Arial"/>
+                <a:sym typeface="Arial"/>
+              </a:defRPr>
             </a:lvl9pPr>
           </a:lstStyle>
           <a:p>
@@ -2553,47 +3387,249 @@
           <a:prstGeom prst="rect">
             <a:avLst/>
           </a:prstGeom>
+          <a:noFill/>
+          <a:ln>
+            <a:noFill/>
+          </a:ln>
         </p:spPr>
         <p:txBody>
           <a:bodyPr anchorCtr="0" anchor="ctr" bIns="91425" lIns="91425" spcFirstLastPara="1" rIns="91425" wrap="square" tIns="91425">
             <a:noAutofit/>
           </a:bodyPr>
           <a:lstStyle>
-            <a:lvl1pPr lvl="0">
-              <a:buNone/>
-              <a:defRPr/>
+            <a:lvl1pPr indent="0" lvl="0" marL="0" marR="0" algn="r">
+              <a:lnSpc>
+                <a:spcPct val="100000"/>
+              </a:lnSpc>
+              <a:spcBef>
+                <a:spcPts val="0"/>
+              </a:spcBef>
+              <a:spcAft>
+                <a:spcPts val="0"/>
+              </a:spcAft>
+              <a:buClr>
+                <a:srgbClr val="000000"/>
+              </a:buClr>
+              <a:buSzPts val="1000"/>
+              <a:buFont typeface="Arial"/>
+              <a:buNone/>
+              <a:defRPr b="0" i="0" sz="1000" u="none" cap="none" strike="noStrike">
+                <a:solidFill>
+                  <a:schemeClr val="lt2"/>
+                </a:solidFill>
+                <a:latin typeface="Arial"/>
+                <a:ea typeface="Arial"/>
+                <a:cs typeface="Arial"/>
+                <a:sym typeface="Arial"/>
+              </a:defRPr>
             </a:lvl1pPr>
-            <a:lvl2pPr lvl="1">
-              <a:buNone/>
-              <a:defRPr/>
+            <a:lvl2pPr indent="0" lvl="1" marL="0" marR="0" algn="r">
+              <a:lnSpc>
+                <a:spcPct val="100000"/>
+              </a:lnSpc>
+              <a:spcBef>
+                <a:spcPts val="0"/>
+              </a:spcBef>
+              <a:spcAft>
+                <a:spcPts val="0"/>
+              </a:spcAft>
+              <a:buClr>
+                <a:srgbClr val="000000"/>
+              </a:buClr>
+              <a:buSzPts val="1000"/>
+              <a:buFont typeface="Arial"/>
+              <a:buNone/>
+              <a:defRPr b="0" i="0" sz="1000" u="none" cap="none" strike="noStrike">
+                <a:solidFill>
+                  <a:schemeClr val="lt2"/>
+                </a:solidFill>
+                <a:latin typeface="Arial"/>
+                <a:ea typeface="Arial"/>
+                <a:cs typeface="Arial"/>
+                <a:sym typeface="Arial"/>
+              </a:defRPr>
             </a:lvl2pPr>
-            <a:lvl3pPr lvl="2">
-              <a:buNone/>
-              <a:defRPr/>
+            <a:lvl3pPr indent="0" lvl="2" marL="0" marR="0" algn="r">
+              <a:lnSpc>
+                <a:spcPct val="100000"/>
+              </a:lnSpc>
+              <a:spcBef>
+                <a:spcPts val="0"/>
+              </a:spcBef>
+              <a:spcAft>
+                <a:spcPts val="0"/>
+              </a:spcAft>
+              <a:buClr>
+                <a:srgbClr val="000000"/>
+              </a:buClr>
+              <a:buSzPts val="1000"/>
+              <a:buFont typeface="Arial"/>
+              <a:buNone/>
+              <a:defRPr b="0" i="0" sz="1000" u="none" cap="none" strike="noStrike">
+                <a:solidFill>
+                  <a:schemeClr val="lt2"/>
+                </a:solidFill>
+                <a:latin typeface="Arial"/>
+                <a:ea typeface="Arial"/>
+                <a:cs typeface="Arial"/>
+                <a:sym typeface="Arial"/>
+              </a:defRPr>
             </a:lvl3pPr>
-            <a:lvl4pPr lvl="3">
-              <a:buNone/>
-              <a:defRPr/>
+            <a:lvl4pPr indent="0" lvl="3" marL="0" marR="0" algn="r">
+              <a:lnSpc>
+                <a:spcPct val="100000"/>
+              </a:lnSpc>
+              <a:spcBef>
+                <a:spcPts val="0"/>
+              </a:spcBef>
+              <a:spcAft>
+                <a:spcPts val="0"/>
+              </a:spcAft>
+              <a:buClr>
+                <a:srgbClr val="000000"/>
+              </a:buClr>
+              <a:buSzPts val="1000"/>
+              <a:buFont typeface="Arial"/>
+              <a:buNone/>
+              <a:defRPr b="0" i="0" sz="1000" u="none" cap="none" strike="noStrike">
+                <a:solidFill>
+                  <a:schemeClr val="lt2"/>
+                </a:solidFill>
+                <a:latin typeface="Arial"/>
+                <a:ea typeface="Arial"/>
+                <a:cs typeface="Arial"/>
+                <a:sym typeface="Arial"/>
+              </a:defRPr>
             </a:lvl4pPr>
-            <a:lvl5pPr lvl="4">
-              <a:buNone/>
-              <a:defRPr/>
+            <a:lvl5pPr indent="0" lvl="4" marL="0" marR="0" algn="r">
+              <a:lnSpc>
+                <a:spcPct val="100000"/>
+              </a:lnSpc>
+              <a:spcBef>
+                <a:spcPts val="0"/>
+              </a:spcBef>
+              <a:spcAft>
+                <a:spcPts val="0"/>
+              </a:spcAft>
+              <a:buClr>
+                <a:srgbClr val="000000"/>
+              </a:buClr>
+              <a:buSzPts val="1000"/>
+              <a:buFont typeface="Arial"/>
+              <a:buNone/>
+              <a:defRPr b="0" i="0" sz="1000" u="none" cap="none" strike="noStrike">
+                <a:solidFill>
+                  <a:schemeClr val="lt2"/>
+                </a:solidFill>
+                <a:latin typeface="Arial"/>
+                <a:ea typeface="Arial"/>
+                <a:cs typeface="Arial"/>
+                <a:sym typeface="Arial"/>
+              </a:defRPr>
             </a:lvl5pPr>
-            <a:lvl6pPr lvl="5">
-              <a:buNone/>
-              <a:defRPr/>
+            <a:lvl6pPr indent="0" lvl="5" marL="0" marR="0" algn="r">
+              <a:lnSpc>
+                <a:spcPct val="100000"/>
+              </a:lnSpc>
+              <a:spcBef>
+                <a:spcPts val="0"/>
+              </a:spcBef>
+              <a:spcAft>
+                <a:spcPts val="0"/>
+              </a:spcAft>
+              <a:buClr>
+                <a:srgbClr val="000000"/>
+              </a:buClr>
+              <a:buSzPts val="1000"/>
+              <a:buFont typeface="Arial"/>
+              <a:buNone/>
+              <a:defRPr b="0" i="0" sz="1000" u="none" cap="none" strike="noStrike">
+                <a:solidFill>
+                  <a:schemeClr val="lt2"/>
+                </a:solidFill>
+                <a:latin typeface="Arial"/>
+                <a:ea typeface="Arial"/>
+                <a:cs typeface="Arial"/>
+                <a:sym typeface="Arial"/>
+              </a:defRPr>
             </a:lvl6pPr>
-            <a:lvl7pPr lvl="6">
-              <a:buNone/>
-              <a:defRPr/>
+            <a:lvl7pPr indent="0" lvl="6" marL="0" marR="0" algn="r">
+              <a:lnSpc>
+                <a:spcPct val="100000"/>
+              </a:lnSpc>
+              <a:spcBef>
+                <a:spcPts val="0"/>
+              </a:spcBef>
+              <a:spcAft>
+                <a:spcPts val="0"/>
+              </a:spcAft>
+              <a:buClr>
+                <a:srgbClr val="000000"/>
+              </a:buClr>
+              <a:buSzPts val="1000"/>
+              <a:buFont typeface="Arial"/>
+              <a:buNone/>
+              <a:defRPr b="0" i="0" sz="1000" u="none" cap="none" strike="noStrike">
+                <a:solidFill>
+                  <a:schemeClr val="lt2"/>
+                </a:solidFill>
+                <a:latin typeface="Arial"/>
+                <a:ea typeface="Arial"/>
+                <a:cs typeface="Arial"/>
+                <a:sym typeface="Arial"/>
+              </a:defRPr>
             </a:lvl7pPr>
-            <a:lvl8pPr lvl="7">
-              <a:buNone/>
-              <a:defRPr/>
+            <a:lvl8pPr indent="0" lvl="7" marL="0" marR="0" algn="r">
+              <a:lnSpc>
+                <a:spcPct val="100000"/>
+              </a:lnSpc>
+              <a:spcBef>
+                <a:spcPts val="0"/>
+              </a:spcBef>
+              <a:spcAft>
+                <a:spcPts val="0"/>
+              </a:spcAft>
+              <a:buClr>
+                <a:srgbClr val="000000"/>
+              </a:buClr>
+              <a:buSzPts val="1000"/>
+              <a:buFont typeface="Arial"/>
+              <a:buNone/>
+              <a:defRPr b="0" i="0" sz="1000" u="none" cap="none" strike="noStrike">
+                <a:solidFill>
+                  <a:schemeClr val="lt2"/>
+                </a:solidFill>
+                <a:latin typeface="Arial"/>
+                <a:ea typeface="Arial"/>
+                <a:cs typeface="Arial"/>
+                <a:sym typeface="Arial"/>
+              </a:defRPr>
             </a:lvl8pPr>
-            <a:lvl9pPr lvl="8">
-              <a:buNone/>
-              <a:defRPr/>
+            <a:lvl9pPr indent="0" lvl="8" marL="0" marR="0" algn="r">
+              <a:lnSpc>
+                <a:spcPct val="100000"/>
+              </a:lnSpc>
+              <a:spcBef>
+                <a:spcPts val="0"/>
+              </a:spcBef>
+              <a:spcAft>
+                <a:spcPts val="0"/>
+              </a:spcAft>
+              <a:buClr>
+                <a:srgbClr val="000000"/>
+              </a:buClr>
+              <a:buSzPts val="1000"/>
+              <a:buFont typeface="Arial"/>
+              <a:buNone/>
+              <a:defRPr b="0" i="0" sz="1000" u="none" cap="none" strike="noStrike">
+                <a:solidFill>
+                  <a:schemeClr val="lt2"/>
+                </a:solidFill>
+                <a:latin typeface="Arial"/>
+                <a:ea typeface="Arial"/>
+                <a:cs typeface="Arial"/>
+                <a:sym typeface="Arial"/>
+              </a:defRPr>
             </a:lvl9pPr>
           </a:lstStyle>
           <a:p>
@@ -2623,8 +3659,8 @@
 </file>
 
 <file path=ppt/slideLayouts/slideLayout2.xml><?xml version="1.0" encoding="utf-8"?>
-<p:sldLayout xmlns:a="http://schemas.openxmlformats.org/drawingml/2006/main" xmlns:r="http://schemas.openxmlformats.org/officeDocument/2006/relationships" xmlns:mc="http://schemas.openxmlformats.org/markup-compatibility/2006" xmlns:mv="urn:schemas-microsoft-com:mac:vml" xmlns:p="http://schemas.openxmlformats.org/presentationml/2006/main" xmlns:c="http://schemas.openxmlformats.org/drawingml/2006/chart" xmlns:dgm="http://schemas.openxmlformats.org/drawingml/2006/diagram" xmlns:o="urn:schemas-microsoft-com:office:office" xmlns:v="urn:schemas-microsoft-com:vml" xmlns:pvml="urn:schemas-microsoft-com:office:powerpoint" xmlns:com="http://schemas.openxmlformats.org/drawingml/2006/compatibility" xmlns:p14="http://schemas.microsoft.com/office/powerpoint/2010/main" xmlns:p15="http://schemas.microsoft.com/office/powerpoint/2012/main" matchingName="Section header" type="secHead">
-  <p:cSld name="SECTION_HEADER">
+<p:sldLayout xmlns:a="http://schemas.openxmlformats.org/drawingml/2006/main" xmlns:r="http://schemas.openxmlformats.org/officeDocument/2006/relationships" xmlns:mc="http://schemas.openxmlformats.org/markup-compatibility/2006" xmlns:mv="urn:schemas-microsoft-com:mac:vml" xmlns:p="http://schemas.openxmlformats.org/presentationml/2006/main" xmlns:c="http://schemas.openxmlformats.org/drawingml/2006/chart" xmlns:dgm="http://schemas.openxmlformats.org/drawingml/2006/diagram" xmlns:o="urn:schemas-microsoft-com:office:office" xmlns:v="urn:schemas-microsoft-com:vml" xmlns:pvml="urn:schemas-microsoft-com:office:powerpoint" xmlns:com="http://schemas.openxmlformats.org/drawingml/2006/compatibility" xmlns:p14="http://schemas.microsoft.com/office/powerpoint/2010/main" xmlns:p15="http://schemas.microsoft.com/office/powerpoint/2012/main" matchingName="Title and body" type="tx">
+  <p:cSld name="TITLE_AND_BODY">
     <p:spTree>
       <p:nvGrpSpPr>
         <p:cNvPr id="13" name="Shape 13"/>
@@ -2649,116 +3685,147 @@
         </p:nvSpPr>
         <p:spPr>
           <a:xfrm>
-            <a:off x="311700" y="2150850"/>
-            <a:ext cx="8520600" cy="841800"/>
+            <a:off x="311700" y="445025"/>
+            <a:ext cx="8520600" cy="572700"/>
           </a:xfrm>
           <a:prstGeom prst="rect">
             <a:avLst/>
           </a:prstGeom>
+          <a:noFill/>
+          <a:ln>
+            <a:noFill/>
+          </a:ln>
         </p:spPr>
         <p:txBody>
-          <a:bodyPr anchorCtr="0" anchor="ctr" bIns="91425" lIns="91425" spcFirstLastPara="1" rIns="91425" wrap="square" tIns="91425">
+          <a:bodyPr anchorCtr="0" anchor="t" bIns="91425" lIns="91425" spcFirstLastPara="1" rIns="91425" wrap="square" tIns="91425">
             <a:noAutofit/>
           </a:bodyPr>
           <a:lstStyle>
-            <a:lvl1pPr lvl="0" algn="ctr">
-              <a:spcBef>
-                <a:spcPts val="0"/>
-              </a:spcBef>
-              <a:spcAft>
-                <a:spcPts val="0"/>
-              </a:spcAft>
-              <a:buSzPts val="3600"/>
-              <a:buNone/>
-              <a:defRPr sz="3600"/>
+            <a:lvl1pPr lvl="0" algn="l">
+              <a:lnSpc>
+                <a:spcPct val="100000"/>
+              </a:lnSpc>
+              <a:spcBef>
+                <a:spcPts val="0"/>
+              </a:spcBef>
+              <a:spcAft>
+                <a:spcPts val="0"/>
+              </a:spcAft>
+              <a:buSzPts val="2800"/>
+              <a:buNone/>
+              <a:defRPr/>
             </a:lvl1pPr>
-            <a:lvl2pPr lvl="1" algn="ctr">
-              <a:spcBef>
-                <a:spcPts val="0"/>
-              </a:spcBef>
-              <a:spcAft>
-                <a:spcPts val="0"/>
-              </a:spcAft>
-              <a:buSzPts val="3600"/>
-              <a:buNone/>
-              <a:defRPr sz="3600"/>
+            <a:lvl2pPr lvl="1" algn="l">
+              <a:lnSpc>
+                <a:spcPct val="100000"/>
+              </a:lnSpc>
+              <a:spcBef>
+                <a:spcPts val="0"/>
+              </a:spcBef>
+              <a:spcAft>
+                <a:spcPts val="0"/>
+              </a:spcAft>
+              <a:buSzPts val="2800"/>
+              <a:buNone/>
+              <a:defRPr/>
             </a:lvl2pPr>
-            <a:lvl3pPr lvl="2" algn="ctr">
-              <a:spcBef>
-                <a:spcPts val="0"/>
-              </a:spcBef>
-              <a:spcAft>
-                <a:spcPts val="0"/>
-              </a:spcAft>
-              <a:buSzPts val="3600"/>
-              <a:buNone/>
-              <a:defRPr sz="3600"/>
+            <a:lvl3pPr lvl="2" algn="l">
+              <a:lnSpc>
+                <a:spcPct val="100000"/>
+              </a:lnSpc>
+              <a:spcBef>
+                <a:spcPts val="0"/>
+              </a:spcBef>
+              <a:spcAft>
+                <a:spcPts val="0"/>
+              </a:spcAft>
+              <a:buSzPts val="2800"/>
+              <a:buNone/>
+              <a:defRPr/>
             </a:lvl3pPr>
-            <a:lvl4pPr lvl="3" algn="ctr">
-              <a:spcBef>
-                <a:spcPts val="0"/>
-              </a:spcBef>
-              <a:spcAft>
-                <a:spcPts val="0"/>
-              </a:spcAft>
-              <a:buSzPts val="3600"/>
-              <a:buNone/>
-              <a:defRPr sz="3600"/>
+            <a:lvl4pPr lvl="3" algn="l">
+              <a:lnSpc>
+                <a:spcPct val="100000"/>
+              </a:lnSpc>
+              <a:spcBef>
+                <a:spcPts val="0"/>
+              </a:spcBef>
+              <a:spcAft>
+                <a:spcPts val="0"/>
+              </a:spcAft>
+              <a:buSzPts val="2800"/>
+              <a:buNone/>
+              <a:defRPr/>
             </a:lvl4pPr>
-            <a:lvl5pPr lvl="4" algn="ctr">
-              <a:spcBef>
-                <a:spcPts val="0"/>
-              </a:spcBef>
-              <a:spcAft>
-                <a:spcPts val="0"/>
-              </a:spcAft>
-              <a:buSzPts val="3600"/>
-              <a:buNone/>
-              <a:defRPr sz="3600"/>
+            <a:lvl5pPr lvl="4" algn="l">
+              <a:lnSpc>
+                <a:spcPct val="100000"/>
+              </a:lnSpc>
+              <a:spcBef>
+                <a:spcPts val="0"/>
+              </a:spcBef>
+              <a:spcAft>
+                <a:spcPts val="0"/>
+              </a:spcAft>
+              <a:buSzPts val="2800"/>
+              <a:buNone/>
+              <a:defRPr/>
             </a:lvl5pPr>
-            <a:lvl6pPr lvl="5" algn="ctr">
-              <a:spcBef>
-                <a:spcPts val="0"/>
-              </a:spcBef>
-              <a:spcAft>
-                <a:spcPts val="0"/>
-              </a:spcAft>
-              <a:buSzPts val="3600"/>
-              <a:buNone/>
-              <a:defRPr sz="3600"/>
+            <a:lvl6pPr lvl="5" algn="l">
+              <a:lnSpc>
+                <a:spcPct val="100000"/>
+              </a:lnSpc>
+              <a:spcBef>
+                <a:spcPts val="0"/>
+              </a:spcBef>
+              <a:spcAft>
+                <a:spcPts val="0"/>
+              </a:spcAft>
+              <a:buSzPts val="2800"/>
+              <a:buNone/>
+              <a:defRPr/>
             </a:lvl6pPr>
-            <a:lvl7pPr lvl="6" algn="ctr">
-              <a:spcBef>
-                <a:spcPts val="0"/>
-              </a:spcBef>
-              <a:spcAft>
-                <a:spcPts val="0"/>
-              </a:spcAft>
-              <a:buSzPts val="3600"/>
-              <a:buNone/>
-              <a:defRPr sz="3600"/>
+            <a:lvl7pPr lvl="6" algn="l">
+              <a:lnSpc>
+                <a:spcPct val="100000"/>
+              </a:lnSpc>
+              <a:spcBef>
+                <a:spcPts val="0"/>
+              </a:spcBef>
+              <a:spcAft>
+                <a:spcPts val="0"/>
+              </a:spcAft>
+              <a:buSzPts val="2800"/>
+              <a:buNone/>
+              <a:defRPr/>
             </a:lvl7pPr>
-            <a:lvl8pPr lvl="7" algn="ctr">
-              <a:spcBef>
-                <a:spcPts val="0"/>
-              </a:spcBef>
-              <a:spcAft>
-                <a:spcPts val="0"/>
-              </a:spcAft>
-              <a:buSzPts val="3600"/>
-              <a:buNone/>
-              <a:defRPr sz="3600"/>
+            <a:lvl8pPr lvl="7" algn="l">
+              <a:lnSpc>
+                <a:spcPct val="100000"/>
+              </a:lnSpc>
+              <a:spcBef>
+                <a:spcPts val="0"/>
+              </a:spcBef>
+              <a:spcAft>
+                <a:spcPts val="0"/>
+              </a:spcAft>
+              <a:buSzPts val="2800"/>
+              <a:buNone/>
+              <a:defRPr/>
             </a:lvl8pPr>
-            <a:lvl9pPr lvl="8" algn="ctr">
-              <a:spcBef>
-                <a:spcPts val="0"/>
-              </a:spcBef>
-              <a:spcAft>
-                <a:spcPts val="0"/>
-              </a:spcAft>
-              <a:buSzPts val="3600"/>
-              <a:buNone/>
-              <a:defRPr sz="3600"/>
+            <a:lvl9pPr lvl="8" algn="l">
+              <a:lnSpc>
+                <a:spcPct val="100000"/>
+              </a:lnSpc>
+              <a:spcBef>
+                <a:spcPts val="0"/>
+              </a:spcBef>
+              <a:spcAft>
+                <a:spcPts val="0"/>
+              </a:spcAft>
+              <a:buSzPts val="2800"/>
+              <a:buNone/>
+              <a:defRPr/>
             </a:lvl9pPr>
           </a:lstStyle>
           <a:p/>
@@ -2767,6 +3834,162 @@
       <p:sp>
         <p:nvSpPr>
           <p:cNvPr id="15" name="Google Shape;15;p3"/>
+          <p:cNvSpPr txBox="1"/>
+          <p:nvPr>
+            <p:ph idx="1" type="body"/>
+          </p:nvPr>
+        </p:nvSpPr>
+        <p:spPr>
+          <a:xfrm>
+            <a:off x="311700" y="1152475"/>
+            <a:ext cx="8520600" cy="3416400"/>
+          </a:xfrm>
+          <a:prstGeom prst="rect">
+            <a:avLst/>
+          </a:prstGeom>
+          <a:noFill/>
+          <a:ln>
+            <a:noFill/>
+          </a:ln>
+        </p:spPr>
+        <p:txBody>
+          <a:bodyPr anchorCtr="0" anchor="t" bIns="91425" lIns="91425" spcFirstLastPara="1" rIns="91425" wrap="square" tIns="91425">
+            <a:noAutofit/>
+          </a:bodyPr>
+          <a:lstStyle>
+            <a:lvl1pPr indent="-342900" lvl="0" marL="457200" algn="l">
+              <a:lnSpc>
+                <a:spcPct val="115000"/>
+              </a:lnSpc>
+              <a:spcBef>
+                <a:spcPts val="0"/>
+              </a:spcBef>
+              <a:spcAft>
+                <a:spcPts val="0"/>
+              </a:spcAft>
+              <a:buSzPts val="1800"/>
+              <a:buChar char="●"/>
+              <a:defRPr/>
+            </a:lvl1pPr>
+            <a:lvl2pPr indent="-317500" lvl="1" marL="914400" algn="l">
+              <a:lnSpc>
+                <a:spcPct val="115000"/>
+              </a:lnSpc>
+              <a:spcBef>
+                <a:spcPts val="1600"/>
+              </a:spcBef>
+              <a:spcAft>
+                <a:spcPts val="0"/>
+              </a:spcAft>
+              <a:buSzPts val="1400"/>
+              <a:buChar char="○"/>
+              <a:defRPr/>
+            </a:lvl2pPr>
+            <a:lvl3pPr indent="-317500" lvl="2" marL="1371600" algn="l">
+              <a:lnSpc>
+                <a:spcPct val="115000"/>
+              </a:lnSpc>
+              <a:spcBef>
+                <a:spcPts val="1600"/>
+              </a:spcBef>
+              <a:spcAft>
+                <a:spcPts val="0"/>
+              </a:spcAft>
+              <a:buSzPts val="1400"/>
+              <a:buChar char="■"/>
+              <a:defRPr/>
+            </a:lvl3pPr>
+            <a:lvl4pPr indent="-317500" lvl="3" marL="1828800" algn="l">
+              <a:lnSpc>
+                <a:spcPct val="115000"/>
+              </a:lnSpc>
+              <a:spcBef>
+                <a:spcPts val="1600"/>
+              </a:spcBef>
+              <a:spcAft>
+                <a:spcPts val="0"/>
+              </a:spcAft>
+              <a:buSzPts val="1400"/>
+              <a:buChar char="●"/>
+              <a:defRPr/>
+            </a:lvl4pPr>
+            <a:lvl5pPr indent="-317500" lvl="4" marL="2286000" algn="l">
+              <a:lnSpc>
+                <a:spcPct val="115000"/>
+              </a:lnSpc>
+              <a:spcBef>
+                <a:spcPts val="1600"/>
+              </a:spcBef>
+              <a:spcAft>
+                <a:spcPts val="0"/>
+              </a:spcAft>
+              <a:buSzPts val="1400"/>
+              <a:buChar char="○"/>
+              <a:defRPr/>
+            </a:lvl5pPr>
+            <a:lvl6pPr indent="-317500" lvl="5" marL="2743200" algn="l">
+              <a:lnSpc>
+                <a:spcPct val="115000"/>
+              </a:lnSpc>
+              <a:spcBef>
+                <a:spcPts val="1600"/>
+              </a:spcBef>
+              <a:spcAft>
+                <a:spcPts val="0"/>
+              </a:spcAft>
+              <a:buSzPts val="1400"/>
+              <a:buChar char="■"/>
+              <a:defRPr/>
+            </a:lvl6pPr>
+            <a:lvl7pPr indent="-317500" lvl="6" marL="3200400" algn="l">
+              <a:lnSpc>
+                <a:spcPct val="115000"/>
+              </a:lnSpc>
+              <a:spcBef>
+                <a:spcPts val="1600"/>
+              </a:spcBef>
+              <a:spcAft>
+                <a:spcPts val="0"/>
+              </a:spcAft>
+              <a:buSzPts val="1400"/>
+              <a:buChar char="●"/>
+              <a:defRPr/>
+            </a:lvl7pPr>
+            <a:lvl8pPr indent="-317500" lvl="7" marL="3657600" algn="l">
+              <a:lnSpc>
+                <a:spcPct val="115000"/>
+              </a:lnSpc>
+              <a:spcBef>
+                <a:spcPts val="1600"/>
+              </a:spcBef>
+              <a:spcAft>
+                <a:spcPts val="0"/>
+              </a:spcAft>
+              <a:buSzPts val="1400"/>
+              <a:buChar char="○"/>
+              <a:defRPr/>
+            </a:lvl8pPr>
+            <a:lvl9pPr indent="-317500" lvl="8" marL="4114800" algn="l">
+              <a:lnSpc>
+                <a:spcPct val="115000"/>
+              </a:lnSpc>
+              <a:spcBef>
+                <a:spcPts val="1600"/>
+              </a:spcBef>
+              <a:spcAft>
+                <a:spcPts val="1600"/>
+              </a:spcAft>
+              <a:buSzPts val="1400"/>
+              <a:buChar char="■"/>
+              <a:defRPr/>
+            </a:lvl9pPr>
+          </a:lstStyle>
+          <a:p/>
+        </p:txBody>
+      </p:sp>
+      <p:sp>
+        <p:nvSpPr>
+          <p:cNvPr id="16" name="Google Shape;16;p3"/>
           <p:cNvSpPr txBox="1"/>
           <p:nvPr>
             <p:ph idx="12" type="sldNum"/>
@@ -2780,47 +4003,249 @@
           <a:prstGeom prst="rect">
             <a:avLst/>
           </a:prstGeom>
+          <a:noFill/>
+          <a:ln>
+            <a:noFill/>
+          </a:ln>
         </p:spPr>
         <p:txBody>
           <a:bodyPr anchorCtr="0" anchor="ctr" bIns="91425" lIns="91425" spcFirstLastPara="1" rIns="91425" wrap="square" tIns="91425">
             <a:noAutofit/>
           </a:bodyPr>
           <a:lstStyle>
-            <a:lvl1pPr lvl="0">
-              <a:buNone/>
-              <a:defRPr/>
+            <a:lvl1pPr indent="0" lvl="0" marL="0" marR="0" algn="r">
+              <a:lnSpc>
+                <a:spcPct val="100000"/>
+              </a:lnSpc>
+              <a:spcBef>
+                <a:spcPts val="0"/>
+              </a:spcBef>
+              <a:spcAft>
+                <a:spcPts val="0"/>
+              </a:spcAft>
+              <a:buClr>
+                <a:srgbClr val="000000"/>
+              </a:buClr>
+              <a:buSzPts val="1000"/>
+              <a:buFont typeface="Arial"/>
+              <a:buNone/>
+              <a:defRPr b="0" i="0" sz="1000" u="none" cap="none" strike="noStrike">
+                <a:solidFill>
+                  <a:schemeClr val="lt2"/>
+                </a:solidFill>
+                <a:latin typeface="Arial"/>
+                <a:ea typeface="Arial"/>
+                <a:cs typeface="Arial"/>
+                <a:sym typeface="Arial"/>
+              </a:defRPr>
             </a:lvl1pPr>
-            <a:lvl2pPr lvl="1">
-              <a:buNone/>
-              <a:defRPr/>
+            <a:lvl2pPr indent="0" lvl="1" marL="0" marR="0" algn="r">
+              <a:lnSpc>
+                <a:spcPct val="100000"/>
+              </a:lnSpc>
+              <a:spcBef>
+                <a:spcPts val="0"/>
+              </a:spcBef>
+              <a:spcAft>
+                <a:spcPts val="0"/>
+              </a:spcAft>
+              <a:buClr>
+                <a:srgbClr val="000000"/>
+              </a:buClr>
+              <a:buSzPts val="1000"/>
+              <a:buFont typeface="Arial"/>
+              <a:buNone/>
+              <a:defRPr b="0" i="0" sz="1000" u="none" cap="none" strike="noStrike">
+                <a:solidFill>
+                  <a:schemeClr val="lt2"/>
+                </a:solidFill>
+                <a:latin typeface="Arial"/>
+                <a:ea typeface="Arial"/>
+                <a:cs typeface="Arial"/>
+                <a:sym typeface="Arial"/>
+              </a:defRPr>
             </a:lvl2pPr>
-            <a:lvl3pPr lvl="2">
-              <a:buNone/>
-              <a:defRPr/>
+            <a:lvl3pPr indent="0" lvl="2" marL="0" marR="0" algn="r">
+              <a:lnSpc>
+                <a:spcPct val="100000"/>
+              </a:lnSpc>
+              <a:spcBef>
+                <a:spcPts val="0"/>
+              </a:spcBef>
+              <a:spcAft>
+                <a:spcPts val="0"/>
+              </a:spcAft>
+              <a:buClr>
+                <a:srgbClr val="000000"/>
+              </a:buClr>
+              <a:buSzPts val="1000"/>
+              <a:buFont typeface="Arial"/>
+              <a:buNone/>
+              <a:defRPr b="0" i="0" sz="1000" u="none" cap="none" strike="noStrike">
+                <a:solidFill>
+                  <a:schemeClr val="lt2"/>
+                </a:solidFill>
+                <a:latin typeface="Arial"/>
+                <a:ea typeface="Arial"/>
+                <a:cs typeface="Arial"/>
+                <a:sym typeface="Arial"/>
+              </a:defRPr>
             </a:lvl3pPr>
-            <a:lvl4pPr lvl="3">
-              <a:buNone/>
-              <a:defRPr/>
+            <a:lvl4pPr indent="0" lvl="3" marL="0" marR="0" algn="r">
+              <a:lnSpc>
+                <a:spcPct val="100000"/>
+              </a:lnSpc>
+              <a:spcBef>
+                <a:spcPts val="0"/>
+              </a:spcBef>
+              <a:spcAft>
+                <a:spcPts val="0"/>
+              </a:spcAft>
+              <a:buClr>
+                <a:srgbClr val="000000"/>
+              </a:buClr>
+              <a:buSzPts val="1000"/>
+              <a:buFont typeface="Arial"/>
+              <a:buNone/>
+              <a:defRPr b="0" i="0" sz="1000" u="none" cap="none" strike="noStrike">
+                <a:solidFill>
+                  <a:schemeClr val="lt2"/>
+                </a:solidFill>
+                <a:latin typeface="Arial"/>
+                <a:ea typeface="Arial"/>
+                <a:cs typeface="Arial"/>
+                <a:sym typeface="Arial"/>
+              </a:defRPr>
             </a:lvl4pPr>
-            <a:lvl5pPr lvl="4">
-              <a:buNone/>
-              <a:defRPr/>
+            <a:lvl5pPr indent="0" lvl="4" marL="0" marR="0" algn="r">
+              <a:lnSpc>
+                <a:spcPct val="100000"/>
+              </a:lnSpc>
+              <a:spcBef>
+                <a:spcPts val="0"/>
+              </a:spcBef>
+              <a:spcAft>
+                <a:spcPts val="0"/>
+              </a:spcAft>
+              <a:buClr>
+                <a:srgbClr val="000000"/>
+              </a:buClr>
+              <a:buSzPts val="1000"/>
+              <a:buFont typeface="Arial"/>
+              <a:buNone/>
+              <a:defRPr b="0" i="0" sz="1000" u="none" cap="none" strike="noStrike">
+                <a:solidFill>
+                  <a:schemeClr val="lt2"/>
+                </a:solidFill>
+                <a:latin typeface="Arial"/>
+                <a:ea typeface="Arial"/>
+                <a:cs typeface="Arial"/>
+                <a:sym typeface="Arial"/>
+              </a:defRPr>
             </a:lvl5pPr>
-            <a:lvl6pPr lvl="5">
-              <a:buNone/>
-              <a:defRPr/>
+            <a:lvl6pPr indent="0" lvl="5" marL="0" marR="0" algn="r">
+              <a:lnSpc>
+                <a:spcPct val="100000"/>
+              </a:lnSpc>
+              <a:spcBef>
+                <a:spcPts val="0"/>
+              </a:spcBef>
+              <a:spcAft>
+                <a:spcPts val="0"/>
+              </a:spcAft>
+              <a:buClr>
+                <a:srgbClr val="000000"/>
+              </a:buClr>
+              <a:buSzPts val="1000"/>
+              <a:buFont typeface="Arial"/>
+              <a:buNone/>
+              <a:defRPr b="0" i="0" sz="1000" u="none" cap="none" strike="noStrike">
+                <a:solidFill>
+                  <a:schemeClr val="lt2"/>
+                </a:solidFill>
+                <a:latin typeface="Arial"/>
+                <a:ea typeface="Arial"/>
+                <a:cs typeface="Arial"/>
+                <a:sym typeface="Arial"/>
+              </a:defRPr>
             </a:lvl6pPr>
-            <a:lvl7pPr lvl="6">
-              <a:buNone/>
-              <a:defRPr/>
+            <a:lvl7pPr indent="0" lvl="6" marL="0" marR="0" algn="r">
+              <a:lnSpc>
+                <a:spcPct val="100000"/>
+              </a:lnSpc>
+              <a:spcBef>
+                <a:spcPts val="0"/>
+              </a:spcBef>
+              <a:spcAft>
+                <a:spcPts val="0"/>
+              </a:spcAft>
+              <a:buClr>
+                <a:srgbClr val="000000"/>
+              </a:buClr>
+              <a:buSzPts val="1000"/>
+              <a:buFont typeface="Arial"/>
+              <a:buNone/>
+              <a:defRPr b="0" i="0" sz="1000" u="none" cap="none" strike="noStrike">
+                <a:solidFill>
+                  <a:schemeClr val="lt2"/>
+                </a:solidFill>
+                <a:latin typeface="Arial"/>
+                <a:ea typeface="Arial"/>
+                <a:cs typeface="Arial"/>
+                <a:sym typeface="Arial"/>
+              </a:defRPr>
             </a:lvl7pPr>
-            <a:lvl8pPr lvl="7">
-              <a:buNone/>
-              <a:defRPr/>
+            <a:lvl8pPr indent="0" lvl="7" marL="0" marR="0" algn="r">
+              <a:lnSpc>
+                <a:spcPct val="100000"/>
+              </a:lnSpc>
+              <a:spcBef>
+                <a:spcPts val="0"/>
+              </a:spcBef>
+              <a:spcAft>
+                <a:spcPts val="0"/>
+              </a:spcAft>
+              <a:buClr>
+                <a:srgbClr val="000000"/>
+              </a:buClr>
+              <a:buSzPts val="1000"/>
+              <a:buFont typeface="Arial"/>
+              <a:buNone/>
+              <a:defRPr b="0" i="0" sz="1000" u="none" cap="none" strike="noStrike">
+                <a:solidFill>
+                  <a:schemeClr val="lt2"/>
+                </a:solidFill>
+                <a:latin typeface="Arial"/>
+                <a:ea typeface="Arial"/>
+                <a:cs typeface="Arial"/>
+                <a:sym typeface="Arial"/>
+              </a:defRPr>
             </a:lvl8pPr>
-            <a:lvl9pPr lvl="8">
-              <a:buNone/>
-              <a:defRPr/>
+            <a:lvl9pPr indent="0" lvl="8" marL="0" marR="0" algn="r">
+              <a:lnSpc>
+                <a:spcPct val="100000"/>
+              </a:lnSpc>
+              <a:spcBef>
+                <a:spcPts val="0"/>
+              </a:spcBef>
+              <a:spcAft>
+                <a:spcPts val="0"/>
+              </a:spcAft>
+              <a:buClr>
+                <a:srgbClr val="000000"/>
+              </a:buClr>
+              <a:buSzPts val="1000"/>
+              <a:buFont typeface="Arial"/>
+              <a:buNone/>
+              <a:defRPr b="0" i="0" sz="1000" u="none" cap="none" strike="noStrike">
+                <a:solidFill>
+                  <a:schemeClr val="lt2"/>
+                </a:solidFill>
+                <a:latin typeface="Arial"/>
+                <a:ea typeface="Arial"/>
+                <a:cs typeface="Arial"/>
+                <a:sym typeface="Arial"/>
+              </a:defRPr>
             </a:lvl9pPr>
           </a:lstStyle>
           <a:p>
@@ -2850,11 +4275,11 @@
 </file>
 
 <file path=ppt/slideLayouts/slideLayout3.xml><?xml version="1.0" encoding="utf-8"?>
-<p:sldLayout xmlns:a="http://schemas.openxmlformats.org/drawingml/2006/main" xmlns:r="http://schemas.openxmlformats.org/officeDocument/2006/relationships" xmlns:mc="http://schemas.openxmlformats.org/markup-compatibility/2006" xmlns:mv="urn:schemas-microsoft-com:mac:vml" xmlns:p="http://schemas.openxmlformats.org/presentationml/2006/main" xmlns:c="http://schemas.openxmlformats.org/drawingml/2006/chart" xmlns:dgm="http://schemas.openxmlformats.org/drawingml/2006/diagram" xmlns:o="urn:schemas-microsoft-com:office:office" xmlns:v="urn:schemas-microsoft-com:vml" xmlns:pvml="urn:schemas-microsoft-com:office:powerpoint" xmlns:com="http://schemas.openxmlformats.org/drawingml/2006/compatibility" xmlns:p14="http://schemas.microsoft.com/office/powerpoint/2010/main" xmlns:p15="http://schemas.microsoft.com/office/powerpoint/2012/main" matchingName="Title and body" type="tx">
-  <p:cSld name="TITLE_AND_BODY">
+<p:sldLayout xmlns:a="http://schemas.openxmlformats.org/drawingml/2006/main" xmlns:r="http://schemas.openxmlformats.org/officeDocument/2006/relationships" xmlns:mc="http://schemas.openxmlformats.org/markup-compatibility/2006" xmlns:mv="urn:schemas-microsoft-com:mac:vml" xmlns:p="http://schemas.openxmlformats.org/presentationml/2006/main" xmlns:c="http://schemas.openxmlformats.org/drawingml/2006/chart" xmlns:dgm="http://schemas.openxmlformats.org/drawingml/2006/diagram" xmlns:o="urn:schemas-microsoft-com:office:office" xmlns:v="urn:schemas-microsoft-com:vml" xmlns:pvml="urn:schemas-microsoft-com:office:powerpoint" xmlns:com="http://schemas.openxmlformats.org/drawingml/2006/compatibility" xmlns:p14="http://schemas.microsoft.com/office/powerpoint/2010/main" xmlns:p15="http://schemas.microsoft.com/office/powerpoint/2012/main" matchingName="Section header" type="secHead">
+  <p:cSld name="SECTION_HEADER">
     <p:spTree>
       <p:nvGrpSpPr>
-        <p:cNvPr id="16" name="Shape 16"/>
+        <p:cNvPr id="17" name="Shape 17"/>
         <p:cNvGrpSpPr/>
         <p:nvPr/>
       </p:nvGrpSpPr>
@@ -2868,7 +4293,7 @@
       </p:grpSpPr>
       <p:sp>
         <p:nvSpPr>
-          <p:cNvPr id="17" name="Google Shape;17;p4"/>
+          <p:cNvPr id="18" name="Google Shape;18;p4"/>
           <p:cNvSpPr txBox="1"/>
           <p:nvPr>
             <p:ph type="title"/>
@@ -2876,241 +4301,147 @@
         </p:nvSpPr>
         <p:spPr>
           <a:xfrm>
-            <a:off x="311700" y="445025"/>
-            <a:ext cx="8520600" cy="572700"/>
+            <a:off x="311700" y="2150850"/>
+            <a:ext cx="8520600" cy="841800"/>
           </a:xfrm>
           <a:prstGeom prst="rect">
             <a:avLst/>
           </a:prstGeom>
+          <a:noFill/>
+          <a:ln>
+            <a:noFill/>
+          </a:ln>
         </p:spPr>
         <p:txBody>
-          <a:bodyPr anchorCtr="0" anchor="t" bIns="91425" lIns="91425" spcFirstLastPara="1" rIns="91425" wrap="square" tIns="91425">
+          <a:bodyPr anchorCtr="0" anchor="ctr" bIns="91425" lIns="91425" spcFirstLastPara="1" rIns="91425" wrap="square" tIns="91425">
             <a:noAutofit/>
           </a:bodyPr>
           <a:lstStyle>
-            <a:lvl1pPr lvl="0">
-              <a:spcBef>
-                <a:spcPts val="0"/>
-              </a:spcBef>
-              <a:spcAft>
-                <a:spcPts val="0"/>
-              </a:spcAft>
-              <a:buSzPts val="2800"/>
-              <a:buNone/>
-              <a:defRPr/>
+            <a:lvl1pPr lvl="0" algn="ctr">
+              <a:lnSpc>
+                <a:spcPct val="100000"/>
+              </a:lnSpc>
+              <a:spcBef>
+                <a:spcPts val="0"/>
+              </a:spcBef>
+              <a:spcAft>
+                <a:spcPts val="0"/>
+              </a:spcAft>
+              <a:buSzPts val="3600"/>
+              <a:buNone/>
+              <a:defRPr sz="3600"/>
             </a:lvl1pPr>
-            <a:lvl2pPr lvl="1">
-              <a:spcBef>
-                <a:spcPts val="0"/>
-              </a:spcBef>
-              <a:spcAft>
-                <a:spcPts val="0"/>
-              </a:spcAft>
-              <a:buSzPts val="2800"/>
-              <a:buNone/>
-              <a:defRPr/>
+            <a:lvl2pPr lvl="1" algn="ctr">
+              <a:lnSpc>
+                <a:spcPct val="100000"/>
+              </a:lnSpc>
+              <a:spcBef>
+                <a:spcPts val="0"/>
+              </a:spcBef>
+              <a:spcAft>
+                <a:spcPts val="0"/>
+              </a:spcAft>
+              <a:buSzPts val="3600"/>
+              <a:buNone/>
+              <a:defRPr sz="3600"/>
             </a:lvl2pPr>
-            <a:lvl3pPr lvl="2">
-              <a:spcBef>
-                <a:spcPts val="0"/>
-              </a:spcBef>
-              <a:spcAft>
-                <a:spcPts val="0"/>
-              </a:spcAft>
-              <a:buSzPts val="2800"/>
-              <a:buNone/>
-              <a:defRPr/>
+            <a:lvl3pPr lvl="2" algn="ctr">
+              <a:lnSpc>
+                <a:spcPct val="100000"/>
+              </a:lnSpc>
+              <a:spcBef>
+                <a:spcPts val="0"/>
+              </a:spcBef>
+              <a:spcAft>
+                <a:spcPts val="0"/>
+              </a:spcAft>
+              <a:buSzPts val="3600"/>
+              <a:buNone/>
+              <a:defRPr sz="3600"/>
             </a:lvl3pPr>
-            <a:lvl4pPr lvl="3">
-              <a:spcBef>
-                <a:spcPts val="0"/>
-              </a:spcBef>
-              <a:spcAft>
-                <a:spcPts val="0"/>
-              </a:spcAft>
-              <a:buSzPts val="2800"/>
-              <a:buNone/>
-              <a:defRPr/>
+            <a:lvl4pPr lvl="3" algn="ctr">
+              <a:lnSpc>
+                <a:spcPct val="100000"/>
+              </a:lnSpc>
+              <a:spcBef>
+                <a:spcPts val="0"/>
+              </a:spcBef>
+              <a:spcAft>
+                <a:spcPts val="0"/>
+              </a:spcAft>
+              <a:buSzPts val="3600"/>
+              <a:buNone/>
+              <a:defRPr sz="3600"/>
             </a:lvl4pPr>
-            <a:lvl5pPr lvl="4">
-              <a:spcBef>
-                <a:spcPts val="0"/>
-              </a:spcBef>
-              <a:spcAft>
-                <a:spcPts val="0"/>
-              </a:spcAft>
-              <a:buSzPts val="2800"/>
-              <a:buNone/>
-              <a:defRPr/>
+            <a:lvl5pPr lvl="4" algn="ctr">
+              <a:lnSpc>
+                <a:spcPct val="100000"/>
+              </a:lnSpc>
+              <a:spcBef>
+                <a:spcPts val="0"/>
+              </a:spcBef>
+              <a:spcAft>
+                <a:spcPts val="0"/>
+              </a:spcAft>
+              <a:buSzPts val="3600"/>
+              <a:buNone/>
+              <a:defRPr sz="3600"/>
             </a:lvl5pPr>
-            <a:lvl6pPr lvl="5">
-              <a:spcBef>
-                <a:spcPts val="0"/>
-              </a:spcBef>
-              <a:spcAft>
-                <a:spcPts val="0"/>
-              </a:spcAft>
-              <a:buSzPts val="2800"/>
-              <a:buNone/>
-              <a:defRPr/>
+            <a:lvl6pPr lvl="5" algn="ctr">
+              <a:lnSpc>
+                <a:spcPct val="100000"/>
+              </a:lnSpc>
+              <a:spcBef>
+                <a:spcPts val="0"/>
+              </a:spcBef>
+              <a:spcAft>
+                <a:spcPts val="0"/>
+              </a:spcAft>
+              <a:buSzPts val="3600"/>
+              <a:buNone/>
+              <a:defRPr sz="3600"/>
             </a:lvl6pPr>
-            <a:lvl7pPr lvl="6">
-              <a:spcBef>
-                <a:spcPts val="0"/>
-              </a:spcBef>
-              <a:spcAft>
-                <a:spcPts val="0"/>
-              </a:spcAft>
-              <a:buSzPts val="2800"/>
-              <a:buNone/>
-              <a:defRPr/>
+            <a:lvl7pPr lvl="6" algn="ctr">
+              <a:lnSpc>
+                <a:spcPct val="100000"/>
+              </a:lnSpc>
+              <a:spcBef>
+                <a:spcPts val="0"/>
+              </a:spcBef>
+              <a:spcAft>
+                <a:spcPts val="0"/>
+              </a:spcAft>
+              <a:buSzPts val="3600"/>
+              <a:buNone/>
+              <a:defRPr sz="3600"/>
             </a:lvl7pPr>
-            <a:lvl8pPr lvl="7">
-              <a:spcBef>
-                <a:spcPts val="0"/>
-              </a:spcBef>
-              <a:spcAft>
-                <a:spcPts val="0"/>
-              </a:spcAft>
-              <a:buSzPts val="2800"/>
-              <a:buNone/>
-              <a:defRPr/>
+            <a:lvl8pPr lvl="7" algn="ctr">
+              <a:lnSpc>
+                <a:spcPct val="100000"/>
+              </a:lnSpc>
+              <a:spcBef>
+                <a:spcPts val="0"/>
+              </a:spcBef>
+              <a:spcAft>
+                <a:spcPts val="0"/>
+              </a:spcAft>
+              <a:buSzPts val="3600"/>
+              <a:buNone/>
+              <a:defRPr sz="3600"/>
             </a:lvl8pPr>
-            <a:lvl9pPr lvl="8">
-              <a:spcBef>
-                <a:spcPts val="0"/>
-              </a:spcBef>
-              <a:spcAft>
-                <a:spcPts val="0"/>
-              </a:spcAft>
-              <a:buSzPts val="2800"/>
-              <a:buNone/>
-              <a:defRPr/>
-            </a:lvl9pPr>
-          </a:lstStyle>
-          <a:p/>
-        </p:txBody>
-      </p:sp>
-      <p:sp>
-        <p:nvSpPr>
-          <p:cNvPr id="18" name="Google Shape;18;p4"/>
-          <p:cNvSpPr txBox="1"/>
-          <p:nvPr>
-            <p:ph idx="1" type="body"/>
-          </p:nvPr>
-        </p:nvSpPr>
-        <p:spPr>
-          <a:xfrm>
-            <a:off x="311700" y="1152475"/>
-            <a:ext cx="8520600" cy="3416400"/>
-          </a:xfrm>
-          <a:prstGeom prst="rect">
-            <a:avLst/>
-          </a:prstGeom>
-        </p:spPr>
-        <p:txBody>
-          <a:bodyPr anchorCtr="0" anchor="t" bIns="91425" lIns="91425" spcFirstLastPara="1" rIns="91425" wrap="square" tIns="91425">
-            <a:noAutofit/>
-          </a:bodyPr>
-          <a:lstStyle>
-            <a:lvl1pPr indent="-342900" lvl="0" marL="457200">
-              <a:spcBef>
-                <a:spcPts val="0"/>
-              </a:spcBef>
-              <a:spcAft>
-                <a:spcPts val="0"/>
-              </a:spcAft>
-              <a:buSzPts val="1800"/>
-              <a:buChar char="●"/>
-              <a:defRPr/>
-            </a:lvl1pPr>
-            <a:lvl2pPr indent="-317500" lvl="1" marL="914400">
-              <a:spcBef>
-                <a:spcPts val="1600"/>
-              </a:spcBef>
-              <a:spcAft>
-                <a:spcPts val="0"/>
-              </a:spcAft>
-              <a:buSzPts val="1400"/>
-              <a:buChar char="○"/>
-              <a:defRPr/>
-            </a:lvl2pPr>
-            <a:lvl3pPr indent="-317500" lvl="2" marL="1371600">
-              <a:spcBef>
-                <a:spcPts val="1600"/>
-              </a:spcBef>
-              <a:spcAft>
-                <a:spcPts val="0"/>
-              </a:spcAft>
-              <a:buSzPts val="1400"/>
-              <a:buChar char="■"/>
-              <a:defRPr/>
-            </a:lvl3pPr>
-            <a:lvl4pPr indent="-317500" lvl="3" marL="1828800">
-              <a:spcBef>
-                <a:spcPts val="1600"/>
-              </a:spcBef>
-              <a:spcAft>
-                <a:spcPts val="0"/>
-              </a:spcAft>
-              <a:buSzPts val="1400"/>
-              <a:buChar char="●"/>
-              <a:defRPr/>
-            </a:lvl4pPr>
-            <a:lvl5pPr indent="-317500" lvl="4" marL="2286000">
-              <a:spcBef>
-                <a:spcPts val="1600"/>
-              </a:spcBef>
-              <a:spcAft>
-                <a:spcPts val="0"/>
-              </a:spcAft>
-              <a:buSzPts val="1400"/>
-              <a:buChar char="○"/>
-              <a:defRPr/>
-            </a:lvl5pPr>
-            <a:lvl6pPr indent="-317500" lvl="5" marL="2743200">
-              <a:spcBef>
-                <a:spcPts val="1600"/>
-              </a:spcBef>
-              <a:spcAft>
-                <a:spcPts val="0"/>
-              </a:spcAft>
-              <a:buSzPts val="1400"/>
-              <a:buChar char="■"/>
-              <a:defRPr/>
-            </a:lvl6pPr>
-            <a:lvl7pPr indent="-317500" lvl="6" marL="3200400">
-              <a:spcBef>
-                <a:spcPts val="1600"/>
-              </a:spcBef>
-              <a:spcAft>
-                <a:spcPts val="0"/>
-              </a:spcAft>
-              <a:buSzPts val="1400"/>
-              <a:buChar char="●"/>
-              <a:defRPr/>
-            </a:lvl7pPr>
-            <a:lvl8pPr indent="-317500" lvl="7" marL="3657600">
-              <a:spcBef>
-                <a:spcPts val="1600"/>
-              </a:spcBef>
-              <a:spcAft>
-                <a:spcPts val="0"/>
-              </a:spcAft>
-              <a:buSzPts val="1400"/>
-              <a:buChar char="○"/>
-              <a:defRPr/>
-            </a:lvl8pPr>
-            <a:lvl9pPr indent="-317500" lvl="8" marL="4114800">
-              <a:spcBef>
-                <a:spcPts val="1600"/>
-              </a:spcBef>
-              <a:spcAft>
-                <a:spcPts val="1600"/>
-              </a:spcAft>
-              <a:buSzPts val="1400"/>
-              <a:buChar char="■"/>
-              <a:defRPr/>
+            <a:lvl9pPr lvl="8" algn="ctr">
+              <a:lnSpc>
+                <a:spcPct val="100000"/>
+              </a:lnSpc>
+              <a:spcBef>
+                <a:spcPts val="0"/>
+              </a:spcBef>
+              <a:spcAft>
+                <a:spcPts val="0"/>
+              </a:spcAft>
+              <a:buSzPts val="3600"/>
+              <a:buNone/>
+              <a:defRPr sz="3600"/>
             </a:lvl9pPr>
           </a:lstStyle>
           <a:p/>
@@ -3132,47 +4463,249 @@
           <a:prstGeom prst="rect">
             <a:avLst/>
           </a:prstGeom>
+          <a:noFill/>
+          <a:ln>
+            <a:noFill/>
+          </a:ln>
         </p:spPr>
         <p:txBody>
           <a:bodyPr anchorCtr="0" anchor="ctr" bIns="91425" lIns="91425" spcFirstLastPara="1" rIns="91425" wrap="square" tIns="91425">
             <a:noAutofit/>
           </a:bodyPr>
           <a:lstStyle>
-            <a:lvl1pPr lvl="0">
-              <a:buNone/>
-              <a:defRPr/>
+            <a:lvl1pPr indent="0" lvl="0" marL="0" marR="0" algn="r">
+              <a:lnSpc>
+                <a:spcPct val="100000"/>
+              </a:lnSpc>
+              <a:spcBef>
+                <a:spcPts val="0"/>
+              </a:spcBef>
+              <a:spcAft>
+                <a:spcPts val="0"/>
+              </a:spcAft>
+              <a:buClr>
+                <a:srgbClr val="000000"/>
+              </a:buClr>
+              <a:buSzPts val="1000"/>
+              <a:buFont typeface="Arial"/>
+              <a:buNone/>
+              <a:defRPr b="0" i="0" sz="1000" u="none" cap="none" strike="noStrike">
+                <a:solidFill>
+                  <a:schemeClr val="lt2"/>
+                </a:solidFill>
+                <a:latin typeface="Arial"/>
+                <a:ea typeface="Arial"/>
+                <a:cs typeface="Arial"/>
+                <a:sym typeface="Arial"/>
+              </a:defRPr>
             </a:lvl1pPr>
-            <a:lvl2pPr lvl="1">
-              <a:buNone/>
-              <a:defRPr/>
+            <a:lvl2pPr indent="0" lvl="1" marL="0" marR="0" algn="r">
+              <a:lnSpc>
+                <a:spcPct val="100000"/>
+              </a:lnSpc>
+              <a:spcBef>
+                <a:spcPts val="0"/>
+              </a:spcBef>
+              <a:spcAft>
+                <a:spcPts val="0"/>
+              </a:spcAft>
+              <a:buClr>
+                <a:srgbClr val="000000"/>
+              </a:buClr>
+              <a:buSzPts val="1000"/>
+              <a:buFont typeface="Arial"/>
+              <a:buNone/>
+              <a:defRPr b="0" i="0" sz="1000" u="none" cap="none" strike="noStrike">
+                <a:solidFill>
+                  <a:schemeClr val="lt2"/>
+                </a:solidFill>
+                <a:latin typeface="Arial"/>
+                <a:ea typeface="Arial"/>
+                <a:cs typeface="Arial"/>
+                <a:sym typeface="Arial"/>
+              </a:defRPr>
             </a:lvl2pPr>
-            <a:lvl3pPr lvl="2">
-              <a:buNone/>
-              <a:defRPr/>
+            <a:lvl3pPr indent="0" lvl="2" marL="0" marR="0" algn="r">
+              <a:lnSpc>
+                <a:spcPct val="100000"/>
+              </a:lnSpc>
+              <a:spcBef>
+                <a:spcPts val="0"/>
+              </a:spcBef>
+              <a:spcAft>
+                <a:spcPts val="0"/>
+              </a:spcAft>
+              <a:buClr>
+                <a:srgbClr val="000000"/>
+              </a:buClr>
+              <a:buSzPts val="1000"/>
+              <a:buFont typeface="Arial"/>
+              <a:buNone/>
+              <a:defRPr b="0" i="0" sz="1000" u="none" cap="none" strike="noStrike">
+                <a:solidFill>
+                  <a:schemeClr val="lt2"/>
+                </a:solidFill>
+                <a:latin typeface="Arial"/>
+                <a:ea typeface="Arial"/>
+                <a:cs typeface="Arial"/>
+                <a:sym typeface="Arial"/>
+              </a:defRPr>
             </a:lvl3pPr>
-            <a:lvl4pPr lvl="3">
-              <a:buNone/>
-              <a:defRPr/>
+            <a:lvl4pPr indent="0" lvl="3" marL="0" marR="0" algn="r">
+              <a:lnSpc>
+                <a:spcPct val="100000"/>
+              </a:lnSpc>
+              <a:spcBef>
+                <a:spcPts val="0"/>
+              </a:spcBef>
+              <a:spcAft>
+                <a:spcPts val="0"/>
+              </a:spcAft>
+              <a:buClr>
+                <a:srgbClr val="000000"/>
+              </a:buClr>
+              <a:buSzPts val="1000"/>
+              <a:buFont typeface="Arial"/>
+              <a:buNone/>
+              <a:defRPr b="0" i="0" sz="1000" u="none" cap="none" strike="noStrike">
+                <a:solidFill>
+                  <a:schemeClr val="lt2"/>
+                </a:solidFill>
+                <a:latin typeface="Arial"/>
+                <a:ea typeface="Arial"/>
+                <a:cs typeface="Arial"/>
+                <a:sym typeface="Arial"/>
+              </a:defRPr>
             </a:lvl4pPr>
-            <a:lvl5pPr lvl="4">
-              <a:buNone/>
-              <a:defRPr/>
+            <a:lvl5pPr indent="0" lvl="4" marL="0" marR="0" algn="r">
+              <a:lnSpc>
+                <a:spcPct val="100000"/>
+              </a:lnSpc>
+              <a:spcBef>
+                <a:spcPts val="0"/>
+              </a:spcBef>
+              <a:spcAft>
+                <a:spcPts val="0"/>
+              </a:spcAft>
+              <a:buClr>
+                <a:srgbClr val="000000"/>
+              </a:buClr>
+              <a:buSzPts val="1000"/>
+              <a:buFont typeface="Arial"/>
+              <a:buNone/>
+              <a:defRPr b="0" i="0" sz="1000" u="none" cap="none" strike="noStrike">
+                <a:solidFill>
+                  <a:schemeClr val="lt2"/>
+                </a:solidFill>
+                <a:latin typeface="Arial"/>
+                <a:ea typeface="Arial"/>
+                <a:cs typeface="Arial"/>
+                <a:sym typeface="Arial"/>
+              </a:defRPr>
             </a:lvl5pPr>
-            <a:lvl6pPr lvl="5">
-              <a:buNone/>
-              <a:defRPr/>
+            <a:lvl6pPr indent="0" lvl="5" marL="0" marR="0" algn="r">
+              <a:lnSpc>
+                <a:spcPct val="100000"/>
+              </a:lnSpc>
+              <a:spcBef>
+                <a:spcPts val="0"/>
+              </a:spcBef>
+              <a:spcAft>
+                <a:spcPts val="0"/>
+              </a:spcAft>
+              <a:buClr>
+                <a:srgbClr val="000000"/>
+              </a:buClr>
+              <a:buSzPts val="1000"/>
+              <a:buFont typeface="Arial"/>
+              <a:buNone/>
+              <a:defRPr b="0" i="0" sz="1000" u="none" cap="none" strike="noStrike">
+                <a:solidFill>
+                  <a:schemeClr val="lt2"/>
+                </a:solidFill>
+                <a:latin typeface="Arial"/>
+                <a:ea typeface="Arial"/>
+                <a:cs typeface="Arial"/>
+                <a:sym typeface="Arial"/>
+              </a:defRPr>
             </a:lvl6pPr>
-            <a:lvl7pPr lvl="6">
-              <a:buNone/>
-              <a:defRPr/>
+            <a:lvl7pPr indent="0" lvl="6" marL="0" marR="0" algn="r">
+              <a:lnSpc>
+                <a:spcPct val="100000"/>
+              </a:lnSpc>
+              <a:spcBef>
+                <a:spcPts val="0"/>
+              </a:spcBef>
+              <a:spcAft>
+                <a:spcPts val="0"/>
+              </a:spcAft>
+              <a:buClr>
+                <a:srgbClr val="000000"/>
+              </a:buClr>
+              <a:buSzPts val="1000"/>
+              <a:buFont typeface="Arial"/>
+              <a:buNone/>
+              <a:defRPr b="0" i="0" sz="1000" u="none" cap="none" strike="noStrike">
+                <a:solidFill>
+                  <a:schemeClr val="lt2"/>
+                </a:solidFill>
+                <a:latin typeface="Arial"/>
+                <a:ea typeface="Arial"/>
+                <a:cs typeface="Arial"/>
+                <a:sym typeface="Arial"/>
+              </a:defRPr>
             </a:lvl7pPr>
-            <a:lvl8pPr lvl="7">
-              <a:buNone/>
-              <a:defRPr/>
+            <a:lvl8pPr indent="0" lvl="7" marL="0" marR="0" algn="r">
+              <a:lnSpc>
+                <a:spcPct val="100000"/>
+              </a:lnSpc>
+              <a:spcBef>
+                <a:spcPts val="0"/>
+              </a:spcBef>
+              <a:spcAft>
+                <a:spcPts val="0"/>
+              </a:spcAft>
+              <a:buClr>
+                <a:srgbClr val="000000"/>
+              </a:buClr>
+              <a:buSzPts val="1000"/>
+              <a:buFont typeface="Arial"/>
+              <a:buNone/>
+              <a:defRPr b="0" i="0" sz="1000" u="none" cap="none" strike="noStrike">
+                <a:solidFill>
+                  <a:schemeClr val="lt2"/>
+                </a:solidFill>
+                <a:latin typeface="Arial"/>
+                <a:ea typeface="Arial"/>
+                <a:cs typeface="Arial"/>
+                <a:sym typeface="Arial"/>
+              </a:defRPr>
             </a:lvl8pPr>
-            <a:lvl9pPr lvl="8">
-              <a:buNone/>
-              <a:defRPr/>
+            <a:lvl9pPr indent="0" lvl="8" marL="0" marR="0" algn="r">
+              <a:lnSpc>
+                <a:spcPct val="100000"/>
+              </a:lnSpc>
+              <a:spcBef>
+                <a:spcPts val="0"/>
+              </a:spcBef>
+              <a:spcAft>
+                <a:spcPts val="0"/>
+              </a:spcAft>
+              <a:buClr>
+                <a:srgbClr val="000000"/>
+              </a:buClr>
+              <a:buSzPts val="1000"/>
+              <a:buFont typeface="Arial"/>
+              <a:buNone/>
+              <a:defRPr b="0" i="0" sz="1000" u="none" cap="none" strike="noStrike">
+                <a:solidFill>
+                  <a:schemeClr val="lt2"/>
+                </a:solidFill>
+                <a:latin typeface="Arial"/>
+                <a:ea typeface="Arial"/>
+                <a:cs typeface="Arial"/>
+                <a:sym typeface="Arial"/>
+              </a:defRPr>
             </a:lvl9pPr>
           </a:lstStyle>
           <a:p>
@@ -3234,13 +4767,20 @@
           <a:prstGeom prst="rect">
             <a:avLst/>
           </a:prstGeom>
+          <a:noFill/>
+          <a:ln>
+            <a:noFill/>
+          </a:ln>
         </p:spPr>
         <p:txBody>
           <a:bodyPr anchorCtr="0" anchor="t" bIns="91425" lIns="91425" spcFirstLastPara="1" rIns="91425" wrap="square" tIns="91425">
             <a:noAutofit/>
           </a:bodyPr>
           <a:lstStyle>
-            <a:lvl1pPr lvl="0">
+            <a:lvl1pPr lvl="0" algn="l">
+              <a:lnSpc>
+                <a:spcPct val="100000"/>
+              </a:lnSpc>
               <a:spcBef>
                 <a:spcPts val="0"/>
               </a:spcBef>
@@ -3251,7 +4791,10 @@
               <a:buNone/>
               <a:defRPr/>
             </a:lvl1pPr>
-            <a:lvl2pPr lvl="1">
+            <a:lvl2pPr lvl="1" algn="l">
+              <a:lnSpc>
+                <a:spcPct val="100000"/>
+              </a:lnSpc>
               <a:spcBef>
                 <a:spcPts val="0"/>
               </a:spcBef>
@@ -3262,7 +4805,10 @@
               <a:buNone/>
               <a:defRPr/>
             </a:lvl2pPr>
-            <a:lvl3pPr lvl="2">
+            <a:lvl3pPr lvl="2" algn="l">
+              <a:lnSpc>
+                <a:spcPct val="100000"/>
+              </a:lnSpc>
               <a:spcBef>
                 <a:spcPts val="0"/>
               </a:spcBef>
@@ -3273,7 +4819,10 @@
               <a:buNone/>
               <a:defRPr/>
             </a:lvl3pPr>
-            <a:lvl4pPr lvl="3">
+            <a:lvl4pPr lvl="3" algn="l">
+              <a:lnSpc>
+                <a:spcPct val="100000"/>
+              </a:lnSpc>
               <a:spcBef>
                 <a:spcPts val="0"/>
               </a:spcBef>
@@ -3284,7 +4833,10 @@
               <a:buNone/>
               <a:defRPr/>
             </a:lvl4pPr>
-            <a:lvl5pPr lvl="4">
+            <a:lvl5pPr lvl="4" algn="l">
+              <a:lnSpc>
+                <a:spcPct val="100000"/>
+              </a:lnSpc>
               <a:spcBef>
                 <a:spcPts val="0"/>
               </a:spcBef>
@@ -3295,7 +4847,10 @@
               <a:buNone/>
               <a:defRPr/>
             </a:lvl5pPr>
-            <a:lvl6pPr lvl="5">
+            <a:lvl6pPr lvl="5" algn="l">
+              <a:lnSpc>
+                <a:spcPct val="100000"/>
+              </a:lnSpc>
               <a:spcBef>
                 <a:spcPts val="0"/>
               </a:spcBef>
@@ -3306,7 +4861,10 @@
               <a:buNone/>
               <a:defRPr/>
             </a:lvl6pPr>
-            <a:lvl7pPr lvl="6">
+            <a:lvl7pPr lvl="6" algn="l">
+              <a:lnSpc>
+                <a:spcPct val="100000"/>
+              </a:lnSpc>
               <a:spcBef>
                 <a:spcPts val="0"/>
               </a:spcBef>
@@ -3317,7 +4875,10 @@
               <a:buNone/>
               <a:defRPr/>
             </a:lvl7pPr>
-            <a:lvl8pPr lvl="7">
+            <a:lvl8pPr lvl="7" algn="l">
+              <a:lnSpc>
+                <a:spcPct val="100000"/>
+              </a:lnSpc>
               <a:spcBef>
                 <a:spcPts val="0"/>
               </a:spcBef>
@@ -3328,7 +4889,10 @@
               <a:buNone/>
               <a:defRPr/>
             </a:lvl8pPr>
-            <a:lvl9pPr lvl="8">
+            <a:lvl9pPr lvl="8" algn="l">
+              <a:lnSpc>
+                <a:spcPct val="100000"/>
+              </a:lnSpc>
               <a:spcBef>
                 <a:spcPts val="0"/>
               </a:spcBef>
@@ -3359,13 +4923,20 @@
           <a:prstGeom prst="rect">
             <a:avLst/>
           </a:prstGeom>
+          <a:noFill/>
+          <a:ln>
+            <a:noFill/>
+          </a:ln>
         </p:spPr>
         <p:txBody>
           <a:bodyPr anchorCtr="0" anchor="t" bIns="91425" lIns="91425" spcFirstLastPara="1" rIns="91425" wrap="square" tIns="91425">
             <a:noAutofit/>
           </a:bodyPr>
           <a:lstStyle>
-            <a:lvl1pPr indent="-317500" lvl="0" marL="457200">
+            <a:lvl1pPr indent="-317500" lvl="0" marL="457200" algn="l">
+              <a:lnSpc>
+                <a:spcPct val="115000"/>
+              </a:lnSpc>
               <a:spcBef>
                 <a:spcPts val="0"/>
               </a:spcBef>
@@ -3376,7 +4947,10 @@
               <a:buChar char="●"/>
               <a:defRPr sz="1400"/>
             </a:lvl1pPr>
-            <a:lvl2pPr indent="-304800" lvl="1" marL="914400">
+            <a:lvl2pPr indent="-304800" lvl="1" marL="914400" algn="l">
+              <a:lnSpc>
+                <a:spcPct val="115000"/>
+              </a:lnSpc>
               <a:spcBef>
                 <a:spcPts val="1600"/>
               </a:spcBef>
@@ -3387,7 +4961,10 @@
               <a:buChar char="○"/>
               <a:defRPr sz="1200"/>
             </a:lvl2pPr>
-            <a:lvl3pPr indent="-304800" lvl="2" marL="1371600">
+            <a:lvl3pPr indent="-304800" lvl="2" marL="1371600" algn="l">
+              <a:lnSpc>
+                <a:spcPct val="115000"/>
+              </a:lnSpc>
               <a:spcBef>
                 <a:spcPts val="1600"/>
               </a:spcBef>
@@ -3398,7 +4975,10 @@
               <a:buChar char="■"/>
               <a:defRPr sz="1200"/>
             </a:lvl3pPr>
-            <a:lvl4pPr indent="-304800" lvl="3" marL="1828800">
+            <a:lvl4pPr indent="-304800" lvl="3" marL="1828800" algn="l">
+              <a:lnSpc>
+                <a:spcPct val="115000"/>
+              </a:lnSpc>
               <a:spcBef>
                 <a:spcPts val="1600"/>
               </a:spcBef>
@@ -3409,7 +4989,10 @@
               <a:buChar char="●"/>
               <a:defRPr sz="1200"/>
             </a:lvl4pPr>
-            <a:lvl5pPr indent="-304800" lvl="4" marL="2286000">
+            <a:lvl5pPr indent="-304800" lvl="4" marL="2286000" algn="l">
+              <a:lnSpc>
+                <a:spcPct val="115000"/>
+              </a:lnSpc>
               <a:spcBef>
                 <a:spcPts val="1600"/>
               </a:spcBef>
@@ -3420,7 +5003,10 @@
               <a:buChar char="○"/>
               <a:defRPr sz="1200"/>
             </a:lvl5pPr>
-            <a:lvl6pPr indent="-304800" lvl="5" marL="2743200">
+            <a:lvl6pPr indent="-304800" lvl="5" marL="2743200" algn="l">
+              <a:lnSpc>
+                <a:spcPct val="115000"/>
+              </a:lnSpc>
               <a:spcBef>
                 <a:spcPts val="1600"/>
               </a:spcBef>
@@ -3431,7 +5017,10 @@
               <a:buChar char="■"/>
               <a:defRPr sz="1200"/>
             </a:lvl6pPr>
-            <a:lvl7pPr indent="-304800" lvl="6" marL="3200400">
+            <a:lvl7pPr indent="-304800" lvl="6" marL="3200400" algn="l">
+              <a:lnSpc>
+                <a:spcPct val="115000"/>
+              </a:lnSpc>
               <a:spcBef>
                 <a:spcPts val="1600"/>
               </a:spcBef>
@@ -3442,7 +5031,10 @@
               <a:buChar char="●"/>
               <a:defRPr sz="1200"/>
             </a:lvl7pPr>
-            <a:lvl8pPr indent="-304800" lvl="7" marL="3657600">
+            <a:lvl8pPr indent="-304800" lvl="7" marL="3657600" algn="l">
+              <a:lnSpc>
+                <a:spcPct val="115000"/>
+              </a:lnSpc>
               <a:spcBef>
                 <a:spcPts val="1600"/>
               </a:spcBef>
@@ -3453,7 +5045,10 @@
               <a:buChar char="○"/>
               <a:defRPr sz="1200"/>
             </a:lvl8pPr>
-            <a:lvl9pPr indent="-304800" lvl="8" marL="4114800">
+            <a:lvl9pPr indent="-304800" lvl="8" marL="4114800" algn="l">
+              <a:lnSpc>
+                <a:spcPct val="115000"/>
+              </a:lnSpc>
               <a:spcBef>
                 <a:spcPts val="1600"/>
               </a:spcBef>
@@ -3484,13 +5079,20 @@
           <a:prstGeom prst="rect">
             <a:avLst/>
           </a:prstGeom>
+          <a:noFill/>
+          <a:ln>
+            <a:noFill/>
+          </a:ln>
         </p:spPr>
         <p:txBody>
           <a:bodyPr anchorCtr="0" anchor="t" bIns="91425" lIns="91425" spcFirstLastPara="1" rIns="91425" wrap="square" tIns="91425">
             <a:noAutofit/>
           </a:bodyPr>
           <a:lstStyle>
-            <a:lvl1pPr indent="-317500" lvl="0" marL="457200">
+            <a:lvl1pPr indent="-317500" lvl="0" marL="457200" algn="l">
+              <a:lnSpc>
+                <a:spcPct val="115000"/>
+              </a:lnSpc>
               <a:spcBef>
                 <a:spcPts val="0"/>
               </a:spcBef>
@@ -3501,7 +5103,10 @@
               <a:buChar char="●"/>
               <a:defRPr sz="1400"/>
             </a:lvl1pPr>
-            <a:lvl2pPr indent="-304800" lvl="1" marL="914400">
+            <a:lvl2pPr indent="-304800" lvl="1" marL="914400" algn="l">
+              <a:lnSpc>
+                <a:spcPct val="115000"/>
+              </a:lnSpc>
               <a:spcBef>
                 <a:spcPts val="1600"/>
               </a:spcBef>
@@ -3512,7 +5117,10 @@
               <a:buChar char="○"/>
               <a:defRPr sz="1200"/>
             </a:lvl2pPr>
-            <a:lvl3pPr indent="-304800" lvl="2" marL="1371600">
+            <a:lvl3pPr indent="-304800" lvl="2" marL="1371600" algn="l">
+              <a:lnSpc>
+                <a:spcPct val="115000"/>
+              </a:lnSpc>
               <a:spcBef>
                 <a:spcPts val="1600"/>
               </a:spcBef>
@@ -3523,7 +5131,10 @@
               <a:buChar char="■"/>
               <a:defRPr sz="1200"/>
             </a:lvl3pPr>
-            <a:lvl4pPr indent="-304800" lvl="3" marL="1828800">
+            <a:lvl4pPr indent="-304800" lvl="3" marL="1828800" algn="l">
+              <a:lnSpc>
+                <a:spcPct val="115000"/>
+              </a:lnSpc>
               <a:spcBef>
                 <a:spcPts val="1600"/>
               </a:spcBef>
@@ -3534,7 +5145,10 @@
               <a:buChar char="●"/>
               <a:defRPr sz="1200"/>
             </a:lvl4pPr>
-            <a:lvl5pPr indent="-304800" lvl="4" marL="2286000">
+            <a:lvl5pPr indent="-304800" lvl="4" marL="2286000" algn="l">
+              <a:lnSpc>
+                <a:spcPct val="115000"/>
+              </a:lnSpc>
               <a:spcBef>
                 <a:spcPts val="1600"/>
               </a:spcBef>
@@ -3545,7 +5159,10 @@
               <a:buChar char="○"/>
               <a:defRPr sz="1200"/>
             </a:lvl5pPr>
-            <a:lvl6pPr indent="-304800" lvl="5" marL="2743200">
+            <a:lvl6pPr indent="-304800" lvl="5" marL="2743200" algn="l">
+              <a:lnSpc>
+                <a:spcPct val="115000"/>
+              </a:lnSpc>
               <a:spcBef>
                 <a:spcPts val="1600"/>
               </a:spcBef>
@@ -3556,7 +5173,10 @@
               <a:buChar char="■"/>
               <a:defRPr sz="1200"/>
             </a:lvl6pPr>
-            <a:lvl7pPr indent="-304800" lvl="6" marL="3200400">
+            <a:lvl7pPr indent="-304800" lvl="6" marL="3200400" algn="l">
+              <a:lnSpc>
+                <a:spcPct val="115000"/>
+              </a:lnSpc>
               <a:spcBef>
                 <a:spcPts val="1600"/>
               </a:spcBef>
@@ -3567,7 +5187,10 @@
               <a:buChar char="●"/>
               <a:defRPr sz="1200"/>
             </a:lvl7pPr>
-            <a:lvl8pPr indent="-304800" lvl="7" marL="3657600">
+            <a:lvl8pPr indent="-304800" lvl="7" marL="3657600" algn="l">
+              <a:lnSpc>
+                <a:spcPct val="115000"/>
+              </a:lnSpc>
               <a:spcBef>
                 <a:spcPts val="1600"/>
               </a:spcBef>
@@ -3578,7 +5201,10 @@
               <a:buChar char="○"/>
               <a:defRPr sz="1200"/>
             </a:lvl8pPr>
-            <a:lvl9pPr indent="-304800" lvl="8" marL="4114800">
+            <a:lvl9pPr indent="-304800" lvl="8" marL="4114800" algn="l">
+              <a:lnSpc>
+                <a:spcPct val="115000"/>
+              </a:lnSpc>
               <a:spcBef>
                 <a:spcPts val="1600"/>
               </a:spcBef>
@@ -3609,47 +5235,249 @@
           <a:prstGeom prst="rect">
             <a:avLst/>
           </a:prstGeom>
+          <a:noFill/>
+          <a:ln>
+            <a:noFill/>
+          </a:ln>
         </p:spPr>
         <p:txBody>
           <a:bodyPr anchorCtr="0" anchor="ctr" bIns="91425" lIns="91425" spcFirstLastPara="1" rIns="91425" wrap="square" tIns="91425">
             <a:noAutofit/>
           </a:bodyPr>
           <a:lstStyle>
-            <a:lvl1pPr lvl="0">
-              <a:buNone/>
-              <a:defRPr/>
+            <a:lvl1pPr indent="0" lvl="0" marL="0" marR="0" algn="r">
+              <a:lnSpc>
+                <a:spcPct val="100000"/>
+              </a:lnSpc>
+              <a:spcBef>
+                <a:spcPts val="0"/>
+              </a:spcBef>
+              <a:spcAft>
+                <a:spcPts val="0"/>
+              </a:spcAft>
+              <a:buClr>
+                <a:srgbClr val="000000"/>
+              </a:buClr>
+              <a:buSzPts val="1000"/>
+              <a:buFont typeface="Arial"/>
+              <a:buNone/>
+              <a:defRPr b="0" i="0" sz="1000" u="none" cap="none" strike="noStrike">
+                <a:solidFill>
+                  <a:schemeClr val="lt2"/>
+                </a:solidFill>
+                <a:latin typeface="Arial"/>
+                <a:ea typeface="Arial"/>
+                <a:cs typeface="Arial"/>
+                <a:sym typeface="Arial"/>
+              </a:defRPr>
             </a:lvl1pPr>
-            <a:lvl2pPr lvl="1">
-              <a:buNone/>
-              <a:defRPr/>
+            <a:lvl2pPr indent="0" lvl="1" marL="0" marR="0" algn="r">
+              <a:lnSpc>
+                <a:spcPct val="100000"/>
+              </a:lnSpc>
+              <a:spcBef>
+                <a:spcPts val="0"/>
+              </a:spcBef>
+              <a:spcAft>
+                <a:spcPts val="0"/>
+              </a:spcAft>
+              <a:buClr>
+                <a:srgbClr val="000000"/>
+              </a:buClr>
+              <a:buSzPts val="1000"/>
+              <a:buFont typeface="Arial"/>
+              <a:buNone/>
+              <a:defRPr b="0" i="0" sz="1000" u="none" cap="none" strike="noStrike">
+                <a:solidFill>
+                  <a:schemeClr val="lt2"/>
+                </a:solidFill>
+                <a:latin typeface="Arial"/>
+                <a:ea typeface="Arial"/>
+                <a:cs typeface="Arial"/>
+                <a:sym typeface="Arial"/>
+              </a:defRPr>
             </a:lvl2pPr>
-            <a:lvl3pPr lvl="2">
-              <a:buNone/>
-              <a:defRPr/>
+            <a:lvl3pPr indent="0" lvl="2" marL="0" marR="0" algn="r">
+              <a:lnSpc>
+                <a:spcPct val="100000"/>
+              </a:lnSpc>
+              <a:spcBef>
+                <a:spcPts val="0"/>
+              </a:spcBef>
+              <a:spcAft>
+                <a:spcPts val="0"/>
+              </a:spcAft>
+              <a:buClr>
+                <a:srgbClr val="000000"/>
+              </a:buClr>
+              <a:buSzPts val="1000"/>
+              <a:buFont typeface="Arial"/>
+              <a:buNone/>
+              <a:defRPr b="0" i="0" sz="1000" u="none" cap="none" strike="noStrike">
+                <a:solidFill>
+                  <a:schemeClr val="lt2"/>
+                </a:solidFill>
+                <a:latin typeface="Arial"/>
+                <a:ea typeface="Arial"/>
+                <a:cs typeface="Arial"/>
+                <a:sym typeface="Arial"/>
+              </a:defRPr>
             </a:lvl3pPr>
-            <a:lvl4pPr lvl="3">
-              <a:buNone/>
-              <a:defRPr/>
+            <a:lvl4pPr indent="0" lvl="3" marL="0" marR="0" algn="r">
+              <a:lnSpc>
+                <a:spcPct val="100000"/>
+              </a:lnSpc>
+              <a:spcBef>
+                <a:spcPts val="0"/>
+              </a:spcBef>
+              <a:spcAft>
+                <a:spcPts val="0"/>
+              </a:spcAft>
+              <a:buClr>
+                <a:srgbClr val="000000"/>
+              </a:buClr>
+              <a:buSzPts val="1000"/>
+              <a:buFont typeface="Arial"/>
+              <a:buNone/>
+              <a:defRPr b="0" i="0" sz="1000" u="none" cap="none" strike="noStrike">
+                <a:solidFill>
+                  <a:schemeClr val="lt2"/>
+                </a:solidFill>
+                <a:latin typeface="Arial"/>
+                <a:ea typeface="Arial"/>
+                <a:cs typeface="Arial"/>
+                <a:sym typeface="Arial"/>
+              </a:defRPr>
             </a:lvl4pPr>
-            <a:lvl5pPr lvl="4">
-              <a:buNone/>
-              <a:defRPr/>
+            <a:lvl5pPr indent="0" lvl="4" marL="0" marR="0" algn="r">
+              <a:lnSpc>
+                <a:spcPct val="100000"/>
+              </a:lnSpc>
+              <a:spcBef>
+                <a:spcPts val="0"/>
+              </a:spcBef>
+              <a:spcAft>
+                <a:spcPts val="0"/>
+              </a:spcAft>
+              <a:buClr>
+                <a:srgbClr val="000000"/>
+              </a:buClr>
+              <a:buSzPts val="1000"/>
+              <a:buFont typeface="Arial"/>
+              <a:buNone/>
+              <a:defRPr b="0" i="0" sz="1000" u="none" cap="none" strike="noStrike">
+                <a:solidFill>
+                  <a:schemeClr val="lt2"/>
+                </a:solidFill>
+                <a:latin typeface="Arial"/>
+                <a:ea typeface="Arial"/>
+                <a:cs typeface="Arial"/>
+                <a:sym typeface="Arial"/>
+              </a:defRPr>
             </a:lvl5pPr>
-            <a:lvl6pPr lvl="5">
-              <a:buNone/>
-              <a:defRPr/>
+            <a:lvl6pPr indent="0" lvl="5" marL="0" marR="0" algn="r">
+              <a:lnSpc>
+                <a:spcPct val="100000"/>
+              </a:lnSpc>
+              <a:spcBef>
+                <a:spcPts val="0"/>
+              </a:spcBef>
+              <a:spcAft>
+                <a:spcPts val="0"/>
+              </a:spcAft>
+              <a:buClr>
+                <a:srgbClr val="000000"/>
+              </a:buClr>
+              <a:buSzPts val="1000"/>
+              <a:buFont typeface="Arial"/>
+              <a:buNone/>
+              <a:defRPr b="0" i="0" sz="1000" u="none" cap="none" strike="noStrike">
+                <a:solidFill>
+                  <a:schemeClr val="lt2"/>
+                </a:solidFill>
+                <a:latin typeface="Arial"/>
+                <a:ea typeface="Arial"/>
+                <a:cs typeface="Arial"/>
+                <a:sym typeface="Arial"/>
+              </a:defRPr>
             </a:lvl6pPr>
-            <a:lvl7pPr lvl="6">
-              <a:buNone/>
-              <a:defRPr/>
+            <a:lvl7pPr indent="0" lvl="6" marL="0" marR="0" algn="r">
+              <a:lnSpc>
+                <a:spcPct val="100000"/>
+              </a:lnSpc>
+              <a:spcBef>
+                <a:spcPts val="0"/>
+              </a:spcBef>
+              <a:spcAft>
+                <a:spcPts val="0"/>
+              </a:spcAft>
+              <a:buClr>
+                <a:srgbClr val="000000"/>
+              </a:buClr>
+              <a:buSzPts val="1000"/>
+              <a:buFont typeface="Arial"/>
+              <a:buNone/>
+              <a:defRPr b="0" i="0" sz="1000" u="none" cap="none" strike="noStrike">
+                <a:solidFill>
+                  <a:schemeClr val="lt2"/>
+                </a:solidFill>
+                <a:latin typeface="Arial"/>
+                <a:ea typeface="Arial"/>
+                <a:cs typeface="Arial"/>
+                <a:sym typeface="Arial"/>
+              </a:defRPr>
             </a:lvl7pPr>
-            <a:lvl8pPr lvl="7">
-              <a:buNone/>
-              <a:defRPr/>
+            <a:lvl8pPr indent="0" lvl="7" marL="0" marR="0" algn="r">
+              <a:lnSpc>
+                <a:spcPct val="100000"/>
+              </a:lnSpc>
+              <a:spcBef>
+                <a:spcPts val="0"/>
+              </a:spcBef>
+              <a:spcAft>
+                <a:spcPts val="0"/>
+              </a:spcAft>
+              <a:buClr>
+                <a:srgbClr val="000000"/>
+              </a:buClr>
+              <a:buSzPts val="1000"/>
+              <a:buFont typeface="Arial"/>
+              <a:buNone/>
+              <a:defRPr b="0" i="0" sz="1000" u="none" cap="none" strike="noStrike">
+                <a:solidFill>
+                  <a:schemeClr val="lt2"/>
+                </a:solidFill>
+                <a:latin typeface="Arial"/>
+                <a:ea typeface="Arial"/>
+                <a:cs typeface="Arial"/>
+                <a:sym typeface="Arial"/>
+              </a:defRPr>
             </a:lvl8pPr>
-            <a:lvl9pPr lvl="8">
-              <a:buNone/>
-              <a:defRPr/>
+            <a:lvl9pPr indent="0" lvl="8" marL="0" marR="0" algn="r">
+              <a:lnSpc>
+                <a:spcPct val="100000"/>
+              </a:lnSpc>
+              <a:spcBef>
+                <a:spcPts val="0"/>
+              </a:spcBef>
+              <a:spcAft>
+                <a:spcPts val="0"/>
+              </a:spcAft>
+              <a:buClr>
+                <a:srgbClr val="000000"/>
+              </a:buClr>
+              <a:buSzPts val="1000"/>
+              <a:buFont typeface="Arial"/>
+              <a:buNone/>
+              <a:defRPr b="0" i="0" sz="1000" u="none" cap="none" strike="noStrike">
+                <a:solidFill>
+                  <a:schemeClr val="lt2"/>
+                </a:solidFill>
+                <a:latin typeface="Arial"/>
+                <a:ea typeface="Arial"/>
+                <a:cs typeface="Arial"/>
+                <a:sym typeface="Arial"/>
+              </a:defRPr>
             </a:lvl9pPr>
           </a:lstStyle>
           <a:p>
@@ -3711,13 +5539,20 @@
           <a:prstGeom prst="rect">
             <a:avLst/>
           </a:prstGeom>
+          <a:noFill/>
+          <a:ln>
+            <a:noFill/>
+          </a:ln>
         </p:spPr>
         <p:txBody>
           <a:bodyPr anchorCtr="0" anchor="t" bIns="91425" lIns="91425" spcFirstLastPara="1" rIns="91425" wrap="square" tIns="91425">
             <a:noAutofit/>
           </a:bodyPr>
           <a:lstStyle>
-            <a:lvl1pPr lvl="0">
+            <a:lvl1pPr lvl="0" algn="l">
+              <a:lnSpc>
+                <a:spcPct val="100000"/>
+              </a:lnSpc>
               <a:spcBef>
                 <a:spcPts val="0"/>
               </a:spcBef>
@@ -3728,7 +5563,10 @@
               <a:buNone/>
               <a:defRPr/>
             </a:lvl1pPr>
-            <a:lvl2pPr lvl="1">
+            <a:lvl2pPr lvl="1" algn="l">
+              <a:lnSpc>
+                <a:spcPct val="100000"/>
+              </a:lnSpc>
               <a:spcBef>
                 <a:spcPts val="0"/>
               </a:spcBef>
@@ -3739,7 +5577,10 @@
               <a:buNone/>
               <a:defRPr/>
             </a:lvl2pPr>
-            <a:lvl3pPr lvl="2">
+            <a:lvl3pPr lvl="2" algn="l">
+              <a:lnSpc>
+                <a:spcPct val="100000"/>
+              </a:lnSpc>
               <a:spcBef>
                 <a:spcPts val="0"/>
               </a:spcBef>
@@ -3750,7 +5591,10 @@
               <a:buNone/>
               <a:defRPr/>
             </a:lvl3pPr>
-            <a:lvl4pPr lvl="3">
+            <a:lvl4pPr lvl="3" algn="l">
+              <a:lnSpc>
+                <a:spcPct val="100000"/>
+              </a:lnSpc>
               <a:spcBef>
                 <a:spcPts val="0"/>
               </a:spcBef>
@@ -3761,7 +5605,10 @@
               <a:buNone/>
               <a:defRPr/>
             </a:lvl4pPr>
-            <a:lvl5pPr lvl="4">
+            <a:lvl5pPr lvl="4" algn="l">
+              <a:lnSpc>
+                <a:spcPct val="100000"/>
+              </a:lnSpc>
               <a:spcBef>
                 <a:spcPts val="0"/>
               </a:spcBef>
@@ -3772,7 +5619,10 @@
               <a:buNone/>
               <a:defRPr/>
             </a:lvl5pPr>
-            <a:lvl6pPr lvl="5">
+            <a:lvl6pPr lvl="5" algn="l">
+              <a:lnSpc>
+                <a:spcPct val="100000"/>
+              </a:lnSpc>
               <a:spcBef>
                 <a:spcPts val="0"/>
               </a:spcBef>
@@ -3783,7 +5633,10 @@
               <a:buNone/>
               <a:defRPr/>
             </a:lvl6pPr>
-            <a:lvl7pPr lvl="6">
+            <a:lvl7pPr lvl="6" algn="l">
+              <a:lnSpc>
+                <a:spcPct val="100000"/>
+              </a:lnSpc>
               <a:spcBef>
                 <a:spcPts val="0"/>
               </a:spcBef>
@@ -3794,7 +5647,10 @@
               <a:buNone/>
               <a:defRPr/>
             </a:lvl7pPr>
-            <a:lvl8pPr lvl="7">
+            <a:lvl8pPr lvl="7" algn="l">
+              <a:lnSpc>
+                <a:spcPct val="100000"/>
+              </a:lnSpc>
               <a:spcBef>
                 <a:spcPts val="0"/>
               </a:spcBef>
@@ -3805,7 +5661,10 @@
               <a:buNone/>
               <a:defRPr/>
             </a:lvl8pPr>
-            <a:lvl9pPr lvl="8">
+            <a:lvl9pPr lvl="8" algn="l">
+              <a:lnSpc>
+                <a:spcPct val="100000"/>
+              </a:lnSpc>
               <a:spcBef>
                 <a:spcPts val="0"/>
               </a:spcBef>
@@ -3836,47 +5695,249 @@
           <a:prstGeom prst="rect">
             <a:avLst/>
           </a:prstGeom>
+          <a:noFill/>
+          <a:ln>
+            <a:noFill/>
+          </a:ln>
         </p:spPr>
         <p:txBody>
           <a:bodyPr anchorCtr="0" anchor="ctr" bIns="91425" lIns="91425" spcFirstLastPara="1" rIns="91425" wrap="square" tIns="91425">
             <a:noAutofit/>
           </a:bodyPr>
           <a:lstStyle>
-            <a:lvl1pPr lvl="0">
-              <a:buNone/>
-              <a:defRPr/>
+            <a:lvl1pPr indent="0" lvl="0" marL="0" marR="0" algn="r">
+              <a:lnSpc>
+                <a:spcPct val="100000"/>
+              </a:lnSpc>
+              <a:spcBef>
+                <a:spcPts val="0"/>
+              </a:spcBef>
+              <a:spcAft>
+                <a:spcPts val="0"/>
+              </a:spcAft>
+              <a:buClr>
+                <a:srgbClr val="000000"/>
+              </a:buClr>
+              <a:buSzPts val="1000"/>
+              <a:buFont typeface="Arial"/>
+              <a:buNone/>
+              <a:defRPr b="0" i="0" sz="1000" u="none" cap="none" strike="noStrike">
+                <a:solidFill>
+                  <a:schemeClr val="lt2"/>
+                </a:solidFill>
+                <a:latin typeface="Arial"/>
+                <a:ea typeface="Arial"/>
+                <a:cs typeface="Arial"/>
+                <a:sym typeface="Arial"/>
+              </a:defRPr>
             </a:lvl1pPr>
-            <a:lvl2pPr lvl="1">
-              <a:buNone/>
-              <a:defRPr/>
+            <a:lvl2pPr indent="0" lvl="1" marL="0" marR="0" algn="r">
+              <a:lnSpc>
+                <a:spcPct val="100000"/>
+              </a:lnSpc>
+              <a:spcBef>
+                <a:spcPts val="0"/>
+              </a:spcBef>
+              <a:spcAft>
+                <a:spcPts val="0"/>
+              </a:spcAft>
+              <a:buClr>
+                <a:srgbClr val="000000"/>
+              </a:buClr>
+              <a:buSzPts val="1000"/>
+              <a:buFont typeface="Arial"/>
+              <a:buNone/>
+              <a:defRPr b="0" i="0" sz="1000" u="none" cap="none" strike="noStrike">
+                <a:solidFill>
+                  <a:schemeClr val="lt2"/>
+                </a:solidFill>
+                <a:latin typeface="Arial"/>
+                <a:ea typeface="Arial"/>
+                <a:cs typeface="Arial"/>
+                <a:sym typeface="Arial"/>
+              </a:defRPr>
             </a:lvl2pPr>
-            <a:lvl3pPr lvl="2">
-              <a:buNone/>
-              <a:defRPr/>
+            <a:lvl3pPr indent="0" lvl="2" marL="0" marR="0" algn="r">
+              <a:lnSpc>
+                <a:spcPct val="100000"/>
+              </a:lnSpc>
+              <a:spcBef>
+                <a:spcPts val="0"/>
+              </a:spcBef>
+              <a:spcAft>
+                <a:spcPts val="0"/>
+              </a:spcAft>
+              <a:buClr>
+                <a:srgbClr val="000000"/>
+              </a:buClr>
+              <a:buSzPts val="1000"/>
+              <a:buFont typeface="Arial"/>
+              <a:buNone/>
+              <a:defRPr b="0" i="0" sz="1000" u="none" cap="none" strike="noStrike">
+                <a:solidFill>
+                  <a:schemeClr val="lt2"/>
+                </a:solidFill>
+                <a:latin typeface="Arial"/>
+                <a:ea typeface="Arial"/>
+                <a:cs typeface="Arial"/>
+                <a:sym typeface="Arial"/>
+              </a:defRPr>
             </a:lvl3pPr>
-            <a:lvl4pPr lvl="3">
-              <a:buNone/>
-              <a:defRPr/>
+            <a:lvl4pPr indent="0" lvl="3" marL="0" marR="0" algn="r">
+              <a:lnSpc>
+                <a:spcPct val="100000"/>
+              </a:lnSpc>
+              <a:spcBef>
+                <a:spcPts val="0"/>
+              </a:spcBef>
+              <a:spcAft>
+                <a:spcPts val="0"/>
+              </a:spcAft>
+              <a:buClr>
+                <a:srgbClr val="000000"/>
+              </a:buClr>
+              <a:buSzPts val="1000"/>
+              <a:buFont typeface="Arial"/>
+              <a:buNone/>
+              <a:defRPr b="0" i="0" sz="1000" u="none" cap="none" strike="noStrike">
+                <a:solidFill>
+                  <a:schemeClr val="lt2"/>
+                </a:solidFill>
+                <a:latin typeface="Arial"/>
+                <a:ea typeface="Arial"/>
+                <a:cs typeface="Arial"/>
+                <a:sym typeface="Arial"/>
+              </a:defRPr>
             </a:lvl4pPr>
-            <a:lvl5pPr lvl="4">
-              <a:buNone/>
-              <a:defRPr/>
+            <a:lvl5pPr indent="0" lvl="4" marL="0" marR="0" algn="r">
+              <a:lnSpc>
+                <a:spcPct val="100000"/>
+              </a:lnSpc>
+              <a:spcBef>
+                <a:spcPts val="0"/>
+              </a:spcBef>
+              <a:spcAft>
+                <a:spcPts val="0"/>
+              </a:spcAft>
+              <a:buClr>
+                <a:srgbClr val="000000"/>
+              </a:buClr>
+              <a:buSzPts val="1000"/>
+              <a:buFont typeface="Arial"/>
+              <a:buNone/>
+              <a:defRPr b="0" i="0" sz="1000" u="none" cap="none" strike="noStrike">
+                <a:solidFill>
+                  <a:schemeClr val="lt2"/>
+                </a:solidFill>
+                <a:latin typeface="Arial"/>
+                <a:ea typeface="Arial"/>
+                <a:cs typeface="Arial"/>
+                <a:sym typeface="Arial"/>
+              </a:defRPr>
             </a:lvl5pPr>
-            <a:lvl6pPr lvl="5">
-              <a:buNone/>
-              <a:defRPr/>
+            <a:lvl6pPr indent="0" lvl="5" marL="0" marR="0" algn="r">
+              <a:lnSpc>
+                <a:spcPct val="100000"/>
+              </a:lnSpc>
+              <a:spcBef>
+                <a:spcPts val="0"/>
+              </a:spcBef>
+              <a:spcAft>
+                <a:spcPts val="0"/>
+              </a:spcAft>
+              <a:buClr>
+                <a:srgbClr val="000000"/>
+              </a:buClr>
+              <a:buSzPts val="1000"/>
+              <a:buFont typeface="Arial"/>
+              <a:buNone/>
+              <a:defRPr b="0" i="0" sz="1000" u="none" cap="none" strike="noStrike">
+                <a:solidFill>
+                  <a:schemeClr val="lt2"/>
+                </a:solidFill>
+                <a:latin typeface="Arial"/>
+                <a:ea typeface="Arial"/>
+                <a:cs typeface="Arial"/>
+                <a:sym typeface="Arial"/>
+              </a:defRPr>
             </a:lvl6pPr>
-            <a:lvl7pPr lvl="6">
-              <a:buNone/>
-              <a:defRPr/>
+            <a:lvl7pPr indent="0" lvl="6" marL="0" marR="0" algn="r">
+              <a:lnSpc>
+                <a:spcPct val="100000"/>
+              </a:lnSpc>
+              <a:spcBef>
+                <a:spcPts val="0"/>
+              </a:spcBef>
+              <a:spcAft>
+                <a:spcPts val="0"/>
+              </a:spcAft>
+              <a:buClr>
+                <a:srgbClr val="000000"/>
+              </a:buClr>
+              <a:buSzPts val="1000"/>
+              <a:buFont typeface="Arial"/>
+              <a:buNone/>
+              <a:defRPr b="0" i="0" sz="1000" u="none" cap="none" strike="noStrike">
+                <a:solidFill>
+                  <a:schemeClr val="lt2"/>
+                </a:solidFill>
+                <a:latin typeface="Arial"/>
+                <a:ea typeface="Arial"/>
+                <a:cs typeface="Arial"/>
+                <a:sym typeface="Arial"/>
+              </a:defRPr>
             </a:lvl7pPr>
-            <a:lvl8pPr lvl="7">
-              <a:buNone/>
-              <a:defRPr/>
+            <a:lvl8pPr indent="0" lvl="7" marL="0" marR="0" algn="r">
+              <a:lnSpc>
+                <a:spcPct val="100000"/>
+              </a:lnSpc>
+              <a:spcBef>
+                <a:spcPts val="0"/>
+              </a:spcBef>
+              <a:spcAft>
+                <a:spcPts val="0"/>
+              </a:spcAft>
+              <a:buClr>
+                <a:srgbClr val="000000"/>
+              </a:buClr>
+              <a:buSzPts val="1000"/>
+              <a:buFont typeface="Arial"/>
+              <a:buNone/>
+              <a:defRPr b="0" i="0" sz="1000" u="none" cap="none" strike="noStrike">
+                <a:solidFill>
+                  <a:schemeClr val="lt2"/>
+                </a:solidFill>
+                <a:latin typeface="Arial"/>
+                <a:ea typeface="Arial"/>
+                <a:cs typeface="Arial"/>
+                <a:sym typeface="Arial"/>
+              </a:defRPr>
             </a:lvl8pPr>
-            <a:lvl9pPr lvl="8">
-              <a:buNone/>
-              <a:defRPr/>
+            <a:lvl9pPr indent="0" lvl="8" marL="0" marR="0" algn="r">
+              <a:lnSpc>
+                <a:spcPct val="100000"/>
+              </a:lnSpc>
+              <a:spcBef>
+                <a:spcPts val="0"/>
+              </a:spcBef>
+              <a:spcAft>
+                <a:spcPts val="0"/>
+              </a:spcAft>
+              <a:buClr>
+                <a:srgbClr val="000000"/>
+              </a:buClr>
+              <a:buSzPts val="1000"/>
+              <a:buFont typeface="Arial"/>
+              <a:buNone/>
+              <a:defRPr b="0" i="0" sz="1000" u="none" cap="none" strike="noStrike">
+                <a:solidFill>
+                  <a:schemeClr val="lt2"/>
+                </a:solidFill>
+                <a:latin typeface="Arial"/>
+                <a:ea typeface="Arial"/>
+                <a:cs typeface="Arial"/>
+                <a:sym typeface="Arial"/>
+              </a:defRPr>
             </a:lvl9pPr>
           </a:lstStyle>
           <a:p>
@@ -3938,13 +5999,20 @@
           <a:prstGeom prst="rect">
             <a:avLst/>
           </a:prstGeom>
+          <a:noFill/>
+          <a:ln>
+            <a:noFill/>
+          </a:ln>
         </p:spPr>
         <p:txBody>
           <a:bodyPr anchorCtr="0" anchor="b" bIns="91425" lIns="91425" spcFirstLastPara="1" rIns="91425" wrap="square" tIns="91425">
             <a:noAutofit/>
           </a:bodyPr>
           <a:lstStyle>
-            <a:lvl1pPr lvl="0">
+            <a:lvl1pPr lvl="0" algn="l">
+              <a:lnSpc>
+                <a:spcPct val="100000"/>
+              </a:lnSpc>
               <a:spcBef>
                 <a:spcPts val="0"/>
               </a:spcBef>
@@ -3955,7 +6023,10 @@
               <a:buNone/>
               <a:defRPr sz="2400"/>
             </a:lvl1pPr>
-            <a:lvl2pPr lvl="1">
+            <a:lvl2pPr lvl="1" algn="l">
+              <a:lnSpc>
+                <a:spcPct val="100000"/>
+              </a:lnSpc>
               <a:spcBef>
                 <a:spcPts val="0"/>
               </a:spcBef>
@@ -3966,7 +6037,10 @@
               <a:buNone/>
               <a:defRPr sz="2400"/>
             </a:lvl2pPr>
-            <a:lvl3pPr lvl="2">
+            <a:lvl3pPr lvl="2" algn="l">
+              <a:lnSpc>
+                <a:spcPct val="100000"/>
+              </a:lnSpc>
               <a:spcBef>
                 <a:spcPts val="0"/>
               </a:spcBef>
@@ -3977,7 +6051,10 @@
               <a:buNone/>
               <a:defRPr sz="2400"/>
             </a:lvl3pPr>
-            <a:lvl4pPr lvl="3">
+            <a:lvl4pPr lvl="3" algn="l">
+              <a:lnSpc>
+                <a:spcPct val="100000"/>
+              </a:lnSpc>
               <a:spcBef>
                 <a:spcPts val="0"/>
               </a:spcBef>
@@ -3988,7 +6065,10 @@
               <a:buNone/>
               <a:defRPr sz="2400"/>
             </a:lvl4pPr>
-            <a:lvl5pPr lvl="4">
+            <a:lvl5pPr lvl="4" algn="l">
+              <a:lnSpc>
+                <a:spcPct val="100000"/>
+              </a:lnSpc>
               <a:spcBef>
                 <a:spcPts val="0"/>
               </a:spcBef>
@@ -3999,7 +6079,10 @@
               <a:buNone/>
               <a:defRPr sz="2400"/>
             </a:lvl5pPr>
-            <a:lvl6pPr lvl="5">
+            <a:lvl6pPr lvl="5" algn="l">
+              <a:lnSpc>
+                <a:spcPct val="100000"/>
+              </a:lnSpc>
               <a:spcBef>
                 <a:spcPts val="0"/>
               </a:spcBef>
@@ -4010,7 +6093,10 @@
               <a:buNone/>
               <a:defRPr sz="2400"/>
             </a:lvl6pPr>
-            <a:lvl7pPr lvl="6">
+            <a:lvl7pPr lvl="6" algn="l">
+              <a:lnSpc>
+                <a:spcPct val="100000"/>
+              </a:lnSpc>
               <a:spcBef>
                 <a:spcPts val="0"/>
               </a:spcBef>
@@ -4021,7 +6107,10 @@
               <a:buNone/>
               <a:defRPr sz="2400"/>
             </a:lvl7pPr>
-            <a:lvl8pPr lvl="7">
+            <a:lvl8pPr lvl="7" algn="l">
+              <a:lnSpc>
+                <a:spcPct val="100000"/>
+              </a:lnSpc>
               <a:spcBef>
                 <a:spcPts val="0"/>
               </a:spcBef>
@@ -4032,7 +6121,10 @@
               <a:buNone/>
               <a:defRPr sz="2400"/>
             </a:lvl8pPr>
-            <a:lvl9pPr lvl="8">
+            <a:lvl9pPr lvl="8" algn="l">
+              <a:lnSpc>
+                <a:spcPct val="100000"/>
+              </a:lnSpc>
               <a:spcBef>
                 <a:spcPts val="0"/>
               </a:spcBef>
@@ -4063,13 +6155,20 @@
           <a:prstGeom prst="rect">
             <a:avLst/>
           </a:prstGeom>
+          <a:noFill/>
+          <a:ln>
+            <a:noFill/>
+          </a:ln>
         </p:spPr>
         <p:txBody>
           <a:bodyPr anchorCtr="0" anchor="t" bIns="91425" lIns="91425" spcFirstLastPara="1" rIns="91425" wrap="square" tIns="91425">
             <a:noAutofit/>
           </a:bodyPr>
           <a:lstStyle>
-            <a:lvl1pPr indent="-304800" lvl="0" marL="457200">
+            <a:lvl1pPr indent="-304800" lvl="0" marL="457200" algn="l">
+              <a:lnSpc>
+                <a:spcPct val="115000"/>
+              </a:lnSpc>
               <a:spcBef>
                 <a:spcPts val="0"/>
               </a:spcBef>
@@ -4080,7 +6179,10 @@
               <a:buChar char="●"/>
               <a:defRPr sz="1200"/>
             </a:lvl1pPr>
-            <a:lvl2pPr indent="-304800" lvl="1" marL="914400">
+            <a:lvl2pPr indent="-304800" lvl="1" marL="914400" algn="l">
+              <a:lnSpc>
+                <a:spcPct val="115000"/>
+              </a:lnSpc>
               <a:spcBef>
                 <a:spcPts val="1600"/>
               </a:spcBef>
@@ -4091,7 +6193,10 @@
               <a:buChar char="○"/>
               <a:defRPr sz="1200"/>
             </a:lvl2pPr>
-            <a:lvl3pPr indent="-304800" lvl="2" marL="1371600">
+            <a:lvl3pPr indent="-304800" lvl="2" marL="1371600" algn="l">
+              <a:lnSpc>
+                <a:spcPct val="115000"/>
+              </a:lnSpc>
               <a:spcBef>
                 <a:spcPts val="1600"/>
               </a:spcBef>
@@ -4102,7 +6207,10 @@
               <a:buChar char="■"/>
               <a:defRPr sz="1200"/>
             </a:lvl3pPr>
-            <a:lvl4pPr indent="-304800" lvl="3" marL="1828800">
+            <a:lvl4pPr indent="-304800" lvl="3" marL="1828800" algn="l">
+              <a:lnSpc>
+                <a:spcPct val="115000"/>
+              </a:lnSpc>
               <a:spcBef>
                 <a:spcPts val="1600"/>
               </a:spcBef>
@@ -4113,7 +6221,10 @@
               <a:buChar char="●"/>
               <a:defRPr sz="1200"/>
             </a:lvl4pPr>
-            <a:lvl5pPr indent="-304800" lvl="4" marL="2286000">
+            <a:lvl5pPr indent="-304800" lvl="4" marL="2286000" algn="l">
+              <a:lnSpc>
+                <a:spcPct val="115000"/>
+              </a:lnSpc>
               <a:spcBef>
                 <a:spcPts val="1600"/>
               </a:spcBef>
@@ -4124,7 +6235,10 @@
               <a:buChar char="○"/>
               <a:defRPr sz="1200"/>
             </a:lvl5pPr>
-            <a:lvl6pPr indent="-304800" lvl="5" marL="2743200">
+            <a:lvl6pPr indent="-304800" lvl="5" marL="2743200" algn="l">
+              <a:lnSpc>
+                <a:spcPct val="115000"/>
+              </a:lnSpc>
               <a:spcBef>
                 <a:spcPts val="1600"/>
               </a:spcBef>
@@ -4135,7 +6249,10 @@
               <a:buChar char="■"/>
               <a:defRPr sz="1200"/>
             </a:lvl6pPr>
-            <a:lvl7pPr indent="-304800" lvl="6" marL="3200400">
+            <a:lvl7pPr indent="-304800" lvl="6" marL="3200400" algn="l">
+              <a:lnSpc>
+                <a:spcPct val="115000"/>
+              </a:lnSpc>
               <a:spcBef>
                 <a:spcPts val="1600"/>
               </a:spcBef>
@@ -4146,7 +6263,10 @@
               <a:buChar char="●"/>
               <a:defRPr sz="1200"/>
             </a:lvl7pPr>
-            <a:lvl8pPr indent="-304800" lvl="7" marL="3657600">
+            <a:lvl8pPr indent="-304800" lvl="7" marL="3657600" algn="l">
+              <a:lnSpc>
+                <a:spcPct val="115000"/>
+              </a:lnSpc>
               <a:spcBef>
                 <a:spcPts val="1600"/>
               </a:spcBef>
@@ -4157,7 +6277,10 @@
               <a:buChar char="○"/>
               <a:defRPr sz="1200"/>
             </a:lvl8pPr>
-            <a:lvl9pPr indent="-304800" lvl="8" marL="4114800">
+            <a:lvl9pPr indent="-304800" lvl="8" marL="4114800" algn="l">
+              <a:lnSpc>
+                <a:spcPct val="115000"/>
+              </a:lnSpc>
               <a:spcBef>
                 <a:spcPts val="1600"/>
               </a:spcBef>
@@ -4188,47 +6311,249 @@
           <a:prstGeom prst="rect">
             <a:avLst/>
           </a:prstGeom>
+          <a:noFill/>
+          <a:ln>
+            <a:noFill/>
+          </a:ln>
         </p:spPr>
         <p:txBody>
           <a:bodyPr anchorCtr="0" anchor="ctr" bIns="91425" lIns="91425" spcFirstLastPara="1" rIns="91425" wrap="square" tIns="91425">
             <a:noAutofit/>
           </a:bodyPr>
           <a:lstStyle>
-            <a:lvl1pPr lvl="0">
-              <a:buNone/>
-              <a:defRPr/>
+            <a:lvl1pPr indent="0" lvl="0" marL="0" marR="0" algn="r">
+              <a:lnSpc>
+                <a:spcPct val="100000"/>
+              </a:lnSpc>
+              <a:spcBef>
+                <a:spcPts val="0"/>
+              </a:spcBef>
+              <a:spcAft>
+                <a:spcPts val="0"/>
+              </a:spcAft>
+              <a:buClr>
+                <a:srgbClr val="000000"/>
+              </a:buClr>
+              <a:buSzPts val="1000"/>
+              <a:buFont typeface="Arial"/>
+              <a:buNone/>
+              <a:defRPr b="0" i="0" sz="1000" u="none" cap="none" strike="noStrike">
+                <a:solidFill>
+                  <a:schemeClr val="lt2"/>
+                </a:solidFill>
+                <a:latin typeface="Arial"/>
+                <a:ea typeface="Arial"/>
+                <a:cs typeface="Arial"/>
+                <a:sym typeface="Arial"/>
+              </a:defRPr>
             </a:lvl1pPr>
-            <a:lvl2pPr lvl="1">
-              <a:buNone/>
-              <a:defRPr/>
+            <a:lvl2pPr indent="0" lvl="1" marL="0" marR="0" algn="r">
+              <a:lnSpc>
+                <a:spcPct val="100000"/>
+              </a:lnSpc>
+              <a:spcBef>
+                <a:spcPts val="0"/>
+              </a:spcBef>
+              <a:spcAft>
+                <a:spcPts val="0"/>
+              </a:spcAft>
+              <a:buClr>
+                <a:srgbClr val="000000"/>
+              </a:buClr>
+              <a:buSzPts val="1000"/>
+              <a:buFont typeface="Arial"/>
+              <a:buNone/>
+              <a:defRPr b="0" i="0" sz="1000" u="none" cap="none" strike="noStrike">
+                <a:solidFill>
+                  <a:schemeClr val="lt2"/>
+                </a:solidFill>
+                <a:latin typeface="Arial"/>
+                <a:ea typeface="Arial"/>
+                <a:cs typeface="Arial"/>
+                <a:sym typeface="Arial"/>
+              </a:defRPr>
             </a:lvl2pPr>
-            <a:lvl3pPr lvl="2">
-              <a:buNone/>
-              <a:defRPr/>
+            <a:lvl3pPr indent="0" lvl="2" marL="0" marR="0" algn="r">
+              <a:lnSpc>
+                <a:spcPct val="100000"/>
+              </a:lnSpc>
+              <a:spcBef>
+                <a:spcPts val="0"/>
+              </a:spcBef>
+              <a:spcAft>
+                <a:spcPts val="0"/>
+              </a:spcAft>
+              <a:buClr>
+                <a:srgbClr val="000000"/>
+              </a:buClr>
+              <a:buSzPts val="1000"/>
+              <a:buFont typeface="Arial"/>
+              <a:buNone/>
+              <a:defRPr b="0" i="0" sz="1000" u="none" cap="none" strike="noStrike">
+                <a:solidFill>
+                  <a:schemeClr val="lt2"/>
+                </a:solidFill>
+                <a:latin typeface="Arial"/>
+                <a:ea typeface="Arial"/>
+                <a:cs typeface="Arial"/>
+                <a:sym typeface="Arial"/>
+              </a:defRPr>
             </a:lvl3pPr>
-            <a:lvl4pPr lvl="3">
-              <a:buNone/>
-              <a:defRPr/>
+            <a:lvl4pPr indent="0" lvl="3" marL="0" marR="0" algn="r">
+              <a:lnSpc>
+                <a:spcPct val="100000"/>
+              </a:lnSpc>
+              <a:spcBef>
+                <a:spcPts val="0"/>
+              </a:spcBef>
+              <a:spcAft>
+                <a:spcPts val="0"/>
+              </a:spcAft>
+              <a:buClr>
+                <a:srgbClr val="000000"/>
+              </a:buClr>
+              <a:buSzPts val="1000"/>
+              <a:buFont typeface="Arial"/>
+              <a:buNone/>
+              <a:defRPr b="0" i="0" sz="1000" u="none" cap="none" strike="noStrike">
+                <a:solidFill>
+                  <a:schemeClr val="lt2"/>
+                </a:solidFill>
+                <a:latin typeface="Arial"/>
+                <a:ea typeface="Arial"/>
+                <a:cs typeface="Arial"/>
+                <a:sym typeface="Arial"/>
+              </a:defRPr>
             </a:lvl4pPr>
-            <a:lvl5pPr lvl="4">
-              <a:buNone/>
-              <a:defRPr/>
+            <a:lvl5pPr indent="0" lvl="4" marL="0" marR="0" algn="r">
+              <a:lnSpc>
+                <a:spcPct val="100000"/>
+              </a:lnSpc>
+              <a:spcBef>
+                <a:spcPts val="0"/>
+              </a:spcBef>
+              <a:spcAft>
+                <a:spcPts val="0"/>
+              </a:spcAft>
+              <a:buClr>
+                <a:srgbClr val="000000"/>
+              </a:buClr>
+              <a:buSzPts val="1000"/>
+              <a:buFont typeface="Arial"/>
+              <a:buNone/>
+              <a:defRPr b="0" i="0" sz="1000" u="none" cap="none" strike="noStrike">
+                <a:solidFill>
+                  <a:schemeClr val="lt2"/>
+                </a:solidFill>
+                <a:latin typeface="Arial"/>
+                <a:ea typeface="Arial"/>
+                <a:cs typeface="Arial"/>
+                <a:sym typeface="Arial"/>
+              </a:defRPr>
             </a:lvl5pPr>
-            <a:lvl6pPr lvl="5">
-              <a:buNone/>
-              <a:defRPr/>
+            <a:lvl6pPr indent="0" lvl="5" marL="0" marR="0" algn="r">
+              <a:lnSpc>
+                <a:spcPct val="100000"/>
+              </a:lnSpc>
+              <a:spcBef>
+                <a:spcPts val="0"/>
+              </a:spcBef>
+              <a:spcAft>
+                <a:spcPts val="0"/>
+              </a:spcAft>
+              <a:buClr>
+                <a:srgbClr val="000000"/>
+              </a:buClr>
+              <a:buSzPts val="1000"/>
+              <a:buFont typeface="Arial"/>
+              <a:buNone/>
+              <a:defRPr b="0" i="0" sz="1000" u="none" cap="none" strike="noStrike">
+                <a:solidFill>
+                  <a:schemeClr val="lt2"/>
+                </a:solidFill>
+                <a:latin typeface="Arial"/>
+                <a:ea typeface="Arial"/>
+                <a:cs typeface="Arial"/>
+                <a:sym typeface="Arial"/>
+              </a:defRPr>
             </a:lvl6pPr>
-            <a:lvl7pPr lvl="6">
-              <a:buNone/>
-              <a:defRPr/>
+            <a:lvl7pPr indent="0" lvl="6" marL="0" marR="0" algn="r">
+              <a:lnSpc>
+                <a:spcPct val="100000"/>
+              </a:lnSpc>
+              <a:spcBef>
+                <a:spcPts val="0"/>
+              </a:spcBef>
+              <a:spcAft>
+                <a:spcPts val="0"/>
+              </a:spcAft>
+              <a:buClr>
+                <a:srgbClr val="000000"/>
+              </a:buClr>
+              <a:buSzPts val="1000"/>
+              <a:buFont typeface="Arial"/>
+              <a:buNone/>
+              <a:defRPr b="0" i="0" sz="1000" u="none" cap="none" strike="noStrike">
+                <a:solidFill>
+                  <a:schemeClr val="lt2"/>
+                </a:solidFill>
+                <a:latin typeface="Arial"/>
+                <a:ea typeface="Arial"/>
+                <a:cs typeface="Arial"/>
+                <a:sym typeface="Arial"/>
+              </a:defRPr>
             </a:lvl7pPr>
-            <a:lvl8pPr lvl="7">
-              <a:buNone/>
-              <a:defRPr/>
+            <a:lvl8pPr indent="0" lvl="7" marL="0" marR="0" algn="r">
+              <a:lnSpc>
+                <a:spcPct val="100000"/>
+              </a:lnSpc>
+              <a:spcBef>
+                <a:spcPts val="0"/>
+              </a:spcBef>
+              <a:spcAft>
+                <a:spcPts val="0"/>
+              </a:spcAft>
+              <a:buClr>
+                <a:srgbClr val="000000"/>
+              </a:buClr>
+              <a:buSzPts val="1000"/>
+              <a:buFont typeface="Arial"/>
+              <a:buNone/>
+              <a:defRPr b="0" i="0" sz="1000" u="none" cap="none" strike="noStrike">
+                <a:solidFill>
+                  <a:schemeClr val="lt2"/>
+                </a:solidFill>
+                <a:latin typeface="Arial"/>
+                <a:ea typeface="Arial"/>
+                <a:cs typeface="Arial"/>
+                <a:sym typeface="Arial"/>
+              </a:defRPr>
             </a:lvl8pPr>
-            <a:lvl9pPr lvl="8">
-              <a:buNone/>
-              <a:defRPr/>
+            <a:lvl9pPr indent="0" lvl="8" marL="0" marR="0" algn="r">
+              <a:lnSpc>
+                <a:spcPct val="100000"/>
+              </a:lnSpc>
+              <a:spcBef>
+                <a:spcPts val="0"/>
+              </a:spcBef>
+              <a:spcAft>
+                <a:spcPts val="0"/>
+              </a:spcAft>
+              <a:buClr>
+                <a:srgbClr val="000000"/>
+              </a:buClr>
+              <a:buSzPts val="1000"/>
+              <a:buFont typeface="Arial"/>
+              <a:buNone/>
+              <a:defRPr b="0" i="0" sz="1000" u="none" cap="none" strike="noStrike">
+                <a:solidFill>
+                  <a:schemeClr val="lt2"/>
+                </a:solidFill>
+                <a:latin typeface="Arial"/>
+                <a:ea typeface="Arial"/>
+                <a:cs typeface="Arial"/>
+                <a:sym typeface="Arial"/>
+              </a:defRPr>
             </a:lvl9pPr>
           </a:lstStyle>
           <a:p>
@@ -4290,13 +6615,20 @@
           <a:prstGeom prst="rect">
             <a:avLst/>
           </a:prstGeom>
+          <a:noFill/>
+          <a:ln>
+            <a:noFill/>
+          </a:ln>
         </p:spPr>
         <p:txBody>
           <a:bodyPr anchorCtr="0" anchor="ctr" bIns="91425" lIns="91425" spcFirstLastPara="1" rIns="91425" wrap="square" tIns="91425">
             <a:noAutofit/>
           </a:bodyPr>
           <a:lstStyle>
-            <a:lvl1pPr lvl="0">
+            <a:lvl1pPr lvl="0" algn="l">
+              <a:lnSpc>
+                <a:spcPct val="100000"/>
+              </a:lnSpc>
               <a:spcBef>
                 <a:spcPts val="0"/>
               </a:spcBef>
@@ -4307,7 +6639,10 @@
               <a:buNone/>
               <a:defRPr sz="4800"/>
             </a:lvl1pPr>
-            <a:lvl2pPr lvl="1">
+            <a:lvl2pPr lvl="1" algn="l">
+              <a:lnSpc>
+                <a:spcPct val="100000"/>
+              </a:lnSpc>
               <a:spcBef>
                 <a:spcPts val="0"/>
               </a:spcBef>
@@ -4318,7 +6653,10 @@
               <a:buNone/>
               <a:defRPr sz="4800"/>
             </a:lvl2pPr>
-            <a:lvl3pPr lvl="2">
+            <a:lvl3pPr lvl="2" algn="l">
+              <a:lnSpc>
+                <a:spcPct val="100000"/>
+              </a:lnSpc>
               <a:spcBef>
                 <a:spcPts val="0"/>
               </a:spcBef>
@@ -4329,7 +6667,10 @@
               <a:buNone/>
               <a:defRPr sz="4800"/>
             </a:lvl3pPr>
-            <a:lvl4pPr lvl="3">
+            <a:lvl4pPr lvl="3" algn="l">
+              <a:lnSpc>
+                <a:spcPct val="100000"/>
+              </a:lnSpc>
               <a:spcBef>
                 <a:spcPts val="0"/>
               </a:spcBef>
@@ -4340,7 +6681,10 @@
               <a:buNone/>
               <a:defRPr sz="4800"/>
             </a:lvl4pPr>
-            <a:lvl5pPr lvl="4">
+            <a:lvl5pPr lvl="4" algn="l">
+              <a:lnSpc>
+                <a:spcPct val="100000"/>
+              </a:lnSpc>
               <a:spcBef>
                 <a:spcPts val="0"/>
               </a:spcBef>
@@ -4351,7 +6695,10 @@
               <a:buNone/>
               <a:defRPr sz="4800"/>
             </a:lvl5pPr>
-            <a:lvl6pPr lvl="5">
+            <a:lvl6pPr lvl="5" algn="l">
+              <a:lnSpc>
+                <a:spcPct val="100000"/>
+              </a:lnSpc>
               <a:spcBef>
                 <a:spcPts val="0"/>
               </a:spcBef>
@@ -4362,7 +6709,10 @@
               <a:buNone/>
               <a:defRPr sz="4800"/>
             </a:lvl6pPr>
-            <a:lvl7pPr lvl="6">
+            <a:lvl7pPr lvl="6" algn="l">
+              <a:lnSpc>
+                <a:spcPct val="100000"/>
+              </a:lnSpc>
               <a:spcBef>
                 <a:spcPts val="0"/>
               </a:spcBef>
@@ -4373,7 +6723,10 @@
               <a:buNone/>
               <a:defRPr sz="4800"/>
             </a:lvl7pPr>
-            <a:lvl8pPr lvl="7">
+            <a:lvl8pPr lvl="7" algn="l">
+              <a:lnSpc>
+                <a:spcPct val="100000"/>
+              </a:lnSpc>
               <a:spcBef>
                 <a:spcPts val="0"/>
               </a:spcBef>
@@ -4384,7 +6737,10 @@
               <a:buNone/>
               <a:defRPr sz="4800"/>
             </a:lvl8pPr>
-            <a:lvl9pPr lvl="8">
+            <a:lvl9pPr lvl="8" algn="l">
+              <a:lnSpc>
+                <a:spcPct val="100000"/>
+              </a:lnSpc>
               <a:spcBef>
                 <a:spcPts val="0"/>
               </a:spcBef>
@@ -4415,47 +6771,249 @@
           <a:prstGeom prst="rect">
             <a:avLst/>
           </a:prstGeom>
+          <a:noFill/>
+          <a:ln>
+            <a:noFill/>
+          </a:ln>
         </p:spPr>
         <p:txBody>
           <a:bodyPr anchorCtr="0" anchor="ctr" bIns="91425" lIns="91425" spcFirstLastPara="1" rIns="91425" wrap="square" tIns="91425">
             <a:noAutofit/>
           </a:bodyPr>
           <a:lstStyle>
-            <a:lvl1pPr lvl="0">
-              <a:buNone/>
-              <a:defRPr/>
+            <a:lvl1pPr indent="0" lvl="0" marL="0" marR="0" algn="r">
+              <a:lnSpc>
+                <a:spcPct val="100000"/>
+              </a:lnSpc>
+              <a:spcBef>
+                <a:spcPts val="0"/>
+              </a:spcBef>
+              <a:spcAft>
+                <a:spcPts val="0"/>
+              </a:spcAft>
+              <a:buClr>
+                <a:srgbClr val="000000"/>
+              </a:buClr>
+              <a:buSzPts val="1000"/>
+              <a:buFont typeface="Arial"/>
+              <a:buNone/>
+              <a:defRPr b="0" i="0" sz="1000" u="none" cap="none" strike="noStrike">
+                <a:solidFill>
+                  <a:schemeClr val="lt2"/>
+                </a:solidFill>
+                <a:latin typeface="Arial"/>
+                <a:ea typeface="Arial"/>
+                <a:cs typeface="Arial"/>
+                <a:sym typeface="Arial"/>
+              </a:defRPr>
             </a:lvl1pPr>
-            <a:lvl2pPr lvl="1">
-              <a:buNone/>
-              <a:defRPr/>
+            <a:lvl2pPr indent="0" lvl="1" marL="0" marR="0" algn="r">
+              <a:lnSpc>
+                <a:spcPct val="100000"/>
+              </a:lnSpc>
+              <a:spcBef>
+                <a:spcPts val="0"/>
+              </a:spcBef>
+              <a:spcAft>
+                <a:spcPts val="0"/>
+              </a:spcAft>
+              <a:buClr>
+                <a:srgbClr val="000000"/>
+              </a:buClr>
+              <a:buSzPts val="1000"/>
+              <a:buFont typeface="Arial"/>
+              <a:buNone/>
+              <a:defRPr b="0" i="0" sz="1000" u="none" cap="none" strike="noStrike">
+                <a:solidFill>
+                  <a:schemeClr val="lt2"/>
+                </a:solidFill>
+                <a:latin typeface="Arial"/>
+                <a:ea typeface="Arial"/>
+                <a:cs typeface="Arial"/>
+                <a:sym typeface="Arial"/>
+              </a:defRPr>
             </a:lvl2pPr>
-            <a:lvl3pPr lvl="2">
-              <a:buNone/>
-              <a:defRPr/>
+            <a:lvl3pPr indent="0" lvl="2" marL="0" marR="0" algn="r">
+              <a:lnSpc>
+                <a:spcPct val="100000"/>
+              </a:lnSpc>
+              <a:spcBef>
+                <a:spcPts val="0"/>
+              </a:spcBef>
+              <a:spcAft>
+                <a:spcPts val="0"/>
+              </a:spcAft>
+              <a:buClr>
+                <a:srgbClr val="000000"/>
+              </a:buClr>
+              <a:buSzPts val="1000"/>
+              <a:buFont typeface="Arial"/>
+              <a:buNone/>
+              <a:defRPr b="0" i="0" sz="1000" u="none" cap="none" strike="noStrike">
+                <a:solidFill>
+                  <a:schemeClr val="lt2"/>
+                </a:solidFill>
+                <a:latin typeface="Arial"/>
+                <a:ea typeface="Arial"/>
+                <a:cs typeface="Arial"/>
+                <a:sym typeface="Arial"/>
+              </a:defRPr>
             </a:lvl3pPr>
-            <a:lvl4pPr lvl="3">
-              <a:buNone/>
-              <a:defRPr/>
+            <a:lvl4pPr indent="0" lvl="3" marL="0" marR="0" algn="r">
+              <a:lnSpc>
+                <a:spcPct val="100000"/>
+              </a:lnSpc>
+              <a:spcBef>
+                <a:spcPts val="0"/>
+              </a:spcBef>
+              <a:spcAft>
+                <a:spcPts val="0"/>
+              </a:spcAft>
+              <a:buClr>
+                <a:srgbClr val="000000"/>
+              </a:buClr>
+              <a:buSzPts val="1000"/>
+              <a:buFont typeface="Arial"/>
+              <a:buNone/>
+              <a:defRPr b="0" i="0" sz="1000" u="none" cap="none" strike="noStrike">
+                <a:solidFill>
+                  <a:schemeClr val="lt2"/>
+                </a:solidFill>
+                <a:latin typeface="Arial"/>
+                <a:ea typeface="Arial"/>
+                <a:cs typeface="Arial"/>
+                <a:sym typeface="Arial"/>
+              </a:defRPr>
             </a:lvl4pPr>
-            <a:lvl5pPr lvl="4">
-              <a:buNone/>
-              <a:defRPr/>
+            <a:lvl5pPr indent="0" lvl="4" marL="0" marR="0" algn="r">
+              <a:lnSpc>
+                <a:spcPct val="100000"/>
+              </a:lnSpc>
+              <a:spcBef>
+                <a:spcPts val="0"/>
+              </a:spcBef>
+              <a:spcAft>
+                <a:spcPts val="0"/>
+              </a:spcAft>
+              <a:buClr>
+                <a:srgbClr val="000000"/>
+              </a:buClr>
+              <a:buSzPts val="1000"/>
+              <a:buFont typeface="Arial"/>
+              <a:buNone/>
+              <a:defRPr b="0" i="0" sz="1000" u="none" cap="none" strike="noStrike">
+                <a:solidFill>
+                  <a:schemeClr val="lt2"/>
+                </a:solidFill>
+                <a:latin typeface="Arial"/>
+                <a:ea typeface="Arial"/>
+                <a:cs typeface="Arial"/>
+                <a:sym typeface="Arial"/>
+              </a:defRPr>
             </a:lvl5pPr>
-            <a:lvl6pPr lvl="5">
-              <a:buNone/>
-              <a:defRPr/>
+            <a:lvl6pPr indent="0" lvl="5" marL="0" marR="0" algn="r">
+              <a:lnSpc>
+                <a:spcPct val="100000"/>
+              </a:lnSpc>
+              <a:spcBef>
+                <a:spcPts val="0"/>
+              </a:spcBef>
+              <a:spcAft>
+                <a:spcPts val="0"/>
+              </a:spcAft>
+              <a:buClr>
+                <a:srgbClr val="000000"/>
+              </a:buClr>
+              <a:buSzPts val="1000"/>
+              <a:buFont typeface="Arial"/>
+              <a:buNone/>
+              <a:defRPr b="0" i="0" sz="1000" u="none" cap="none" strike="noStrike">
+                <a:solidFill>
+                  <a:schemeClr val="lt2"/>
+                </a:solidFill>
+                <a:latin typeface="Arial"/>
+                <a:ea typeface="Arial"/>
+                <a:cs typeface="Arial"/>
+                <a:sym typeface="Arial"/>
+              </a:defRPr>
             </a:lvl6pPr>
-            <a:lvl7pPr lvl="6">
-              <a:buNone/>
-              <a:defRPr/>
+            <a:lvl7pPr indent="0" lvl="6" marL="0" marR="0" algn="r">
+              <a:lnSpc>
+                <a:spcPct val="100000"/>
+              </a:lnSpc>
+              <a:spcBef>
+                <a:spcPts val="0"/>
+              </a:spcBef>
+              <a:spcAft>
+                <a:spcPts val="0"/>
+              </a:spcAft>
+              <a:buClr>
+                <a:srgbClr val="000000"/>
+              </a:buClr>
+              <a:buSzPts val="1000"/>
+              <a:buFont typeface="Arial"/>
+              <a:buNone/>
+              <a:defRPr b="0" i="0" sz="1000" u="none" cap="none" strike="noStrike">
+                <a:solidFill>
+                  <a:schemeClr val="lt2"/>
+                </a:solidFill>
+                <a:latin typeface="Arial"/>
+                <a:ea typeface="Arial"/>
+                <a:cs typeface="Arial"/>
+                <a:sym typeface="Arial"/>
+              </a:defRPr>
             </a:lvl7pPr>
-            <a:lvl8pPr lvl="7">
-              <a:buNone/>
-              <a:defRPr/>
+            <a:lvl8pPr indent="0" lvl="7" marL="0" marR="0" algn="r">
+              <a:lnSpc>
+                <a:spcPct val="100000"/>
+              </a:lnSpc>
+              <a:spcBef>
+                <a:spcPts val="0"/>
+              </a:spcBef>
+              <a:spcAft>
+                <a:spcPts val="0"/>
+              </a:spcAft>
+              <a:buClr>
+                <a:srgbClr val="000000"/>
+              </a:buClr>
+              <a:buSzPts val="1000"/>
+              <a:buFont typeface="Arial"/>
+              <a:buNone/>
+              <a:defRPr b="0" i="0" sz="1000" u="none" cap="none" strike="noStrike">
+                <a:solidFill>
+                  <a:schemeClr val="lt2"/>
+                </a:solidFill>
+                <a:latin typeface="Arial"/>
+                <a:ea typeface="Arial"/>
+                <a:cs typeface="Arial"/>
+                <a:sym typeface="Arial"/>
+              </a:defRPr>
             </a:lvl8pPr>
-            <a:lvl9pPr lvl="8">
-              <a:buNone/>
-              <a:defRPr/>
+            <a:lvl9pPr indent="0" lvl="8" marL="0" marR="0" algn="r">
+              <a:lnSpc>
+                <a:spcPct val="100000"/>
+              </a:lnSpc>
+              <a:spcBef>
+                <a:spcPts val="0"/>
+              </a:spcBef>
+              <a:spcAft>
+                <a:spcPts val="0"/>
+              </a:spcAft>
+              <a:buClr>
+                <a:srgbClr val="000000"/>
+              </a:buClr>
+              <a:buSzPts val="1000"/>
+              <a:buFont typeface="Arial"/>
+              <a:buNone/>
+              <a:defRPr b="0" i="0" sz="1000" u="none" cap="none" strike="noStrike">
+                <a:solidFill>
+                  <a:schemeClr val="lt2"/>
+                </a:solidFill>
+                <a:latin typeface="Arial"/>
+                <a:ea typeface="Arial"/>
+                <a:cs typeface="Arial"/>
+                <a:sym typeface="Arial"/>
+              </a:defRPr>
             </a:lvl9pPr>
           </a:lstStyle>
           <a:p>
@@ -4528,19 +7086,35 @@
           </a:bodyPr>
           <a:lstStyle/>
           <a:p>
-            <a:pPr indent="0" lvl="0" marL="0" rtl="0" algn="l">
-              <a:spcBef>
-                <a:spcPts val="0"/>
-              </a:spcBef>
-              <a:spcAft>
-                <a:spcPts val="0"/>
-              </a:spcAft>
+            <a:pPr indent="0" lvl="0" marL="0" marR="0" rtl="0" algn="l">
+              <a:lnSpc>
+                <a:spcPct val="100000"/>
+              </a:lnSpc>
+              <a:spcBef>
+                <a:spcPts val="0"/>
+              </a:spcBef>
+              <a:spcAft>
+                <a:spcPts val="0"/>
+              </a:spcAft>
+              <a:buClr>
+                <a:srgbClr val="000000"/>
+              </a:buClr>
+              <a:buSzPts val="1400"/>
+              <a:buFont typeface="Arial"/>
               <a:buNone/>
             </a:pPr>
             <a:r>
               <a:t/>
             </a:r>
-            <a:endParaRPr/>
+            <a:endParaRPr b="0" i="0" sz="1400" u="none" cap="none" strike="noStrike">
+              <a:solidFill>
+                <a:srgbClr val="000000"/>
+              </a:solidFill>
+              <a:latin typeface="Arial"/>
+              <a:ea typeface="Arial"/>
+              <a:cs typeface="Arial"/>
+              <a:sym typeface="Arial"/>
+            </a:endParaRPr>
           </a:p>
         </p:txBody>
       </p:sp>
@@ -4560,6 +7134,10 @@
           <a:prstGeom prst="rect">
             <a:avLst/>
           </a:prstGeom>
+          <a:noFill/>
+          <a:ln>
+            <a:noFill/>
+          </a:ln>
         </p:spPr>
         <p:txBody>
           <a:bodyPr anchorCtr="0" anchor="b" bIns="91425" lIns="91425" spcFirstLastPara="1" rIns="91425" wrap="square" tIns="91425">
@@ -4567,6 +7145,9 @@
           </a:bodyPr>
           <a:lstStyle>
             <a:lvl1pPr lvl="0" algn="ctr">
+              <a:lnSpc>
+                <a:spcPct val="100000"/>
+              </a:lnSpc>
               <a:spcBef>
                 <a:spcPts val="0"/>
               </a:spcBef>
@@ -4578,6 +7159,9 @@
               <a:defRPr sz="4200"/>
             </a:lvl1pPr>
             <a:lvl2pPr lvl="1" algn="ctr">
+              <a:lnSpc>
+                <a:spcPct val="100000"/>
+              </a:lnSpc>
               <a:spcBef>
                 <a:spcPts val="0"/>
               </a:spcBef>
@@ -4589,6 +7173,9 @@
               <a:defRPr sz="4200"/>
             </a:lvl2pPr>
             <a:lvl3pPr lvl="2" algn="ctr">
+              <a:lnSpc>
+                <a:spcPct val="100000"/>
+              </a:lnSpc>
               <a:spcBef>
                 <a:spcPts val="0"/>
               </a:spcBef>
@@ -4600,6 +7187,9 @@
               <a:defRPr sz="4200"/>
             </a:lvl3pPr>
             <a:lvl4pPr lvl="3" algn="ctr">
+              <a:lnSpc>
+                <a:spcPct val="100000"/>
+              </a:lnSpc>
               <a:spcBef>
                 <a:spcPts val="0"/>
               </a:spcBef>
@@ -4611,6 +7201,9 @@
               <a:defRPr sz="4200"/>
             </a:lvl4pPr>
             <a:lvl5pPr lvl="4" algn="ctr">
+              <a:lnSpc>
+                <a:spcPct val="100000"/>
+              </a:lnSpc>
               <a:spcBef>
                 <a:spcPts val="0"/>
               </a:spcBef>
@@ -4622,6 +7215,9 @@
               <a:defRPr sz="4200"/>
             </a:lvl5pPr>
             <a:lvl6pPr lvl="5" algn="ctr">
+              <a:lnSpc>
+                <a:spcPct val="100000"/>
+              </a:lnSpc>
               <a:spcBef>
                 <a:spcPts val="0"/>
               </a:spcBef>
@@ -4633,6 +7229,9 @@
               <a:defRPr sz="4200"/>
             </a:lvl6pPr>
             <a:lvl7pPr lvl="6" algn="ctr">
+              <a:lnSpc>
+                <a:spcPct val="100000"/>
+              </a:lnSpc>
               <a:spcBef>
                 <a:spcPts val="0"/>
               </a:spcBef>
@@ -4644,6 +7243,9 @@
               <a:defRPr sz="4200"/>
             </a:lvl7pPr>
             <a:lvl8pPr lvl="7" algn="ctr">
+              <a:lnSpc>
+                <a:spcPct val="100000"/>
+              </a:lnSpc>
               <a:spcBef>
                 <a:spcPts val="0"/>
               </a:spcBef>
@@ -4655,6 +7257,9 @@
               <a:defRPr sz="4200"/>
             </a:lvl8pPr>
             <a:lvl9pPr lvl="8" algn="ctr">
+              <a:lnSpc>
+                <a:spcPct val="100000"/>
+              </a:lnSpc>
               <a:spcBef>
                 <a:spcPts val="0"/>
               </a:spcBef>
@@ -4685,6 +7290,10 @@
           <a:prstGeom prst="rect">
             <a:avLst/>
           </a:prstGeom>
+          <a:noFill/>
+          <a:ln>
+            <a:noFill/>
+          </a:ln>
         </p:spPr>
         <p:txBody>
           <a:bodyPr anchorCtr="0" anchor="t" bIns="91425" lIns="91425" spcFirstLastPara="1" rIns="91425" wrap="square" tIns="91425">
@@ -4837,13 +7446,20 @@
           <a:prstGeom prst="rect">
             <a:avLst/>
           </a:prstGeom>
+          <a:noFill/>
+          <a:ln>
+            <a:noFill/>
+          </a:ln>
         </p:spPr>
         <p:txBody>
           <a:bodyPr anchorCtr="0" anchor="ctr" bIns="91425" lIns="91425" spcFirstLastPara="1" rIns="91425" wrap="square" tIns="91425">
             <a:noAutofit/>
           </a:bodyPr>
           <a:lstStyle>
-            <a:lvl1pPr indent="-342900" lvl="0" marL="457200">
+            <a:lvl1pPr indent="-342900" lvl="0" marL="457200" algn="l">
+              <a:lnSpc>
+                <a:spcPct val="115000"/>
+              </a:lnSpc>
               <a:spcBef>
                 <a:spcPts val="0"/>
               </a:spcBef>
@@ -4861,7 +7477,10 @@
                 </a:solidFill>
               </a:defRPr>
             </a:lvl1pPr>
-            <a:lvl2pPr indent="-317500" lvl="1" marL="914400">
+            <a:lvl2pPr indent="-317500" lvl="1" marL="914400" algn="l">
+              <a:lnSpc>
+                <a:spcPct val="115000"/>
+              </a:lnSpc>
               <a:spcBef>
                 <a:spcPts val="1600"/>
               </a:spcBef>
@@ -4879,7 +7498,10 @@
                 </a:solidFill>
               </a:defRPr>
             </a:lvl2pPr>
-            <a:lvl3pPr indent="-317500" lvl="2" marL="1371600">
+            <a:lvl3pPr indent="-317500" lvl="2" marL="1371600" algn="l">
+              <a:lnSpc>
+                <a:spcPct val="115000"/>
+              </a:lnSpc>
               <a:spcBef>
                 <a:spcPts val="1600"/>
               </a:spcBef>
@@ -4897,7 +7519,10 @@
                 </a:solidFill>
               </a:defRPr>
             </a:lvl3pPr>
-            <a:lvl4pPr indent="-317500" lvl="3" marL="1828800">
+            <a:lvl4pPr indent="-317500" lvl="3" marL="1828800" algn="l">
+              <a:lnSpc>
+                <a:spcPct val="115000"/>
+              </a:lnSpc>
               <a:spcBef>
                 <a:spcPts val="1600"/>
               </a:spcBef>
@@ -4915,7 +7540,10 @@
                 </a:solidFill>
               </a:defRPr>
             </a:lvl4pPr>
-            <a:lvl5pPr indent="-317500" lvl="4" marL="2286000">
+            <a:lvl5pPr indent="-317500" lvl="4" marL="2286000" algn="l">
+              <a:lnSpc>
+                <a:spcPct val="115000"/>
+              </a:lnSpc>
               <a:spcBef>
                 <a:spcPts val="1600"/>
               </a:spcBef>
@@ -4933,7 +7561,10 @@
                 </a:solidFill>
               </a:defRPr>
             </a:lvl5pPr>
-            <a:lvl6pPr indent="-317500" lvl="5" marL="2743200">
+            <a:lvl6pPr indent="-317500" lvl="5" marL="2743200" algn="l">
+              <a:lnSpc>
+                <a:spcPct val="115000"/>
+              </a:lnSpc>
               <a:spcBef>
                 <a:spcPts val="1600"/>
               </a:spcBef>
@@ -4951,7 +7582,10 @@
                 </a:solidFill>
               </a:defRPr>
             </a:lvl6pPr>
-            <a:lvl7pPr indent="-317500" lvl="6" marL="3200400">
+            <a:lvl7pPr indent="-317500" lvl="6" marL="3200400" algn="l">
+              <a:lnSpc>
+                <a:spcPct val="115000"/>
+              </a:lnSpc>
               <a:spcBef>
                 <a:spcPts val="1600"/>
               </a:spcBef>
@@ -4969,7 +7603,10 @@
                 </a:solidFill>
               </a:defRPr>
             </a:lvl7pPr>
-            <a:lvl8pPr indent="-317500" lvl="7" marL="3657600">
+            <a:lvl8pPr indent="-317500" lvl="7" marL="3657600" algn="l">
+              <a:lnSpc>
+                <a:spcPct val="115000"/>
+              </a:lnSpc>
               <a:spcBef>
                 <a:spcPts val="1600"/>
               </a:spcBef>
@@ -4987,7 +7624,10 @@
                 </a:solidFill>
               </a:defRPr>
             </a:lvl8pPr>
-            <a:lvl9pPr indent="-317500" lvl="8" marL="4114800">
+            <a:lvl9pPr indent="-317500" lvl="8" marL="4114800" algn="l">
+              <a:lnSpc>
+                <a:spcPct val="115000"/>
+              </a:lnSpc>
               <a:spcBef>
                 <a:spcPts val="1600"/>
               </a:spcBef>
@@ -5025,47 +7665,249 @@
           <a:prstGeom prst="rect">
             <a:avLst/>
           </a:prstGeom>
+          <a:noFill/>
+          <a:ln>
+            <a:noFill/>
+          </a:ln>
         </p:spPr>
         <p:txBody>
           <a:bodyPr anchorCtr="0" anchor="ctr" bIns="91425" lIns="91425" spcFirstLastPara="1" rIns="91425" wrap="square" tIns="91425">
             <a:noAutofit/>
           </a:bodyPr>
           <a:lstStyle>
-            <a:lvl1pPr lvl="0">
-              <a:buNone/>
-              <a:defRPr/>
+            <a:lvl1pPr indent="0" lvl="0" marL="0" marR="0" algn="r">
+              <a:lnSpc>
+                <a:spcPct val="100000"/>
+              </a:lnSpc>
+              <a:spcBef>
+                <a:spcPts val="0"/>
+              </a:spcBef>
+              <a:spcAft>
+                <a:spcPts val="0"/>
+              </a:spcAft>
+              <a:buClr>
+                <a:srgbClr val="000000"/>
+              </a:buClr>
+              <a:buSzPts val="1000"/>
+              <a:buFont typeface="Arial"/>
+              <a:buNone/>
+              <a:defRPr b="0" i="0" sz="1000" u="none" cap="none" strike="noStrike">
+                <a:solidFill>
+                  <a:schemeClr val="lt2"/>
+                </a:solidFill>
+                <a:latin typeface="Arial"/>
+                <a:ea typeface="Arial"/>
+                <a:cs typeface="Arial"/>
+                <a:sym typeface="Arial"/>
+              </a:defRPr>
             </a:lvl1pPr>
-            <a:lvl2pPr lvl="1">
-              <a:buNone/>
-              <a:defRPr/>
+            <a:lvl2pPr indent="0" lvl="1" marL="0" marR="0" algn="r">
+              <a:lnSpc>
+                <a:spcPct val="100000"/>
+              </a:lnSpc>
+              <a:spcBef>
+                <a:spcPts val="0"/>
+              </a:spcBef>
+              <a:spcAft>
+                <a:spcPts val="0"/>
+              </a:spcAft>
+              <a:buClr>
+                <a:srgbClr val="000000"/>
+              </a:buClr>
+              <a:buSzPts val="1000"/>
+              <a:buFont typeface="Arial"/>
+              <a:buNone/>
+              <a:defRPr b="0" i="0" sz="1000" u="none" cap="none" strike="noStrike">
+                <a:solidFill>
+                  <a:schemeClr val="lt2"/>
+                </a:solidFill>
+                <a:latin typeface="Arial"/>
+                <a:ea typeface="Arial"/>
+                <a:cs typeface="Arial"/>
+                <a:sym typeface="Arial"/>
+              </a:defRPr>
             </a:lvl2pPr>
-            <a:lvl3pPr lvl="2">
-              <a:buNone/>
-              <a:defRPr/>
+            <a:lvl3pPr indent="0" lvl="2" marL="0" marR="0" algn="r">
+              <a:lnSpc>
+                <a:spcPct val="100000"/>
+              </a:lnSpc>
+              <a:spcBef>
+                <a:spcPts val="0"/>
+              </a:spcBef>
+              <a:spcAft>
+                <a:spcPts val="0"/>
+              </a:spcAft>
+              <a:buClr>
+                <a:srgbClr val="000000"/>
+              </a:buClr>
+              <a:buSzPts val="1000"/>
+              <a:buFont typeface="Arial"/>
+              <a:buNone/>
+              <a:defRPr b="0" i="0" sz="1000" u="none" cap="none" strike="noStrike">
+                <a:solidFill>
+                  <a:schemeClr val="lt2"/>
+                </a:solidFill>
+                <a:latin typeface="Arial"/>
+                <a:ea typeface="Arial"/>
+                <a:cs typeface="Arial"/>
+                <a:sym typeface="Arial"/>
+              </a:defRPr>
             </a:lvl3pPr>
-            <a:lvl4pPr lvl="3">
-              <a:buNone/>
-              <a:defRPr/>
+            <a:lvl4pPr indent="0" lvl="3" marL="0" marR="0" algn="r">
+              <a:lnSpc>
+                <a:spcPct val="100000"/>
+              </a:lnSpc>
+              <a:spcBef>
+                <a:spcPts val="0"/>
+              </a:spcBef>
+              <a:spcAft>
+                <a:spcPts val="0"/>
+              </a:spcAft>
+              <a:buClr>
+                <a:srgbClr val="000000"/>
+              </a:buClr>
+              <a:buSzPts val="1000"/>
+              <a:buFont typeface="Arial"/>
+              <a:buNone/>
+              <a:defRPr b="0" i="0" sz="1000" u="none" cap="none" strike="noStrike">
+                <a:solidFill>
+                  <a:schemeClr val="lt2"/>
+                </a:solidFill>
+                <a:latin typeface="Arial"/>
+                <a:ea typeface="Arial"/>
+                <a:cs typeface="Arial"/>
+                <a:sym typeface="Arial"/>
+              </a:defRPr>
             </a:lvl4pPr>
-            <a:lvl5pPr lvl="4">
-              <a:buNone/>
-              <a:defRPr/>
+            <a:lvl5pPr indent="0" lvl="4" marL="0" marR="0" algn="r">
+              <a:lnSpc>
+                <a:spcPct val="100000"/>
+              </a:lnSpc>
+              <a:spcBef>
+                <a:spcPts val="0"/>
+              </a:spcBef>
+              <a:spcAft>
+                <a:spcPts val="0"/>
+              </a:spcAft>
+              <a:buClr>
+                <a:srgbClr val="000000"/>
+              </a:buClr>
+              <a:buSzPts val="1000"/>
+              <a:buFont typeface="Arial"/>
+              <a:buNone/>
+              <a:defRPr b="0" i="0" sz="1000" u="none" cap="none" strike="noStrike">
+                <a:solidFill>
+                  <a:schemeClr val="lt2"/>
+                </a:solidFill>
+                <a:latin typeface="Arial"/>
+                <a:ea typeface="Arial"/>
+                <a:cs typeface="Arial"/>
+                <a:sym typeface="Arial"/>
+              </a:defRPr>
             </a:lvl5pPr>
-            <a:lvl6pPr lvl="5">
-              <a:buNone/>
-              <a:defRPr/>
+            <a:lvl6pPr indent="0" lvl="5" marL="0" marR="0" algn="r">
+              <a:lnSpc>
+                <a:spcPct val="100000"/>
+              </a:lnSpc>
+              <a:spcBef>
+                <a:spcPts val="0"/>
+              </a:spcBef>
+              <a:spcAft>
+                <a:spcPts val="0"/>
+              </a:spcAft>
+              <a:buClr>
+                <a:srgbClr val="000000"/>
+              </a:buClr>
+              <a:buSzPts val="1000"/>
+              <a:buFont typeface="Arial"/>
+              <a:buNone/>
+              <a:defRPr b="0" i="0" sz="1000" u="none" cap="none" strike="noStrike">
+                <a:solidFill>
+                  <a:schemeClr val="lt2"/>
+                </a:solidFill>
+                <a:latin typeface="Arial"/>
+                <a:ea typeface="Arial"/>
+                <a:cs typeface="Arial"/>
+                <a:sym typeface="Arial"/>
+              </a:defRPr>
             </a:lvl6pPr>
-            <a:lvl7pPr lvl="6">
-              <a:buNone/>
-              <a:defRPr/>
+            <a:lvl7pPr indent="0" lvl="6" marL="0" marR="0" algn="r">
+              <a:lnSpc>
+                <a:spcPct val="100000"/>
+              </a:lnSpc>
+              <a:spcBef>
+                <a:spcPts val="0"/>
+              </a:spcBef>
+              <a:spcAft>
+                <a:spcPts val="0"/>
+              </a:spcAft>
+              <a:buClr>
+                <a:srgbClr val="000000"/>
+              </a:buClr>
+              <a:buSzPts val="1000"/>
+              <a:buFont typeface="Arial"/>
+              <a:buNone/>
+              <a:defRPr b="0" i="0" sz="1000" u="none" cap="none" strike="noStrike">
+                <a:solidFill>
+                  <a:schemeClr val="lt2"/>
+                </a:solidFill>
+                <a:latin typeface="Arial"/>
+                <a:ea typeface="Arial"/>
+                <a:cs typeface="Arial"/>
+                <a:sym typeface="Arial"/>
+              </a:defRPr>
             </a:lvl7pPr>
-            <a:lvl8pPr lvl="7">
-              <a:buNone/>
-              <a:defRPr/>
+            <a:lvl8pPr indent="0" lvl="7" marL="0" marR="0" algn="r">
+              <a:lnSpc>
+                <a:spcPct val="100000"/>
+              </a:lnSpc>
+              <a:spcBef>
+                <a:spcPts val="0"/>
+              </a:spcBef>
+              <a:spcAft>
+                <a:spcPts val="0"/>
+              </a:spcAft>
+              <a:buClr>
+                <a:srgbClr val="000000"/>
+              </a:buClr>
+              <a:buSzPts val="1000"/>
+              <a:buFont typeface="Arial"/>
+              <a:buNone/>
+              <a:defRPr b="0" i="0" sz="1000" u="none" cap="none" strike="noStrike">
+                <a:solidFill>
+                  <a:schemeClr val="lt2"/>
+                </a:solidFill>
+                <a:latin typeface="Arial"/>
+                <a:ea typeface="Arial"/>
+                <a:cs typeface="Arial"/>
+                <a:sym typeface="Arial"/>
+              </a:defRPr>
             </a:lvl8pPr>
-            <a:lvl9pPr lvl="8">
-              <a:buNone/>
-              <a:defRPr/>
+            <a:lvl9pPr indent="0" lvl="8" marL="0" marR="0" algn="r">
+              <a:lnSpc>
+                <a:spcPct val="100000"/>
+              </a:lnSpc>
+              <a:spcBef>
+                <a:spcPts val="0"/>
+              </a:spcBef>
+              <a:spcAft>
+                <a:spcPts val="0"/>
+              </a:spcAft>
+              <a:buClr>
+                <a:srgbClr val="000000"/>
+              </a:buClr>
+              <a:buSzPts val="1000"/>
+              <a:buFont typeface="Arial"/>
+              <a:buNone/>
+              <a:defRPr b="0" i="0" sz="1000" u="none" cap="none" strike="noStrike">
+                <a:solidFill>
+                  <a:schemeClr val="lt2"/>
+                </a:solidFill>
+                <a:latin typeface="Arial"/>
+                <a:ea typeface="Arial"/>
+                <a:cs typeface="Arial"/>
+                <a:sym typeface="Arial"/>
+              </a:defRPr>
             </a:lvl9pPr>
           </a:lstStyle>
           <a:p>
@@ -5127,13 +7969,17 @@
           <a:prstGeom prst="rect">
             <a:avLst/>
           </a:prstGeom>
+          <a:noFill/>
+          <a:ln>
+            <a:noFill/>
+          </a:ln>
         </p:spPr>
         <p:txBody>
           <a:bodyPr anchorCtr="0" anchor="ctr" bIns="91425" lIns="91425" spcFirstLastPara="1" rIns="91425" wrap="square" tIns="91425">
             <a:noAutofit/>
           </a:bodyPr>
           <a:lstStyle>
-            <a:lvl1pPr indent="-228600" lvl="0" marL="457200">
+            <a:lvl1pPr indent="-228600" lvl="0" marL="457200" algn="l">
               <a:lnSpc>
                 <a:spcPct val="100000"/>
               </a:lnSpc>
@@ -5167,47 +8013,249 @@
           <a:prstGeom prst="rect">
             <a:avLst/>
           </a:prstGeom>
+          <a:noFill/>
+          <a:ln>
+            <a:noFill/>
+          </a:ln>
         </p:spPr>
         <p:txBody>
           <a:bodyPr anchorCtr="0" anchor="ctr" bIns="91425" lIns="91425" spcFirstLastPara="1" rIns="91425" wrap="square" tIns="91425">
             <a:noAutofit/>
           </a:bodyPr>
           <a:lstStyle>
-            <a:lvl1pPr lvl="0">
-              <a:buNone/>
-              <a:defRPr/>
+            <a:lvl1pPr indent="0" lvl="0" marL="0" marR="0" algn="r">
+              <a:lnSpc>
+                <a:spcPct val="100000"/>
+              </a:lnSpc>
+              <a:spcBef>
+                <a:spcPts val="0"/>
+              </a:spcBef>
+              <a:spcAft>
+                <a:spcPts val="0"/>
+              </a:spcAft>
+              <a:buClr>
+                <a:srgbClr val="000000"/>
+              </a:buClr>
+              <a:buSzPts val="1000"/>
+              <a:buFont typeface="Arial"/>
+              <a:buNone/>
+              <a:defRPr b="0" i="0" sz="1000" u="none" cap="none" strike="noStrike">
+                <a:solidFill>
+                  <a:schemeClr val="lt2"/>
+                </a:solidFill>
+                <a:latin typeface="Arial"/>
+                <a:ea typeface="Arial"/>
+                <a:cs typeface="Arial"/>
+                <a:sym typeface="Arial"/>
+              </a:defRPr>
             </a:lvl1pPr>
-            <a:lvl2pPr lvl="1">
-              <a:buNone/>
-              <a:defRPr/>
+            <a:lvl2pPr indent="0" lvl="1" marL="0" marR="0" algn="r">
+              <a:lnSpc>
+                <a:spcPct val="100000"/>
+              </a:lnSpc>
+              <a:spcBef>
+                <a:spcPts val="0"/>
+              </a:spcBef>
+              <a:spcAft>
+                <a:spcPts val="0"/>
+              </a:spcAft>
+              <a:buClr>
+                <a:srgbClr val="000000"/>
+              </a:buClr>
+              <a:buSzPts val="1000"/>
+              <a:buFont typeface="Arial"/>
+              <a:buNone/>
+              <a:defRPr b="0" i="0" sz="1000" u="none" cap="none" strike="noStrike">
+                <a:solidFill>
+                  <a:schemeClr val="lt2"/>
+                </a:solidFill>
+                <a:latin typeface="Arial"/>
+                <a:ea typeface="Arial"/>
+                <a:cs typeface="Arial"/>
+                <a:sym typeface="Arial"/>
+              </a:defRPr>
             </a:lvl2pPr>
-            <a:lvl3pPr lvl="2">
-              <a:buNone/>
-              <a:defRPr/>
+            <a:lvl3pPr indent="0" lvl="2" marL="0" marR="0" algn="r">
+              <a:lnSpc>
+                <a:spcPct val="100000"/>
+              </a:lnSpc>
+              <a:spcBef>
+                <a:spcPts val="0"/>
+              </a:spcBef>
+              <a:spcAft>
+                <a:spcPts val="0"/>
+              </a:spcAft>
+              <a:buClr>
+                <a:srgbClr val="000000"/>
+              </a:buClr>
+              <a:buSzPts val="1000"/>
+              <a:buFont typeface="Arial"/>
+              <a:buNone/>
+              <a:defRPr b="0" i="0" sz="1000" u="none" cap="none" strike="noStrike">
+                <a:solidFill>
+                  <a:schemeClr val="lt2"/>
+                </a:solidFill>
+                <a:latin typeface="Arial"/>
+                <a:ea typeface="Arial"/>
+                <a:cs typeface="Arial"/>
+                <a:sym typeface="Arial"/>
+              </a:defRPr>
             </a:lvl3pPr>
-            <a:lvl4pPr lvl="3">
-              <a:buNone/>
-              <a:defRPr/>
+            <a:lvl4pPr indent="0" lvl="3" marL="0" marR="0" algn="r">
+              <a:lnSpc>
+                <a:spcPct val="100000"/>
+              </a:lnSpc>
+              <a:spcBef>
+                <a:spcPts val="0"/>
+              </a:spcBef>
+              <a:spcAft>
+                <a:spcPts val="0"/>
+              </a:spcAft>
+              <a:buClr>
+                <a:srgbClr val="000000"/>
+              </a:buClr>
+              <a:buSzPts val="1000"/>
+              <a:buFont typeface="Arial"/>
+              <a:buNone/>
+              <a:defRPr b="0" i="0" sz="1000" u="none" cap="none" strike="noStrike">
+                <a:solidFill>
+                  <a:schemeClr val="lt2"/>
+                </a:solidFill>
+                <a:latin typeface="Arial"/>
+                <a:ea typeface="Arial"/>
+                <a:cs typeface="Arial"/>
+                <a:sym typeface="Arial"/>
+              </a:defRPr>
             </a:lvl4pPr>
-            <a:lvl5pPr lvl="4">
-              <a:buNone/>
-              <a:defRPr/>
+            <a:lvl5pPr indent="0" lvl="4" marL="0" marR="0" algn="r">
+              <a:lnSpc>
+                <a:spcPct val="100000"/>
+              </a:lnSpc>
+              <a:spcBef>
+                <a:spcPts val="0"/>
+              </a:spcBef>
+              <a:spcAft>
+                <a:spcPts val="0"/>
+              </a:spcAft>
+              <a:buClr>
+                <a:srgbClr val="000000"/>
+              </a:buClr>
+              <a:buSzPts val="1000"/>
+              <a:buFont typeface="Arial"/>
+              <a:buNone/>
+              <a:defRPr b="0" i="0" sz="1000" u="none" cap="none" strike="noStrike">
+                <a:solidFill>
+                  <a:schemeClr val="lt2"/>
+                </a:solidFill>
+                <a:latin typeface="Arial"/>
+                <a:ea typeface="Arial"/>
+                <a:cs typeface="Arial"/>
+                <a:sym typeface="Arial"/>
+              </a:defRPr>
             </a:lvl5pPr>
-            <a:lvl6pPr lvl="5">
-              <a:buNone/>
-              <a:defRPr/>
+            <a:lvl6pPr indent="0" lvl="5" marL="0" marR="0" algn="r">
+              <a:lnSpc>
+                <a:spcPct val="100000"/>
+              </a:lnSpc>
+              <a:spcBef>
+                <a:spcPts val="0"/>
+              </a:spcBef>
+              <a:spcAft>
+                <a:spcPts val="0"/>
+              </a:spcAft>
+              <a:buClr>
+                <a:srgbClr val="000000"/>
+              </a:buClr>
+              <a:buSzPts val="1000"/>
+              <a:buFont typeface="Arial"/>
+              <a:buNone/>
+              <a:defRPr b="0" i="0" sz="1000" u="none" cap="none" strike="noStrike">
+                <a:solidFill>
+                  <a:schemeClr val="lt2"/>
+                </a:solidFill>
+                <a:latin typeface="Arial"/>
+                <a:ea typeface="Arial"/>
+                <a:cs typeface="Arial"/>
+                <a:sym typeface="Arial"/>
+              </a:defRPr>
             </a:lvl6pPr>
-            <a:lvl7pPr lvl="6">
-              <a:buNone/>
-              <a:defRPr/>
+            <a:lvl7pPr indent="0" lvl="6" marL="0" marR="0" algn="r">
+              <a:lnSpc>
+                <a:spcPct val="100000"/>
+              </a:lnSpc>
+              <a:spcBef>
+                <a:spcPts val="0"/>
+              </a:spcBef>
+              <a:spcAft>
+                <a:spcPts val="0"/>
+              </a:spcAft>
+              <a:buClr>
+                <a:srgbClr val="000000"/>
+              </a:buClr>
+              <a:buSzPts val="1000"/>
+              <a:buFont typeface="Arial"/>
+              <a:buNone/>
+              <a:defRPr b="0" i="0" sz="1000" u="none" cap="none" strike="noStrike">
+                <a:solidFill>
+                  <a:schemeClr val="lt2"/>
+                </a:solidFill>
+                <a:latin typeface="Arial"/>
+                <a:ea typeface="Arial"/>
+                <a:cs typeface="Arial"/>
+                <a:sym typeface="Arial"/>
+              </a:defRPr>
             </a:lvl7pPr>
-            <a:lvl8pPr lvl="7">
-              <a:buNone/>
-              <a:defRPr/>
+            <a:lvl8pPr indent="0" lvl="7" marL="0" marR="0" algn="r">
+              <a:lnSpc>
+                <a:spcPct val="100000"/>
+              </a:lnSpc>
+              <a:spcBef>
+                <a:spcPts val="0"/>
+              </a:spcBef>
+              <a:spcAft>
+                <a:spcPts val="0"/>
+              </a:spcAft>
+              <a:buClr>
+                <a:srgbClr val="000000"/>
+              </a:buClr>
+              <a:buSzPts val="1000"/>
+              <a:buFont typeface="Arial"/>
+              <a:buNone/>
+              <a:defRPr b="0" i="0" sz="1000" u="none" cap="none" strike="noStrike">
+                <a:solidFill>
+                  <a:schemeClr val="lt2"/>
+                </a:solidFill>
+                <a:latin typeface="Arial"/>
+                <a:ea typeface="Arial"/>
+                <a:cs typeface="Arial"/>
+                <a:sym typeface="Arial"/>
+              </a:defRPr>
             </a:lvl8pPr>
-            <a:lvl9pPr lvl="8">
-              <a:buNone/>
-              <a:defRPr/>
+            <a:lvl9pPr indent="0" lvl="8" marL="0" marR="0" algn="r">
+              <a:lnSpc>
+                <a:spcPct val="100000"/>
+              </a:lnSpc>
+              <a:spcBef>
+                <a:spcPts val="0"/>
+              </a:spcBef>
+              <a:spcAft>
+                <a:spcPts val="0"/>
+              </a:spcAft>
+              <a:buClr>
+                <a:srgbClr val="000000"/>
+              </a:buClr>
+              <a:buSzPts val="1000"/>
+              <a:buFont typeface="Arial"/>
+              <a:buNone/>
+              <a:defRPr b="0" i="0" sz="1000" u="none" cap="none" strike="noStrike">
+                <a:solidFill>
+                  <a:schemeClr val="lt2"/>
+                </a:solidFill>
+                <a:latin typeface="Arial"/>
+                <a:ea typeface="Arial"/>
+                <a:cs typeface="Arial"/>
+                <a:sym typeface="Arial"/>
+              </a:defRPr>
             </a:lvl9pPr>
           </a:lstStyle>
           <a:p>
@@ -5286,7 +8334,10 @@
             <a:noAutofit/>
           </a:bodyPr>
           <a:lstStyle>
-            <a:lvl1pPr lvl="0">
+            <a:lvl1pPr lvl="0" marR="0" rtl="0" algn="l">
+              <a:lnSpc>
+                <a:spcPct val="100000"/>
+              </a:lnSpc>
               <a:spcBef>
                 <a:spcPts val="0"/>
               </a:spcBef>
@@ -5297,14 +8348,22 @@
                 <a:schemeClr val="dk1"/>
               </a:buClr>
               <a:buSzPts val="2800"/>
-              <a:buNone/>
-              <a:defRPr sz="2800">
+              <a:buFont typeface="Arial"/>
+              <a:buNone/>
+              <a:defRPr b="0" i="0" sz="2800" u="none" cap="none" strike="noStrike">
                 <a:solidFill>
                   <a:schemeClr val="dk1"/>
                 </a:solidFill>
+                <a:latin typeface="Arial"/>
+                <a:ea typeface="Arial"/>
+                <a:cs typeface="Arial"/>
+                <a:sym typeface="Arial"/>
               </a:defRPr>
             </a:lvl1pPr>
-            <a:lvl2pPr lvl="1">
+            <a:lvl2pPr lvl="1" marR="0" rtl="0" algn="l">
+              <a:lnSpc>
+                <a:spcPct val="100000"/>
+              </a:lnSpc>
               <a:spcBef>
                 <a:spcPts val="0"/>
               </a:spcBef>
@@ -5315,14 +8374,22 @@
                 <a:schemeClr val="dk1"/>
               </a:buClr>
               <a:buSzPts val="2800"/>
-              <a:buNone/>
-              <a:defRPr sz="2800">
+              <a:buFont typeface="Arial"/>
+              <a:buNone/>
+              <a:defRPr b="0" i="0" sz="2800" u="none" cap="none" strike="noStrike">
                 <a:solidFill>
                   <a:schemeClr val="dk1"/>
                 </a:solidFill>
+                <a:latin typeface="Arial"/>
+                <a:ea typeface="Arial"/>
+                <a:cs typeface="Arial"/>
+                <a:sym typeface="Arial"/>
               </a:defRPr>
             </a:lvl2pPr>
-            <a:lvl3pPr lvl="2">
+            <a:lvl3pPr lvl="2" marR="0" rtl="0" algn="l">
+              <a:lnSpc>
+                <a:spcPct val="100000"/>
+              </a:lnSpc>
               <a:spcBef>
                 <a:spcPts val="0"/>
               </a:spcBef>
@@ -5333,14 +8400,22 @@
                 <a:schemeClr val="dk1"/>
               </a:buClr>
               <a:buSzPts val="2800"/>
-              <a:buNone/>
-              <a:defRPr sz="2800">
+              <a:buFont typeface="Arial"/>
+              <a:buNone/>
+              <a:defRPr b="0" i="0" sz="2800" u="none" cap="none" strike="noStrike">
                 <a:solidFill>
                   <a:schemeClr val="dk1"/>
                 </a:solidFill>
+                <a:latin typeface="Arial"/>
+                <a:ea typeface="Arial"/>
+                <a:cs typeface="Arial"/>
+                <a:sym typeface="Arial"/>
               </a:defRPr>
             </a:lvl3pPr>
-            <a:lvl4pPr lvl="3">
+            <a:lvl4pPr lvl="3" marR="0" rtl="0" algn="l">
+              <a:lnSpc>
+                <a:spcPct val="100000"/>
+              </a:lnSpc>
               <a:spcBef>
                 <a:spcPts val="0"/>
               </a:spcBef>
@@ -5351,14 +8426,22 @@
                 <a:schemeClr val="dk1"/>
               </a:buClr>
               <a:buSzPts val="2800"/>
-              <a:buNone/>
-              <a:defRPr sz="2800">
+              <a:buFont typeface="Arial"/>
+              <a:buNone/>
+              <a:defRPr b="0" i="0" sz="2800" u="none" cap="none" strike="noStrike">
                 <a:solidFill>
                   <a:schemeClr val="dk1"/>
                 </a:solidFill>
+                <a:latin typeface="Arial"/>
+                <a:ea typeface="Arial"/>
+                <a:cs typeface="Arial"/>
+                <a:sym typeface="Arial"/>
               </a:defRPr>
             </a:lvl4pPr>
-            <a:lvl5pPr lvl="4">
+            <a:lvl5pPr lvl="4" marR="0" rtl="0" algn="l">
+              <a:lnSpc>
+                <a:spcPct val="100000"/>
+              </a:lnSpc>
               <a:spcBef>
                 <a:spcPts val="0"/>
               </a:spcBef>
@@ -5369,14 +8452,22 @@
                 <a:schemeClr val="dk1"/>
               </a:buClr>
               <a:buSzPts val="2800"/>
-              <a:buNone/>
-              <a:defRPr sz="2800">
+              <a:buFont typeface="Arial"/>
+              <a:buNone/>
+              <a:defRPr b="0" i="0" sz="2800" u="none" cap="none" strike="noStrike">
                 <a:solidFill>
                   <a:schemeClr val="dk1"/>
                 </a:solidFill>
+                <a:latin typeface="Arial"/>
+                <a:ea typeface="Arial"/>
+                <a:cs typeface="Arial"/>
+                <a:sym typeface="Arial"/>
               </a:defRPr>
             </a:lvl5pPr>
-            <a:lvl6pPr lvl="5">
+            <a:lvl6pPr lvl="5" marR="0" rtl="0" algn="l">
+              <a:lnSpc>
+                <a:spcPct val="100000"/>
+              </a:lnSpc>
               <a:spcBef>
                 <a:spcPts val="0"/>
               </a:spcBef>
@@ -5387,14 +8478,22 @@
                 <a:schemeClr val="dk1"/>
               </a:buClr>
               <a:buSzPts val="2800"/>
-              <a:buNone/>
-              <a:defRPr sz="2800">
+              <a:buFont typeface="Arial"/>
+              <a:buNone/>
+              <a:defRPr b="0" i="0" sz="2800" u="none" cap="none" strike="noStrike">
                 <a:solidFill>
                   <a:schemeClr val="dk1"/>
                 </a:solidFill>
+                <a:latin typeface="Arial"/>
+                <a:ea typeface="Arial"/>
+                <a:cs typeface="Arial"/>
+                <a:sym typeface="Arial"/>
               </a:defRPr>
             </a:lvl6pPr>
-            <a:lvl7pPr lvl="6">
+            <a:lvl7pPr lvl="6" marR="0" rtl="0" algn="l">
+              <a:lnSpc>
+                <a:spcPct val="100000"/>
+              </a:lnSpc>
               <a:spcBef>
                 <a:spcPts val="0"/>
               </a:spcBef>
@@ -5405,14 +8504,22 @@
                 <a:schemeClr val="dk1"/>
               </a:buClr>
               <a:buSzPts val="2800"/>
-              <a:buNone/>
-              <a:defRPr sz="2800">
+              <a:buFont typeface="Arial"/>
+              <a:buNone/>
+              <a:defRPr b="0" i="0" sz="2800" u="none" cap="none" strike="noStrike">
                 <a:solidFill>
                   <a:schemeClr val="dk1"/>
                 </a:solidFill>
+                <a:latin typeface="Arial"/>
+                <a:ea typeface="Arial"/>
+                <a:cs typeface="Arial"/>
+                <a:sym typeface="Arial"/>
               </a:defRPr>
             </a:lvl7pPr>
-            <a:lvl8pPr lvl="7">
+            <a:lvl8pPr lvl="7" marR="0" rtl="0" algn="l">
+              <a:lnSpc>
+                <a:spcPct val="100000"/>
+              </a:lnSpc>
               <a:spcBef>
                 <a:spcPts val="0"/>
               </a:spcBef>
@@ -5423,14 +8530,22 @@
                 <a:schemeClr val="dk1"/>
               </a:buClr>
               <a:buSzPts val="2800"/>
-              <a:buNone/>
-              <a:defRPr sz="2800">
+              <a:buFont typeface="Arial"/>
+              <a:buNone/>
+              <a:defRPr b="0" i="0" sz="2800" u="none" cap="none" strike="noStrike">
                 <a:solidFill>
                   <a:schemeClr val="dk1"/>
                 </a:solidFill>
+                <a:latin typeface="Arial"/>
+                <a:ea typeface="Arial"/>
+                <a:cs typeface="Arial"/>
+                <a:sym typeface="Arial"/>
               </a:defRPr>
             </a:lvl8pPr>
-            <a:lvl9pPr lvl="8">
+            <a:lvl9pPr lvl="8" marR="0" rtl="0" algn="l">
+              <a:lnSpc>
+                <a:spcPct val="100000"/>
+              </a:lnSpc>
               <a:spcBef>
                 <a:spcPts val="0"/>
               </a:spcBef>
@@ -5441,11 +8556,16 @@
                 <a:schemeClr val="dk1"/>
               </a:buClr>
               <a:buSzPts val="2800"/>
-              <a:buNone/>
-              <a:defRPr sz="2800">
+              <a:buFont typeface="Arial"/>
+              <a:buNone/>
+              <a:defRPr b="0" i="0" sz="2800" u="none" cap="none" strike="noStrike">
                 <a:solidFill>
                   <a:schemeClr val="dk1"/>
                 </a:solidFill>
+                <a:latin typeface="Arial"/>
+                <a:ea typeface="Arial"/>
+                <a:cs typeface="Arial"/>
+                <a:sym typeface="Arial"/>
               </a:defRPr>
             </a:lvl9pPr>
           </a:lstStyle>
@@ -5478,7 +8598,7 @@
             <a:noAutofit/>
           </a:bodyPr>
           <a:lstStyle>
-            <a:lvl1pPr indent="-342900" lvl="0" marL="457200">
+            <a:lvl1pPr indent="-342900" lvl="0" marL="457200" marR="0" rtl="0" algn="l">
               <a:lnSpc>
                 <a:spcPct val="115000"/>
               </a:lnSpc>
@@ -5492,14 +8612,19 @@
                 <a:schemeClr val="lt2"/>
               </a:buClr>
               <a:buSzPts val="1800"/>
+              <a:buFont typeface="Arial"/>
               <a:buChar char="●"/>
-              <a:defRPr sz="1800">
+              <a:defRPr b="0" i="0" sz="1800" u="none" cap="none" strike="noStrike">
                 <a:solidFill>
                   <a:schemeClr val="lt2"/>
                 </a:solidFill>
+                <a:latin typeface="Arial"/>
+                <a:ea typeface="Arial"/>
+                <a:cs typeface="Arial"/>
+                <a:sym typeface="Arial"/>
               </a:defRPr>
             </a:lvl1pPr>
-            <a:lvl2pPr indent="-317500" lvl="1" marL="914400">
+            <a:lvl2pPr indent="-317500" lvl="1" marL="914400" marR="0" rtl="0" algn="l">
               <a:lnSpc>
                 <a:spcPct val="115000"/>
               </a:lnSpc>
@@ -5513,14 +8638,19 @@
                 <a:schemeClr val="lt2"/>
               </a:buClr>
               <a:buSzPts val="1400"/>
+              <a:buFont typeface="Arial"/>
               <a:buChar char="○"/>
-              <a:defRPr>
+              <a:defRPr b="0" i="0" sz="1400" u="none" cap="none" strike="noStrike">
                 <a:solidFill>
                   <a:schemeClr val="lt2"/>
                 </a:solidFill>
+                <a:latin typeface="Arial"/>
+                <a:ea typeface="Arial"/>
+                <a:cs typeface="Arial"/>
+                <a:sym typeface="Arial"/>
               </a:defRPr>
             </a:lvl2pPr>
-            <a:lvl3pPr indent="-317500" lvl="2" marL="1371600">
+            <a:lvl3pPr indent="-317500" lvl="2" marL="1371600" marR="0" rtl="0" algn="l">
               <a:lnSpc>
                 <a:spcPct val="115000"/>
               </a:lnSpc>
@@ -5534,14 +8664,19 @@
                 <a:schemeClr val="lt2"/>
               </a:buClr>
               <a:buSzPts val="1400"/>
+              <a:buFont typeface="Arial"/>
               <a:buChar char="■"/>
-              <a:defRPr>
+              <a:defRPr b="0" i="0" sz="1400" u="none" cap="none" strike="noStrike">
                 <a:solidFill>
                   <a:schemeClr val="lt2"/>
                 </a:solidFill>
+                <a:latin typeface="Arial"/>
+                <a:ea typeface="Arial"/>
+                <a:cs typeface="Arial"/>
+                <a:sym typeface="Arial"/>
               </a:defRPr>
             </a:lvl3pPr>
-            <a:lvl4pPr indent="-317500" lvl="3" marL="1828800">
+            <a:lvl4pPr indent="-317500" lvl="3" marL="1828800" marR="0" rtl="0" algn="l">
               <a:lnSpc>
                 <a:spcPct val="115000"/>
               </a:lnSpc>
@@ -5555,14 +8690,19 @@
                 <a:schemeClr val="lt2"/>
               </a:buClr>
               <a:buSzPts val="1400"/>
+              <a:buFont typeface="Arial"/>
               <a:buChar char="●"/>
-              <a:defRPr>
+              <a:defRPr b="0" i="0" sz="1400" u="none" cap="none" strike="noStrike">
                 <a:solidFill>
                   <a:schemeClr val="lt2"/>
                 </a:solidFill>
+                <a:latin typeface="Arial"/>
+                <a:ea typeface="Arial"/>
+                <a:cs typeface="Arial"/>
+                <a:sym typeface="Arial"/>
               </a:defRPr>
             </a:lvl4pPr>
-            <a:lvl5pPr indent="-317500" lvl="4" marL="2286000">
+            <a:lvl5pPr indent="-317500" lvl="4" marL="2286000" marR="0" rtl="0" algn="l">
               <a:lnSpc>
                 <a:spcPct val="115000"/>
               </a:lnSpc>
@@ -5576,14 +8716,19 @@
                 <a:schemeClr val="lt2"/>
               </a:buClr>
               <a:buSzPts val="1400"/>
+              <a:buFont typeface="Arial"/>
               <a:buChar char="○"/>
-              <a:defRPr>
+              <a:defRPr b="0" i="0" sz="1400" u="none" cap="none" strike="noStrike">
                 <a:solidFill>
                   <a:schemeClr val="lt2"/>
                 </a:solidFill>
+                <a:latin typeface="Arial"/>
+                <a:ea typeface="Arial"/>
+                <a:cs typeface="Arial"/>
+                <a:sym typeface="Arial"/>
               </a:defRPr>
             </a:lvl5pPr>
-            <a:lvl6pPr indent="-317500" lvl="5" marL="2743200">
+            <a:lvl6pPr indent="-317500" lvl="5" marL="2743200" marR="0" rtl="0" algn="l">
               <a:lnSpc>
                 <a:spcPct val="115000"/>
               </a:lnSpc>
@@ -5597,14 +8742,19 @@
                 <a:schemeClr val="lt2"/>
               </a:buClr>
               <a:buSzPts val="1400"/>
+              <a:buFont typeface="Arial"/>
               <a:buChar char="■"/>
-              <a:defRPr>
+              <a:defRPr b="0" i="0" sz="1400" u="none" cap="none" strike="noStrike">
                 <a:solidFill>
                   <a:schemeClr val="lt2"/>
                 </a:solidFill>
+                <a:latin typeface="Arial"/>
+                <a:ea typeface="Arial"/>
+                <a:cs typeface="Arial"/>
+                <a:sym typeface="Arial"/>
               </a:defRPr>
             </a:lvl6pPr>
-            <a:lvl7pPr indent="-317500" lvl="6" marL="3200400">
+            <a:lvl7pPr indent="-317500" lvl="6" marL="3200400" marR="0" rtl="0" algn="l">
               <a:lnSpc>
                 <a:spcPct val="115000"/>
               </a:lnSpc>
@@ -5618,14 +8768,19 @@
                 <a:schemeClr val="lt2"/>
               </a:buClr>
               <a:buSzPts val="1400"/>
+              <a:buFont typeface="Arial"/>
               <a:buChar char="●"/>
-              <a:defRPr>
+              <a:defRPr b="0" i="0" sz="1400" u="none" cap="none" strike="noStrike">
                 <a:solidFill>
                   <a:schemeClr val="lt2"/>
                 </a:solidFill>
+                <a:latin typeface="Arial"/>
+                <a:ea typeface="Arial"/>
+                <a:cs typeface="Arial"/>
+                <a:sym typeface="Arial"/>
               </a:defRPr>
             </a:lvl7pPr>
-            <a:lvl8pPr indent="-317500" lvl="7" marL="3657600">
+            <a:lvl8pPr indent="-317500" lvl="7" marL="3657600" marR="0" rtl="0" algn="l">
               <a:lnSpc>
                 <a:spcPct val="115000"/>
               </a:lnSpc>
@@ -5639,14 +8794,19 @@
                 <a:schemeClr val="lt2"/>
               </a:buClr>
               <a:buSzPts val="1400"/>
+              <a:buFont typeface="Arial"/>
               <a:buChar char="○"/>
-              <a:defRPr>
+              <a:defRPr b="0" i="0" sz="1400" u="none" cap="none" strike="noStrike">
                 <a:solidFill>
                   <a:schemeClr val="lt2"/>
                 </a:solidFill>
+                <a:latin typeface="Arial"/>
+                <a:ea typeface="Arial"/>
+                <a:cs typeface="Arial"/>
+                <a:sym typeface="Arial"/>
               </a:defRPr>
             </a:lvl8pPr>
-            <a:lvl9pPr indent="-317500" lvl="8" marL="4114800">
+            <a:lvl9pPr indent="-317500" lvl="8" marL="4114800" marR="0" rtl="0" algn="l">
               <a:lnSpc>
                 <a:spcPct val="115000"/>
               </a:lnSpc>
@@ -5660,11 +8820,16 @@
                 <a:schemeClr val="lt2"/>
               </a:buClr>
               <a:buSzPts val="1400"/>
+              <a:buFont typeface="Arial"/>
               <a:buChar char="■"/>
-              <a:defRPr>
+              <a:defRPr b="0" i="0" sz="1400" u="none" cap="none" strike="noStrike">
                 <a:solidFill>
                   <a:schemeClr val="lt2"/>
                 </a:solidFill>
+                <a:latin typeface="Arial"/>
+                <a:ea typeface="Arial"/>
+                <a:cs typeface="Arial"/>
+                <a:sym typeface="Arial"/>
               </a:defRPr>
             </a:lvl9pPr>
           </a:lstStyle>
@@ -5697,76 +8862,238 @@
             <a:noAutofit/>
           </a:bodyPr>
           <a:lstStyle>
-            <a:lvl1pPr lvl="0" algn="r">
-              <a:buNone/>
-              <a:defRPr sz="1000">
+            <a:lvl1pPr indent="0" lvl="0" marL="0" marR="0" rtl="0" algn="r">
+              <a:lnSpc>
+                <a:spcPct val="100000"/>
+              </a:lnSpc>
+              <a:spcBef>
+                <a:spcPts val="0"/>
+              </a:spcBef>
+              <a:spcAft>
+                <a:spcPts val="0"/>
+              </a:spcAft>
+              <a:buClr>
+                <a:srgbClr val="000000"/>
+              </a:buClr>
+              <a:buSzPts val="1000"/>
+              <a:buFont typeface="Arial"/>
+              <a:buNone/>
+              <a:defRPr b="0" i="0" sz="1000" u="none" cap="none" strike="noStrike">
                 <a:solidFill>
                   <a:schemeClr val="lt2"/>
                 </a:solidFill>
+                <a:latin typeface="Arial"/>
+                <a:ea typeface="Arial"/>
+                <a:cs typeface="Arial"/>
+                <a:sym typeface="Arial"/>
               </a:defRPr>
             </a:lvl1pPr>
-            <a:lvl2pPr lvl="1" algn="r">
-              <a:buNone/>
-              <a:defRPr sz="1000">
+            <a:lvl2pPr indent="0" lvl="1" marL="0" marR="0" rtl="0" algn="r">
+              <a:lnSpc>
+                <a:spcPct val="100000"/>
+              </a:lnSpc>
+              <a:spcBef>
+                <a:spcPts val="0"/>
+              </a:spcBef>
+              <a:spcAft>
+                <a:spcPts val="0"/>
+              </a:spcAft>
+              <a:buClr>
+                <a:srgbClr val="000000"/>
+              </a:buClr>
+              <a:buSzPts val="1000"/>
+              <a:buFont typeface="Arial"/>
+              <a:buNone/>
+              <a:defRPr b="0" i="0" sz="1000" u="none" cap="none" strike="noStrike">
                 <a:solidFill>
                   <a:schemeClr val="lt2"/>
                 </a:solidFill>
+                <a:latin typeface="Arial"/>
+                <a:ea typeface="Arial"/>
+                <a:cs typeface="Arial"/>
+                <a:sym typeface="Arial"/>
               </a:defRPr>
             </a:lvl2pPr>
-            <a:lvl3pPr lvl="2" algn="r">
-              <a:buNone/>
-              <a:defRPr sz="1000">
+            <a:lvl3pPr indent="0" lvl="2" marL="0" marR="0" rtl="0" algn="r">
+              <a:lnSpc>
+                <a:spcPct val="100000"/>
+              </a:lnSpc>
+              <a:spcBef>
+                <a:spcPts val="0"/>
+              </a:spcBef>
+              <a:spcAft>
+                <a:spcPts val="0"/>
+              </a:spcAft>
+              <a:buClr>
+                <a:srgbClr val="000000"/>
+              </a:buClr>
+              <a:buSzPts val="1000"/>
+              <a:buFont typeface="Arial"/>
+              <a:buNone/>
+              <a:defRPr b="0" i="0" sz="1000" u="none" cap="none" strike="noStrike">
                 <a:solidFill>
                   <a:schemeClr val="lt2"/>
                 </a:solidFill>
+                <a:latin typeface="Arial"/>
+                <a:ea typeface="Arial"/>
+                <a:cs typeface="Arial"/>
+                <a:sym typeface="Arial"/>
               </a:defRPr>
             </a:lvl3pPr>
-            <a:lvl4pPr lvl="3" algn="r">
-              <a:buNone/>
-              <a:defRPr sz="1000">
+            <a:lvl4pPr indent="0" lvl="3" marL="0" marR="0" rtl="0" algn="r">
+              <a:lnSpc>
+                <a:spcPct val="100000"/>
+              </a:lnSpc>
+              <a:spcBef>
+                <a:spcPts val="0"/>
+              </a:spcBef>
+              <a:spcAft>
+                <a:spcPts val="0"/>
+              </a:spcAft>
+              <a:buClr>
+                <a:srgbClr val="000000"/>
+              </a:buClr>
+              <a:buSzPts val="1000"/>
+              <a:buFont typeface="Arial"/>
+              <a:buNone/>
+              <a:defRPr b="0" i="0" sz="1000" u="none" cap="none" strike="noStrike">
                 <a:solidFill>
                   <a:schemeClr val="lt2"/>
                 </a:solidFill>
+                <a:latin typeface="Arial"/>
+                <a:ea typeface="Arial"/>
+                <a:cs typeface="Arial"/>
+                <a:sym typeface="Arial"/>
               </a:defRPr>
             </a:lvl4pPr>
-            <a:lvl5pPr lvl="4" algn="r">
-              <a:buNone/>
-              <a:defRPr sz="1000">
+            <a:lvl5pPr indent="0" lvl="4" marL="0" marR="0" rtl="0" algn="r">
+              <a:lnSpc>
+                <a:spcPct val="100000"/>
+              </a:lnSpc>
+              <a:spcBef>
+                <a:spcPts val="0"/>
+              </a:spcBef>
+              <a:spcAft>
+                <a:spcPts val="0"/>
+              </a:spcAft>
+              <a:buClr>
+                <a:srgbClr val="000000"/>
+              </a:buClr>
+              <a:buSzPts val="1000"/>
+              <a:buFont typeface="Arial"/>
+              <a:buNone/>
+              <a:defRPr b="0" i="0" sz="1000" u="none" cap="none" strike="noStrike">
                 <a:solidFill>
                   <a:schemeClr val="lt2"/>
                 </a:solidFill>
+                <a:latin typeface="Arial"/>
+                <a:ea typeface="Arial"/>
+                <a:cs typeface="Arial"/>
+                <a:sym typeface="Arial"/>
               </a:defRPr>
             </a:lvl5pPr>
-            <a:lvl6pPr lvl="5" algn="r">
-              <a:buNone/>
-              <a:defRPr sz="1000">
+            <a:lvl6pPr indent="0" lvl="5" marL="0" marR="0" rtl="0" algn="r">
+              <a:lnSpc>
+                <a:spcPct val="100000"/>
+              </a:lnSpc>
+              <a:spcBef>
+                <a:spcPts val="0"/>
+              </a:spcBef>
+              <a:spcAft>
+                <a:spcPts val="0"/>
+              </a:spcAft>
+              <a:buClr>
+                <a:srgbClr val="000000"/>
+              </a:buClr>
+              <a:buSzPts val="1000"/>
+              <a:buFont typeface="Arial"/>
+              <a:buNone/>
+              <a:defRPr b="0" i="0" sz="1000" u="none" cap="none" strike="noStrike">
                 <a:solidFill>
                   <a:schemeClr val="lt2"/>
                 </a:solidFill>
+                <a:latin typeface="Arial"/>
+                <a:ea typeface="Arial"/>
+                <a:cs typeface="Arial"/>
+                <a:sym typeface="Arial"/>
               </a:defRPr>
             </a:lvl6pPr>
-            <a:lvl7pPr lvl="6" algn="r">
-              <a:buNone/>
-              <a:defRPr sz="1000">
+            <a:lvl7pPr indent="0" lvl="6" marL="0" marR="0" rtl="0" algn="r">
+              <a:lnSpc>
+                <a:spcPct val="100000"/>
+              </a:lnSpc>
+              <a:spcBef>
+                <a:spcPts val="0"/>
+              </a:spcBef>
+              <a:spcAft>
+                <a:spcPts val="0"/>
+              </a:spcAft>
+              <a:buClr>
+                <a:srgbClr val="000000"/>
+              </a:buClr>
+              <a:buSzPts val="1000"/>
+              <a:buFont typeface="Arial"/>
+              <a:buNone/>
+              <a:defRPr b="0" i="0" sz="1000" u="none" cap="none" strike="noStrike">
                 <a:solidFill>
                   <a:schemeClr val="lt2"/>
                 </a:solidFill>
+                <a:latin typeface="Arial"/>
+                <a:ea typeface="Arial"/>
+                <a:cs typeface="Arial"/>
+                <a:sym typeface="Arial"/>
               </a:defRPr>
             </a:lvl7pPr>
-            <a:lvl8pPr lvl="7" algn="r">
-              <a:buNone/>
-              <a:defRPr sz="1000">
+            <a:lvl8pPr indent="0" lvl="7" marL="0" marR="0" rtl="0" algn="r">
+              <a:lnSpc>
+                <a:spcPct val="100000"/>
+              </a:lnSpc>
+              <a:spcBef>
+                <a:spcPts val="0"/>
+              </a:spcBef>
+              <a:spcAft>
+                <a:spcPts val="0"/>
+              </a:spcAft>
+              <a:buClr>
+                <a:srgbClr val="000000"/>
+              </a:buClr>
+              <a:buSzPts val="1000"/>
+              <a:buFont typeface="Arial"/>
+              <a:buNone/>
+              <a:defRPr b="0" i="0" sz="1000" u="none" cap="none" strike="noStrike">
                 <a:solidFill>
                   <a:schemeClr val="lt2"/>
                 </a:solidFill>
+                <a:latin typeface="Arial"/>
+                <a:ea typeface="Arial"/>
+                <a:cs typeface="Arial"/>
+                <a:sym typeface="Arial"/>
               </a:defRPr>
             </a:lvl8pPr>
-            <a:lvl9pPr lvl="8" algn="r">
-              <a:buNone/>
-              <a:defRPr sz="1000">
+            <a:lvl9pPr indent="0" lvl="8" marL="0" marR="0" rtl="0" algn="r">
+              <a:lnSpc>
+                <a:spcPct val="100000"/>
+              </a:lnSpc>
+              <a:spcBef>
+                <a:spcPts val="0"/>
+              </a:spcBef>
+              <a:spcAft>
+                <a:spcPts val="0"/>
+              </a:spcAft>
+              <a:buClr>
+                <a:srgbClr val="000000"/>
+              </a:buClr>
+              <a:buSzPts val="1000"/>
+              <a:buFont typeface="Arial"/>
+              <a:buNone/>
+              <a:defRPr b="0" i="0" sz="1000" u="none" cap="none" strike="noStrike">
                 <a:solidFill>
                   <a:schemeClr val="lt2"/>
                 </a:solidFill>
+                <a:latin typeface="Arial"/>
+                <a:ea typeface="Arial"/>
+                <a:cs typeface="Arial"/>
+                <a:sym typeface="Arial"/>
               </a:defRPr>
             </a:lvl9pPr>
           </a:lstStyle>
@@ -6530,6 +9857,10 @@
           <a:prstGeom prst="rect">
             <a:avLst/>
           </a:prstGeom>
+          <a:noFill/>
+          <a:ln>
+            <a:noFill/>
+          </a:ln>
         </p:spPr>
         <p:txBody>
           <a:bodyPr anchorCtr="0" anchor="b" bIns="91425" lIns="91425" spcFirstLastPara="1" rIns="91425" wrap="square" tIns="91425">
@@ -6538,12 +9869,16 @@
           <a:lstStyle/>
           <a:p>
             <a:pPr indent="0" lvl="0" marL="0" rtl="0" algn="ctr">
-              <a:spcBef>
-                <a:spcPts val="0"/>
-              </a:spcBef>
-              <a:spcAft>
-                <a:spcPts val="0"/>
-              </a:spcAft>
+              <a:lnSpc>
+                <a:spcPct val="100000"/>
+              </a:lnSpc>
+              <a:spcBef>
+                <a:spcPts val="0"/>
+              </a:spcBef>
+              <a:spcAft>
+                <a:spcPts val="0"/>
+              </a:spcAft>
+              <a:buSzPts val="5200"/>
               <a:buNone/>
             </a:pPr>
             <a:r>
@@ -6562,12 +9897,16 @@
           </a:p>
           <a:p>
             <a:pPr indent="0" lvl="0" marL="0" rtl="0" algn="ctr">
-              <a:spcBef>
-                <a:spcPts val="0"/>
-              </a:spcBef>
-              <a:spcAft>
-                <a:spcPts val="0"/>
-              </a:spcAft>
+              <a:lnSpc>
+                <a:spcPct val="100000"/>
+              </a:lnSpc>
+              <a:spcBef>
+                <a:spcPts val="0"/>
+              </a:spcBef>
+              <a:spcAft>
+                <a:spcPts val="0"/>
+              </a:spcAft>
+              <a:buSzPts val="5200"/>
               <a:buNone/>
             </a:pPr>
             <a:r>
@@ -6576,23 +9915,7 @@
                   <a:srgbClr val="B7B7B7"/>
                 </a:solidFill>
               </a:rPr>
-              <a:t>(</a:t>
-            </a:r>
-            <a:r>
-              <a:rPr lang="en" sz="3000">
-                <a:solidFill>
-                  <a:srgbClr val="B7B7B7"/>
-                </a:solidFill>
-              </a:rPr>
-              <a:t>Deliverable</a:t>
-            </a:r>
-            <a:r>
-              <a:rPr lang="en" sz="3000">
-                <a:solidFill>
-                  <a:srgbClr val="B7B7B7"/>
-                </a:solidFill>
-              </a:rPr>
-              <a:t> 1: Planning Phase)</a:t>
+              <a:t>(Deliverable 1: Planning Phase)</a:t>
             </a:r>
             <a:endParaRPr sz="3000">
               <a:solidFill>
@@ -6618,6 +9941,10 @@
           <a:prstGeom prst="rect">
             <a:avLst/>
           </a:prstGeom>
+          <a:noFill/>
+          <a:ln>
+            <a:noFill/>
+          </a:ln>
         </p:spPr>
         <p:txBody>
           <a:bodyPr anchorCtr="0" anchor="t" bIns="91425" lIns="91425" spcFirstLastPara="1" rIns="91425" wrap="square" tIns="91425">
@@ -6626,12 +9953,16 @@
           <a:lstStyle/>
           <a:p>
             <a:pPr indent="0" lvl="0" marL="0" rtl="0" algn="ctr">
-              <a:spcBef>
-                <a:spcPts val="0"/>
-              </a:spcBef>
-              <a:spcAft>
-                <a:spcPts val="0"/>
-              </a:spcAft>
+              <a:lnSpc>
+                <a:spcPct val="100000"/>
+              </a:lnSpc>
+              <a:spcBef>
+                <a:spcPts val="0"/>
+              </a:spcBef>
+              <a:spcAft>
+                <a:spcPts val="0"/>
+              </a:spcAft>
+              <a:buSzPts val="2800"/>
               <a:buNone/>
             </a:pPr>
             <a:r>
@@ -6640,15 +9971,7 @@
                   <a:srgbClr val="FFFFFF"/>
                 </a:solidFill>
               </a:rPr>
-              <a:t>Thomas Zhang, Derek Luong, Asad Khan, Hamza Mir, Spencer Wilkins, Salman </a:t>
-            </a:r>
-            <a:r>
-              <a:rPr lang="en">
-                <a:solidFill>
-                  <a:srgbClr val="FFFFFF"/>
-                </a:solidFill>
-              </a:rPr>
-              <a:t>Khan</a:t>
+              <a:t>Thomas Zhang, Derek Luong, Asad Khan, Hamza Mir, Spencer Wilkins, Salman Khan</a:t>
             </a:r>
             <a:endParaRPr>
               <a:solidFill>
@@ -6699,6 +10022,10 @@
           <a:prstGeom prst="rect">
             <a:avLst/>
           </a:prstGeom>
+          <a:noFill/>
+          <a:ln>
+            <a:noFill/>
+          </a:ln>
         </p:spPr>
         <p:txBody>
           <a:bodyPr anchorCtr="0" anchor="t" bIns="91425" lIns="91425" spcFirstLastPara="1" rIns="91425" wrap="square" tIns="91425">
@@ -6707,21 +10034,21 @@
           <a:lstStyle/>
           <a:p>
             <a:pPr indent="0" lvl="0" marL="0" rtl="0" algn="l">
-              <a:spcBef>
-                <a:spcPts val="0"/>
-              </a:spcBef>
-              <a:spcAft>
-                <a:spcPts val="0"/>
-              </a:spcAft>
+              <a:lnSpc>
+                <a:spcPct val="100000"/>
+              </a:lnSpc>
+              <a:spcBef>
+                <a:spcPts val="0"/>
+              </a:spcBef>
+              <a:spcAft>
+                <a:spcPts val="0"/>
+              </a:spcAft>
+              <a:buSzPts val="2800"/>
               <a:buNone/>
             </a:pPr>
             <a:r>
               <a:rPr lang="en"/>
-              <a:t>Waterfall</a:t>
-            </a:r>
-            <a:r>
-              <a:rPr lang="en"/>
-              <a:t> Methodology </a:t>
+              <a:t>Waterfall Methodology </a:t>
             </a:r>
             <a:endParaRPr/>
           </a:p>
@@ -6743,6 +10070,10 @@
           <a:prstGeom prst="rect">
             <a:avLst/>
           </a:prstGeom>
+          <a:noFill/>
+          <a:ln>
+            <a:noFill/>
+          </a:ln>
         </p:spPr>
         <p:txBody>
           <a:bodyPr anchorCtr="0" anchor="t" bIns="91425" lIns="91425" spcFirstLastPara="1" rIns="91425" wrap="square" tIns="91425">
@@ -6751,12 +10082,16 @@
           <a:lstStyle/>
           <a:p>
             <a:pPr indent="0" lvl="0" marL="0" rtl="0" algn="l">
-              <a:spcBef>
-                <a:spcPts val="0"/>
-              </a:spcBef>
-              <a:spcAft>
-                <a:spcPts val="0"/>
-              </a:spcAft>
+              <a:lnSpc>
+                <a:spcPct val="115000"/>
+              </a:lnSpc>
+              <a:spcBef>
+                <a:spcPts val="0"/>
+              </a:spcBef>
+              <a:spcAft>
+                <a:spcPts val="0"/>
+              </a:spcAft>
+              <a:buSzPts val="1800"/>
               <a:buNone/>
             </a:pPr>
             <a:r>
@@ -6767,36 +10102,36 @@
           </a:p>
           <a:p>
             <a:pPr indent="0" lvl="0" marL="0" rtl="0" algn="l">
+              <a:lnSpc>
+                <a:spcPct val="115000"/>
+              </a:lnSpc>
               <a:spcBef>
                 <a:spcPts val="1600"/>
               </a:spcBef>
               <a:spcAft>
                 <a:spcPts val="0"/>
               </a:spcAft>
+              <a:buSzPts val="1800"/>
               <a:buNone/>
             </a:pPr>
             <a:r>
               <a:rPr lang="en"/>
-              <a:t>Reduce </a:t>
-            </a:r>
-            <a:r>
-              <a:rPr lang="en"/>
-              <a:t>communication</a:t>
-            </a:r>
-            <a:r>
-              <a:rPr lang="en"/>
-              <a:t> error.</a:t>
+              <a:t>Reduce communication error.</a:t>
             </a:r>
             <a:endParaRPr/>
           </a:p>
           <a:p>
             <a:pPr indent="0" lvl="0" marL="0" rtl="0" algn="l">
+              <a:lnSpc>
+                <a:spcPct val="115000"/>
+              </a:lnSpc>
               <a:spcBef>
                 <a:spcPts val="1600"/>
               </a:spcBef>
               <a:spcAft>
                 <a:spcPts val="0"/>
               </a:spcAft>
+              <a:buSzPts val="1800"/>
               <a:buNone/>
             </a:pPr>
             <a:r>
@@ -6806,12 +10141,16 @@
           </a:p>
           <a:p>
             <a:pPr indent="0" lvl="0" marL="0" rtl="0" algn="l">
+              <a:lnSpc>
+                <a:spcPct val="115000"/>
+              </a:lnSpc>
               <a:spcBef>
                 <a:spcPts val="1600"/>
               </a:spcBef>
               <a:spcAft>
                 <a:spcPts val="0"/>
               </a:spcAft>
+              <a:buSzPts val="1800"/>
               <a:buNone/>
             </a:pPr>
             <a:r>
@@ -6822,12 +10161,16 @@
           </a:p>
           <a:p>
             <a:pPr indent="0" lvl="0" marL="0" rtl="0" algn="l">
+              <a:lnSpc>
+                <a:spcPct val="115000"/>
+              </a:lnSpc>
               <a:spcBef>
                 <a:spcPts val="1600"/>
               </a:spcBef>
               <a:spcAft>
                 <a:spcPts val="0"/>
               </a:spcAft>
+              <a:buSzPts val="1800"/>
               <a:buNone/>
             </a:pPr>
             <a:r>
@@ -6838,12 +10181,16 @@
           </a:p>
           <a:p>
             <a:pPr indent="0" lvl="0" marL="0" rtl="0" algn="l">
+              <a:lnSpc>
+                <a:spcPct val="115000"/>
+              </a:lnSpc>
               <a:spcBef>
                 <a:spcPts val="1600"/>
               </a:spcBef>
               <a:spcAft>
                 <a:spcPts val="0"/>
               </a:spcAft>
+              <a:buSzPts val="1800"/>
               <a:buNone/>
             </a:pPr>
             <a:r>
@@ -6854,12 +10201,16 @@
           </a:p>
           <a:p>
             <a:pPr indent="0" lvl="0" marL="0" rtl="0" algn="l">
+              <a:lnSpc>
+                <a:spcPct val="115000"/>
+              </a:lnSpc>
               <a:spcBef>
                 <a:spcPts val="1600"/>
               </a:spcBef>
               <a:spcAft>
                 <a:spcPts val="1600"/>
               </a:spcAft>
+              <a:buSzPts val="1800"/>
               <a:buNone/>
             </a:pPr>
             <a:r>
@@ -6875,13 +10226,12 @@
           <p:cNvPicPr preferRelativeResize="0"/>
           <p:nvPr/>
         </p:nvPicPr>
-        <p:blipFill>
+        <p:blipFill rotWithShape="1">
           <a:blip r:embed="rId3">
             <a:alphaModFix/>
           </a:blip>
-          <a:stretch>
-            <a:fillRect/>
-          </a:stretch>
+          <a:srcRect b="0" l="0" r="0" t="0"/>
+          <a:stretch/>
         </p:blipFill>
         <p:spPr>
           <a:xfrm>
@@ -6938,6 +10288,10 @@
           <a:prstGeom prst="rect">
             <a:avLst/>
           </a:prstGeom>
+          <a:noFill/>
+          <a:ln>
+            <a:noFill/>
+          </a:ln>
         </p:spPr>
         <p:txBody>
           <a:bodyPr anchorCtr="0" anchor="t" bIns="91425" lIns="91425" spcFirstLastPara="1" rIns="91425" wrap="square" tIns="91425">
@@ -6946,12 +10300,16 @@
           <a:lstStyle/>
           <a:p>
             <a:pPr indent="0" lvl="0" marL="0" rtl="0" algn="l">
-              <a:spcBef>
-                <a:spcPts val="0"/>
-              </a:spcBef>
-              <a:spcAft>
-                <a:spcPts val="0"/>
-              </a:spcAft>
+              <a:lnSpc>
+                <a:spcPct val="100000"/>
+              </a:lnSpc>
+              <a:spcBef>
+                <a:spcPts val="0"/>
+              </a:spcBef>
+              <a:spcAft>
+                <a:spcPts val="0"/>
+              </a:spcAft>
+              <a:buSzPts val="2800"/>
               <a:buNone/>
             </a:pPr>
             <a:r>
@@ -6978,6 +10336,10 @@
           <a:prstGeom prst="rect">
             <a:avLst/>
           </a:prstGeom>
+          <a:noFill/>
+          <a:ln>
+            <a:noFill/>
+          </a:ln>
         </p:spPr>
         <p:txBody>
           <a:bodyPr anchorCtr="0" anchor="t" bIns="91425" lIns="91425" spcFirstLastPara="1" rIns="91425" wrap="square" tIns="91425">
@@ -6986,12 +10348,16 @@
           <a:lstStyle/>
           <a:p>
             <a:pPr indent="0" lvl="0" marL="0" rtl="0" algn="l">
-              <a:spcBef>
-                <a:spcPts val="0"/>
-              </a:spcBef>
-              <a:spcAft>
-                <a:spcPts val="0"/>
-              </a:spcAft>
+              <a:lnSpc>
+                <a:spcPct val="115000"/>
+              </a:lnSpc>
+              <a:spcBef>
+                <a:spcPts val="0"/>
+              </a:spcBef>
+              <a:spcAft>
+                <a:spcPts val="0"/>
+              </a:spcAft>
+              <a:buSzPts val="1800"/>
               <a:buNone/>
             </a:pPr>
             <a:r>
@@ -7007,12 +10373,16 @@
           </a:p>
           <a:p>
             <a:pPr indent="0" lvl="0" marL="0" rtl="0" algn="l">
+              <a:lnSpc>
+                <a:spcPct val="115000"/>
+              </a:lnSpc>
               <a:spcBef>
                 <a:spcPts val="1600"/>
               </a:spcBef>
               <a:spcAft>
                 <a:spcPts val="0"/>
               </a:spcAft>
+              <a:buSzPts val="1800"/>
               <a:buNone/>
             </a:pPr>
             <a:r>
@@ -7022,12 +10392,16 @@
           </a:p>
           <a:p>
             <a:pPr indent="0" lvl="0" marL="0" rtl="0" algn="l">
+              <a:lnSpc>
+                <a:spcPct val="115000"/>
+              </a:lnSpc>
               <a:spcBef>
                 <a:spcPts val="1600"/>
               </a:spcBef>
               <a:spcAft>
                 <a:spcPts val="1600"/>
               </a:spcAft>
+              <a:buSzPts val="1800"/>
               <a:buNone/>
             </a:pPr>
             <a:r>
@@ -7078,6 +10452,10 @@
           <a:prstGeom prst="rect">
             <a:avLst/>
           </a:prstGeom>
+          <a:noFill/>
+          <a:ln>
+            <a:noFill/>
+          </a:ln>
         </p:spPr>
         <p:txBody>
           <a:bodyPr anchorCtr="0" anchor="t" bIns="91425" lIns="91425" spcFirstLastPara="1" rIns="91425" wrap="square" tIns="91425">
@@ -7086,12 +10464,16 @@
           <a:lstStyle/>
           <a:p>
             <a:pPr indent="0" lvl="0" marL="0" rtl="0" algn="l">
-              <a:spcBef>
-                <a:spcPts val="0"/>
-              </a:spcBef>
-              <a:spcAft>
-                <a:spcPts val="0"/>
-              </a:spcAft>
+              <a:lnSpc>
+                <a:spcPct val="100000"/>
+              </a:lnSpc>
+              <a:spcBef>
+                <a:spcPts val="0"/>
+              </a:spcBef>
+              <a:spcAft>
+                <a:spcPts val="0"/>
+              </a:spcAft>
+              <a:buSzPts val="2800"/>
               <a:buNone/>
             </a:pPr>
             <a:r>
@@ -7126,6 +10508,10 @@
           <a:prstGeom prst="rect">
             <a:avLst/>
           </a:prstGeom>
+          <a:noFill/>
+          <a:ln>
+            <a:noFill/>
+          </a:ln>
         </p:spPr>
         <p:txBody>
           <a:bodyPr anchorCtr="0" anchor="t" bIns="91425" lIns="91425" spcFirstLastPara="1" rIns="91425" wrap="square" tIns="91425">
@@ -7134,12 +10520,16 @@
           <a:lstStyle/>
           <a:p>
             <a:pPr indent="0" lvl="0" marL="0" rtl="0" algn="l">
+              <a:lnSpc>
+                <a:spcPct val="115000"/>
+              </a:lnSpc>
               <a:spcBef>
                 <a:spcPts val="0"/>
               </a:spcBef>
               <a:spcAft>
                 <a:spcPts val="1600"/>
               </a:spcAft>
+              <a:buSzPts val="1800"/>
               <a:buNone/>
             </a:pPr>
             <a:r>
@@ -7148,71 +10538,7 @@
                   <a:srgbClr val="FFFFFF"/>
                 </a:solidFill>
               </a:rPr>
-              <a:t>                                                                                                                                                                                                                                                                                                                                                                                                                                                                 Ann is a small business owner that runs two nail salons. She uses a system of data </a:t>
-            </a:r>
-            <a:r>
-              <a:rPr lang="en">
-                <a:solidFill>
-                  <a:srgbClr val="FFFFFF"/>
-                </a:solidFill>
-              </a:rPr>
-              <a:t>organization</a:t>
-            </a:r>
-            <a:r>
-              <a:rPr lang="en">
-                <a:solidFill>
-                  <a:srgbClr val="FFFFFF"/>
-                </a:solidFill>
-              </a:rPr>
-              <a:t> that is outdated, lacks </a:t>
-            </a:r>
-            <a:r>
-              <a:rPr lang="en">
-                <a:solidFill>
-                  <a:srgbClr val="FFFFFF"/>
-                </a:solidFill>
-              </a:rPr>
-              <a:t>certain</a:t>
-            </a:r>
-            <a:r>
-              <a:rPr lang="en">
-                <a:solidFill>
-                  <a:srgbClr val="FFFFFF"/>
-                </a:solidFill>
-              </a:rPr>
-              <a:t> features, and constantly crashes. Our job is to create a new system that can address these issues by creating a new system that can better organize and maintain customer </a:t>
-            </a:r>
-            <a:r>
-              <a:rPr lang="en">
-                <a:solidFill>
-                  <a:srgbClr val="FFFFFF"/>
-                </a:solidFill>
-              </a:rPr>
-              <a:t>information</a:t>
-            </a:r>
-            <a:r>
-              <a:rPr lang="en">
-                <a:solidFill>
-                  <a:srgbClr val="FFFFFF"/>
-                </a:solidFill>
-              </a:rPr>
-              <a:t> and add new </a:t>
-            </a:r>
-            <a:r>
-              <a:rPr lang="en">
-                <a:solidFill>
-                  <a:srgbClr val="FFFFFF"/>
-                </a:solidFill>
-              </a:rPr>
-              <a:t>features</a:t>
-            </a:r>
-            <a:r>
-              <a:rPr lang="en">
-                <a:solidFill>
-                  <a:srgbClr val="FFFFFF"/>
-                </a:solidFill>
-              </a:rPr>
-              <a:t> that the old system didn’t have. </a:t>
+              <a:t>                                                                                                                                                                                                                                                                                                                                                                                                                                                                 Ann is a small business owner that runs two nail salons. She uses a system of data organization that is outdated, lacks certain features, and constantly crashes. Our job is to create a new system that can address these issues by creating a new system that can better organize and maintain customer information and add new features that the old system didn’t have. </a:t>
             </a:r>
             <a:endParaRPr>
               <a:solidFill>
@@ -7263,6 +10589,10 @@
           <a:prstGeom prst="rect">
             <a:avLst/>
           </a:prstGeom>
+          <a:noFill/>
+          <a:ln>
+            <a:noFill/>
+          </a:ln>
         </p:spPr>
         <p:txBody>
           <a:bodyPr anchorCtr="0" anchor="t" bIns="91425" lIns="91425" spcFirstLastPara="1" rIns="91425" wrap="square" tIns="91425">
@@ -7271,12 +10601,16 @@
           <a:lstStyle/>
           <a:p>
             <a:pPr indent="0" lvl="0" marL="0" rtl="0" algn="l">
-              <a:spcBef>
-                <a:spcPts val="0"/>
-              </a:spcBef>
-              <a:spcAft>
-                <a:spcPts val="0"/>
-              </a:spcAft>
+              <a:lnSpc>
+                <a:spcPct val="100000"/>
+              </a:lnSpc>
+              <a:spcBef>
+                <a:spcPts val="0"/>
+              </a:spcBef>
+              <a:spcAft>
+                <a:spcPts val="0"/>
+              </a:spcAft>
+              <a:buSzPts val="2800"/>
               <a:buNone/>
             </a:pPr>
             <a:r>
@@ -7311,6 +10645,10 @@
           <a:prstGeom prst="rect">
             <a:avLst/>
           </a:prstGeom>
+          <a:noFill/>
+          <a:ln>
+            <a:noFill/>
+          </a:ln>
         </p:spPr>
         <p:txBody>
           <a:bodyPr anchorCtr="0" anchor="t" bIns="91425" lIns="91425" spcFirstLastPara="1" rIns="91425" wrap="square" tIns="91425">
@@ -7319,12 +10657,16 @@
           <a:lstStyle/>
           <a:p>
             <a:pPr indent="0" lvl="0" marL="0" rtl="0" algn="l">
-              <a:spcBef>
-                <a:spcPts val="0"/>
-              </a:spcBef>
-              <a:spcAft>
-                <a:spcPts val="0"/>
-              </a:spcAft>
+              <a:lnSpc>
+                <a:spcPct val="115000"/>
+              </a:lnSpc>
+              <a:spcBef>
+                <a:spcPts val="0"/>
+              </a:spcBef>
+              <a:spcAft>
+                <a:spcPts val="0"/>
+              </a:spcAft>
+              <a:buSzPts val="1800"/>
               <a:buNone/>
             </a:pPr>
             <a:r>
@@ -7364,31 +10706,7 @@
                   <a:srgbClr val="FFFFFF"/>
                 </a:solidFill>
               </a:rPr>
-              <a:t>Creation of a database using SQL oracle that is able to organize customer information name, age, address, etc. and will be able to keep </a:t>
-            </a:r>
-            <a:r>
-              <a:rPr lang="en" sz="1400">
-                <a:solidFill>
-                  <a:srgbClr val="FFFFFF"/>
-                </a:solidFill>
-              </a:rPr>
-              <a:t>track</a:t>
-            </a:r>
-            <a:r>
-              <a:rPr lang="en" sz="1400">
-                <a:solidFill>
-                  <a:srgbClr val="FFFFFF"/>
-                </a:solidFill>
-              </a:rPr>
-              <a:t> of customer </a:t>
-            </a:r>
-            <a:r>
-              <a:rPr lang="en" sz="1400">
-                <a:solidFill>
-                  <a:srgbClr val="FFFFFF"/>
-                </a:solidFill>
-              </a:rPr>
-              <a:t>transactions along with warranty information.</a:t>
+              <a:t>Creation of a database using SQL oracle that is able to organize customer information name, age, address, etc. and will be able to keep track of customer transactions along with warranty information.</a:t>
             </a:r>
             <a:endParaRPr sz="1400">
               <a:solidFill>
@@ -7419,39 +10737,7 @@
                   <a:srgbClr val="FFFFFF"/>
                 </a:solidFill>
               </a:rPr>
-              <a:t>Creation of web application using HTML/PHP that will represent and specify details </a:t>
-            </a:r>
-            <a:r>
-              <a:rPr lang="en" sz="1400">
-                <a:solidFill>
-                  <a:srgbClr val="FFFFFF"/>
-                </a:solidFill>
-              </a:rPr>
-              <a:t>relating</a:t>
-            </a:r>
-            <a:r>
-              <a:rPr lang="en" sz="1400">
-                <a:solidFill>
-                  <a:srgbClr val="FFFFFF"/>
-                </a:solidFill>
-              </a:rPr>
-              <a:t> to the business such as opening/closing times and the </a:t>
-            </a:r>
-            <a:r>
-              <a:rPr lang="en" sz="1400">
-                <a:solidFill>
-                  <a:srgbClr val="FFFFFF"/>
-                </a:solidFill>
-              </a:rPr>
-              <a:t>business</a:t>
-            </a:r>
-            <a:r>
-              <a:rPr lang="en" sz="1400">
-                <a:solidFill>
-                  <a:srgbClr val="FFFFFF"/>
-                </a:solidFill>
-              </a:rPr>
-              <a:t> address. </a:t>
+              <a:t>Creation of web application using HTML/PHP that will represent and specify details relating to the business such as opening/closing times and the business address. </a:t>
             </a:r>
             <a:endParaRPr sz="1400">
               <a:solidFill>
@@ -7521,23 +10807,7 @@
                   <a:srgbClr val="FFFFFF"/>
                 </a:solidFill>
               </a:rPr>
-              <a:t>Using </a:t>
-            </a:r>
-            <a:r>
-              <a:rPr lang="en" sz="1400">
-                <a:solidFill>
-                  <a:srgbClr val="FFFFFF"/>
-                </a:solidFill>
-              </a:rPr>
-              <a:t>transaction</a:t>
-            </a:r>
-            <a:r>
-              <a:rPr lang="en" sz="1400">
-                <a:solidFill>
-                  <a:srgbClr val="FFFFFF"/>
-                </a:solidFill>
-              </a:rPr>
-              <a:t> information create a customer reward system that keep track of customer reward point and spending.</a:t>
+              <a:t>Using transaction information create a customer reward system that keep track of customer reward point and spending.</a:t>
             </a:r>
             <a:endParaRPr sz="1400">
               <a:solidFill>
@@ -7556,6 +10826,7 @@
               <a:spcAft>
                 <a:spcPts val="0"/>
               </a:spcAft>
+              <a:buSzPts val="1800"/>
               <a:buNone/>
             </a:pPr>
             <a:r>
@@ -7578,6 +10849,7 @@
               <a:spcAft>
                 <a:spcPts val="0"/>
               </a:spcAft>
+              <a:buSzPts val="1800"/>
               <a:buNone/>
             </a:pPr>
             <a:r>
@@ -7600,6 +10872,7 @@
               <a:spcAft>
                 <a:spcPts val="0"/>
               </a:spcAft>
+              <a:buSzPts val="1800"/>
               <a:buNone/>
             </a:pPr>
             <a:r>
@@ -7622,6 +10895,7 @@
               <a:spcAft>
                 <a:spcPts val="0"/>
               </a:spcAft>
+              <a:buSzPts val="1800"/>
               <a:buNone/>
             </a:pPr>
             <a:r>
@@ -7644,6 +10918,7 @@
               <a:spcAft>
                 <a:spcPts val="0"/>
               </a:spcAft>
+              <a:buSzPts val="1800"/>
               <a:buNone/>
             </a:pPr>
             <a:r>
@@ -7694,6 +10969,10 @@
           <a:prstGeom prst="rect">
             <a:avLst/>
           </a:prstGeom>
+          <a:noFill/>
+          <a:ln>
+            <a:noFill/>
+          </a:ln>
         </p:spPr>
         <p:txBody>
           <a:bodyPr anchorCtr="0" anchor="t" bIns="91425" lIns="91425" spcFirstLastPara="1" rIns="91425" wrap="square" tIns="91425">
@@ -7702,12 +10981,16 @@
           <a:lstStyle/>
           <a:p>
             <a:pPr indent="0" lvl="0" marL="0" rtl="0" algn="l">
-              <a:spcBef>
-                <a:spcPts val="0"/>
-              </a:spcBef>
-              <a:spcAft>
-                <a:spcPts val="0"/>
-              </a:spcAft>
+              <a:lnSpc>
+                <a:spcPct val="100000"/>
+              </a:lnSpc>
+              <a:spcBef>
+                <a:spcPts val="0"/>
+              </a:spcBef>
+              <a:spcAft>
+                <a:spcPts val="0"/>
+              </a:spcAft>
+              <a:buSzPts val="2800"/>
               <a:buNone/>
             </a:pPr>
             <a:r>
@@ -7742,6 +11025,10 @@
           <a:prstGeom prst="rect">
             <a:avLst/>
           </a:prstGeom>
+          <a:noFill/>
+          <a:ln>
+            <a:noFill/>
+          </a:ln>
         </p:spPr>
         <p:txBody>
           <a:bodyPr anchorCtr="0" anchor="t" bIns="91425" lIns="91425" spcFirstLastPara="1" rIns="91425" wrap="square" tIns="91425">
@@ -7750,12 +11037,16 @@
           <a:lstStyle/>
           <a:p>
             <a:pPr indent="0" lvl="0" marL="0" rtl="0" algn="l">
-              <a:spcBef>
-                <a:spcPts val="0"/>
-              </a:spcBef>
-              <a:spcAft>
-                <a:spcPts val="0"/>
-              </a:spcAft>
+              <a:lnSpc>
+                <a:spcPct val="115000"/>
+              </a:lnSpc>
+              <a:spcBef>
+                <a:spcPts val="0"/>
+              </a:spcBef>
+              <a:spcAft>
+                <a:spcPts val="0"/>
+              </a:spcAft>
+              <a:buSzPts val="1800"/>
               <a:buNone/>
             </a:pPr>
             <a:r>
@@ -7769,12 +11060,16 @@
           </a:p>
           <a:p>
             <a:pPr indent="0" lvl="0" marL="0" rtl="0" algn="l">
-              <a:spcBef>
-                <a:spcPts val="0"/>
-              </a:spcBef>
-              <a:spcAft>
-                <a:spcPts val="0"/>
-              </a:spcAft>
+              <a:lnSpc>
+                <a:spcPct val="115000"/>
+              </a:lnSpc>
+              <a:spcBef>
+                <a:spcPts val="0"/>
+              </a:spcBef>
+              <a:spcAft>
+                <a:spcPts val="0"/>
+              </a:spcAft>
+              <a:buSzPts val="1800"/>
               <a:buNone/>
             </a:pPr>
             <a:r>
@@ -7793,12 +11088,16 @@
           </a:p>
           <a:p>
             <a:pPr indent="0" lvl="0" marL="0" rtl="0" algn="l">
-              <a:spcBef>
-                <a:spcPts val="0"/>
-              </a:spcBef>
-              <a:spcAft>
-                <a:spcPts val="0"/>
-              </a:spcAft>
+              <a:lnSpc>
+                <a:spcPct val="115000"/>
+              </a:lnSpc>
+              <a:spcBef>
+                <a:spcPts val="0"/>
+              </a:spcBef>
+              <a:spcAft>
+                <a:spcPts val="0"/>
+              </a:spcAft>
+              <a:buSzPts val="1800"/>
               <a:buNone/>
             </a:pPr>
             <a:r>
@@ -7817,12 +11116,16 @@
           </a:p>
           <a:p>
             <a:pPr indent="0" lvl="0" marL="0" rtl="0" algn="l">
-              <a:spcBef>
-                <a:spcPts val="0"/>
-              </a:spcBef>
-              <a:spcAft>
-                <a:spcPts val="0"/>
-              </a:spcAft>
+              <a:lnSpc>
+                <a:spcPct val="115000"/>
+              </a:lnSpc>
+              <a:spcBef>
+                <a:spcPts val="0"/>
+              </a:spcBef>
+              <a:spcAft>
+                <a:spcPts val="0"/>
+              </a:spcAft>
+              <a:buSzPts val="1800"/>
               <a:buNone/>
             </a:pPr>
             <a:r>
@@ -7849,12 +11152,16 @@
           </a:p>
           <a:p>
             <a:pPr indent="0" lvl="0" marL="0" rtl="0" algn="l">
-              <a:spcBef>
-                <a:spcPts val="0"/>
-              </a:spcBef>
-              <a:spcAft>
-                <a:spcPts val="0"/>
-              </a:spcAft>
+              <a:lnSpc>
+                <a:spcPct val="115000"/>
+              </a:lnSpc>
+              <a:spcBef>
+                <a:spcPts val="0"/>
+              </a:spcBef>
+              <a:spcAft>
+                <a:spcPts val="0"/>
+              </a:spcAft>
+              <a:buSzPts val="1800"/>
               <a:buNone/>
             </a:pPr>
             <a:r>
@@ -7881,12 +11188,16 @@
           </a:p>
           <a:p>
             <a:pPr indent="0" lvl="0" marL="0" rtl="0" algn="l">
-              <a:spcBef>
-                <a:spcPts val="0"/>
-              </a:spcBef>
-              <a:spcAft>
-                <a:spcPts val="0"/>
-              </a:spcAft>
+              <a:lnSpc>
+                <a:spcPct val="115000"/>
+              </a:lnSpc>
+              <a:spcBef>
+                <a:spcPts val="0"/>
+              </a:spcBef>
+              <a:spcAft>
+                <a:spcPts val="0"/>
+              </a:spcAft>
+              <a:buSzPts val="1800"/>
               <a:buNone/>
             </a:pPr>
             <a:r>
@@ -7905,12 +11216,16 @@
           </a:p>
           <a:p>
             <a:pPr indent="0" lvl="0" marL="0" rtl="0" algn="l">
-              <a:spcBef>
-                <a:spcPts val="0"/>
-              </a:spcBef>
-              <a:spcAft>
-                <a:spcPts val="0"/>
-              </a:spcAft>
+              <a:lnSpc>
+                <a:spcPct val="115000"/>
+              </a:lnSpc>
+              <a:spcBef>
+                <a:spcPts val="0"/>
+              </a:spcBef>
+              <a:spcAft>
+                <a:spcPts val="0"/>
+              </a:spcAft>
+              <a:buSzPts val="1800"/>
               <a:buNone/>
             </a:pPr>
             <a:r>
@@ -7937,12 +11252,16 @@
           </a:p>
           <a:p>
             <a:pPr indent="0" lvl="0" marL="0" rtl="0" algn="l">
+              <a:lnSpc>
+                <a:spcPct val="115000"/>
+              </a:lnSpc>
               <a:spcBef>
                 <a:spcPts val="0"/>
               </a:spcBef>
               <a:spcAft>
                 <a:spcPts val="1600"/>
               </a:spcAft>
+              <a:buSzPts val="1800"/>
               <a:buNone/>
             </a:pPr>
             <a:r>
@@ -7993,6 +11312,10 @@
           <a:prstGeom prst="rect">
             <a:avLst/>
           </a:prstGeom>
+          <a:noFill/>
+          <a:ln>
+            <a:noFill/>
+          </a:ln>
         </p:spPr>
         <p:txBody>
           <a:bodyPr anchorCtr="0" anchor="t" bIns="91425" lIns="91425" spcFirstLastPara="1" rIns="91425" wrap="square" tIns="91425">
@@ -8001,12 +11324,16 @@
           <a:lstStyle/>
           <a:p>
             <a:pPr indent="0" lvl="0" marL="0" rtl="0" algn="l">
-              <a:spcBef>
-                <a:spcPts val="0"/>
-              </a:spcBef>
-              <a:spcAft>
-                <a:spcPts val="0"/>
-              </a:spcAft>
+              <a:lnSpc>
+                <a:spcPct val="100000"/>
+              </a:lnSpc>
+              <a:spcBef>
+                <a:spcPts val="0"/>
+              </a:spcBef>
+              <a:spcAft>
+                <a:spcPts val="0"/>
+              </a:spcAft>
+              <a:buSzPts val="2800"/>
               <a:buNone/>
             </a:pPr>
             <a:r>
@@ -8015,15 +11342,7 @@
                   <a:srgbClr val="B7B7B7"/>
                 </a:solidFill>
               </a:rPr>
-              <a:t>Project </a:t>
-            </a:r>
-            <a:r>
-              <a:rPr lang="en">
-                <a:solidFill>
-                  <a:srgbClr val="B7B7B7"/>
-                </a:solidFill>
-              </a:rPr>
-              <a:t>Plan (Planning Phase to Analysis Phase)</a:t>
+              <a:t>Project Plan (Planning Phase to Analysis Phase)</a:t>
             </a:r>
             <a:endParaRPr>
               <a:solidFill>
@@ -8058,50 +11377,81 @@
           </a:bodyPr>
           <a:lstStyle/>
           <a:p>
-            <a:pPr indent="0" lvl="0" marL="0" rtl="0" algn="l">
-              <a:spcBef>
-                <a:spcPts val="0"/>
-              </a:spcBef>
-              <a:spcAft>
-                <a:spcPts val="0"/>
-              </a:spcAft>
+            <a:pPr indent="0" lvl="0" marL="0" marR="0" rtl="0" algn="l">
+              <a:lnSpc>
+                <a:spcPct val="100000"/>
+              </a:lnSpc>
+              <a:spcBef>
+                <a:spcPts val="0"/>
+              </a:spcBef>
+              <a:spcAft>
+                <a:spcPts val="0"/>
+              </a:spcAft>
+              <a:buClr>
+                <a:srgbClr val="000000"/>
+              </a:buClr>
+              <a:buSzPts val="1800"/>
+              <a:buFont typeface="Arial"/>
               <a:buNone/>
             </a:pPr>
             <a:r>
-              <a:rPr b="1" lang="en" sz="1800">
+              <a:rPr b="1" i="0" lang="en" sz="1800" u="none" cap="none" strike="noStrike">
                 <a:solidFill>
                   <a:srgbClr val="FFFFFF"/>
                 </a:solidFill>
+                <a:latin typeface="Arial"/>
+                <a:ea typeface="Arial"/>
+                <a:cs typeface="Arial"/>
+                <a:sym typeface="Arial"/>
               </a:rPr>
               <a:t>Planning Phase Goals:</a:t>
             </a:r>
-            <a:endParaRPr b="1" sz="1800">
+            <a:endParaRPr b="1" i="0" sz="1800" u="none" cap="none" strike="noStrike">
               <a:solidFill>
                 <a:srgbClr val="FFFFFF"/>
               </a:solidFill>
+              <a:latin typeface="Arial"/>
+              <a:ea typeface="Arial"/>
+              <a:cs typeface="Arial"/>
+              <a:sym typeface="Arial"/>
             </a:endParaRPr>
           </a:p>
           <a:p>
-            <a:pPr indent="0" lvl="0" marL="0" rtl="0" algn="l">
-              <a:spcBef>
-                <a:spcPts val="0"/>
-              </a:spcBef>
-              <a:spcAft>
-                <a:spcPts val="0"/>
-              </a:spcAft>
+            <a:pPr indent="0" lvl="0" marL="0" marR="0" rtl="0" algn="l">
+              <a:lnSpc>
+                <a:spcPct val="100000"/>
+              </a:lnSpc>
+              <a:spcBef>
+                <a:spcPts val="0"/>
+              </a:spcBef>
+              <a:spcAft>
+                <a:spcPts val="0"/>
+              </a:spcAft>
+              <a:buClr>
+                <a:srgbClr val="000000"/>
+              </a:buClr>
+              <a:buSzPts val="1400"/>
+              <a:buFont typeface="Arial"/>
               <a:buNone/>
             </a:pPr>
             <a:r>
               <a:t/>
             </a:r>
-            <a:endParaRPr>
+            <a:endParaRPr b="0" i="0" sz="1400" u="none" cap="none" strike="noStrike">
               <a:solidFill>
                 <a:srgbClr val="FFFFFF"/>
               </a:solidFill>
+              <a:latin typeface="Arial"/>
+              <a:ea typeface="Arial"/>
+              <a:cs typeface="Arial"/>
+              <a:sym typeface="Arial"/>
             </a:endParaRPr>
           </a:p>
           <a:p>
-            <a:pPr indent="-317500" lvl="0" marL="457200" rtl="0" algn="l">
+            <a:pPr indent="-317500" lvl="0" marL="457200" marR="0" rtl="0" algn="l">
+              <a:lnSpc>
+                <a:spcPct val="100000"/>
+              </a:lnSpc>
               <a:spcBef>
                 <a:spcPts val="0"/>
               </a:spcBef>
@@ -8112,43 +11462,67 @@
                 <a:srgbClr val="FFFFFF"/>
               </a:buClr>
               <a:buSzPts val="1400"/>
+              <a:buFont typeface="Arial"/>
               <a:buChar char="●"/>
             </a:pPr>
             <a:r>
-              <a:rPr lang="en">
+              <a:rPr b="0" i="0" lang="en" sz="1400" u="none" cap="none" strike="noStrike">
                 <a:solidFill>
                   <a:srgbClr val="FFFFFF"/>
                 </a:solidFill>
+                <a:latin typeface="Arial"/>
+                <a:ea typeface="Arial"/>
+                <a:cs typeface="Arial"/>
+                <a:sym typeface="Arial"/>
               </a:rPr>
               <a:t>Complete research on what software to use regarding database and web app</a:t>
             </a:r>
-            <a:endParaRPr>
+            <a:endParaRPr b="0" i="0" sz="1400" u="none" cap="none" strike="noStrike">
               <a:solidFill>
                 <a:srgbClr val="FFFFFF"/>
               </a:solidFill>
+              <a:latin typeface="Arial"/>
+              <a:ea typeface="Arial"/>
+              <a:cs typeface="Arial"/>
+              <a:sym typeface="Arial"/>
             </a:endParaRPr>
           </a:p>
           <a:p>
-            <a:pPr indent="0" lvl="0" marL="457200" rtl="0" algn="l">
-              <a:spcBef>
-                <a:spcPts val="0"/>
-              </a:spcBef>
-              <a:spcAft>
-                <a:spcPts val="0"/>
-              </a:spcAft>
+            <a:pPr indent="0" lvl="0" marL="457200" marR="0" rtl="0" algn="l">
+              <a:lnSpc>
+                <a:spcPct val="100000"/>
+              </a:lnSpc>
+              <a:spcBef>
+                <a:spcPts val="0"/>
+              </a:spcBef>
+              <a:spcAft>
+                <a:spcPts val="0"/>
+              </a:spcAft>
+              <a:buClr>
+                <a:srgbClr val="000000"/>
+              </a:buClr>
+              <a:buSzPts val="1400"/>
+              <a:buFont typeface="Arial"/>
               <a:buNone/>
             </a:pPr>
             <a:r>
               <a:t/>
             </a:r>
-            <a:endParaRPr>
+            <a:endParaRPr b="0" i="0" sz="1400" u="none" cap="none" strike="noStrike">
               <a:solidFill>
                 <a:srgbClr val="FFFFFF"/>
               </a:solidFill>
+              <a:latin typeface="Arial"/>
+              <a:ea typeface="Arial"/>
+              <a:cs typeface="Arial"/>
+              <a:sym typeface="Arial"/>
             </a:endParaRPr>
           </a:p>
           <a:p>
-            <a:pPr indent="-317500" lvl="0" marL="457200" rtl="0" algn="l">
+            <a:pPr indent="-317500" lvl="0" marL="457200" marR="0" rtl="0" algn="l">
+              <a:lnSpc>
+                <a:spcPct val="100000"/>
+              </a:lnSpc>
               <a:spcBef>
                 <a:spcPts val="0"/>
               </a:spcBef>
@@ -8159,51 +11533,67 @@
                 <a:srgbClr val="FFFFFF"/>
               </a:buClr>
               <a:buSzPts val="1400"/>
+              <a:buFont typeface="Arial"/>
               <a:buChar char="●"/>
             </a:pPr>
             <a:r>
-              <a:rPr lang="en">
+              <a:rPr b="0" i="0" lang="en" sz="1400" u="none" cap="none" strike="noStrike">
                 <a:solidFill>
                   <a:srgbClr val="FFFFFF"/>
                 </a:solidFill>
+                <a:latin typeface="Arial"/>
+                <a:ea typeface="Arial"/>
+                <a:cs typeface="Arial"/>
+                <a:sym typeface="Arial"/>
               </a:rPr>
-              <a:t>Establish meeting schedule and </a:t>
+              <a:t>Establish meeting schedule and communication </a:t>
             </a:r>
-            <a:r>
-              <a:rPr lang="en">
-                <a:solidFill>
-                  <a:srgbClr val="FFFFFF"/>
-                </a:solidFill>
-              </a:rPr>
-              <a:t>communication </a:t>
-            </a:r>
-            <a:endParaRPr>
+            <a:endParaRPr b="0" i="0" sz="1400" u="none" cap="none" strike="noStrike">
               <a:solidFill>
                 <a:srgbClr val="FFFFFF"/>
               </a:solidFill>
+              <a:latin typeface="Arial"/>
+              <a:ea typeface="Arial"/>
+              <a:cs typeface="Arial"/>
+              <a:sym typeface="Arial"/>
             </a:endParaRPr>
           </a:p>
           <a:p>
-            <a:pPr indent="0" lvl="0" marL="457200" rtl="0" algn="l">
-              <a:spcBef>
-                <a:spcPts val="0"/>
-              </a:spcBef>
-              <a:spcAft>
-                <a:spcPts val="0"/>
-              </a:spcAft>
+            <a:pPr indent="0" lvl="0" marL="457200" marR="0" rtl="0" algn="l">
+              <a:lnSpc>
+                <a:spcPct val="100000"/>
+              </a:lnSpc>
+              <a:spcBef>
+                <a:spcPts val="0"/>
+              </a:spcBef>
+              <a:spcAft>
+                <a:spcPts val="0"/>
+              </a:spcAft>
+              <a:buClr>
+                <a:srgbClr val="000000"/>
+              </a:buClr>
+              <a:buSzPts val="1400"/>
+              <a:buFont typeface="Arial"/>
               <a:buNone/>
             </a:pPr>
             <a:r>
               <a:t/>
             </a:r>
-            <a:endParaRPr>
+            <a:endParaRPr b="0" i="0" sz="1400" u="none" cap="none" strike="noStrike">
               <a:solidFill>
                 <a:srgbClr val="FFFFFF"/>
               </a:solidFill>
+              <a:latin typeface="Arial"/>
+              <a:ea typeface="Arial"/>
+              <a:cs typeface="Arial"/>
+              <a:sym typeface="Arial"/>
             </a:endParaRPr>
           </a:p>
           <a:p>
-            <a:pPr indent="-317500" lvl="0" marL="457200" rtl="0" algn="l">
+            <a:pPr indent="-317500" lvl="0" marL="457200" marR="0" rtl="0" algn="l">
+              <a:lnSpc>
+                <a:spcPct val="100000"/>
+              </a:lnSpc>
               <a:spcBef>
                 <a:spcPts val="0"/>
               </a:spcBef>
@@ -8214,43 +11604,67 @@
                 <a:srgbClr val="FFFFFF"/>
               </a:buClr>
               <a:buSzPts val="1400"/>
+              <a:buFont typeface="Arial"/>
               <a:buChar char="●"/>
             </a:pPr>
             <a:r>
-              <a:rPr lang="en">
+              <a:rPr b="0" i="0" lang="en" sz="1400" u="none" cap="none" strike="noStrike">
                 <a:solidFill>
                   <a:srgbClr val="FFFFFF"/>
                 </a:solidFill>
+                <a:latin typeface="Arial"/>
+                <a:ea typeface="Arial"/>
+                <a:cs typeface="Arial"/>
+                <a:sym typeface="Arial"/>
               </a:rPr>
               <a:t>Define clear roles</a:t>
             </a:r>
-            <a:endParaRPr>
+            <a:endParaRPr b="0" i="0" sz="1400" u="none" cap="none" strike="noStrike">
               <a:solidFill>
                 <a:srgbClr val="FFFFFF"/>
               </a:solidFill>
+              <a:latin typeface="Arial"/>
+              <a:ea typeface="Arial"/>
+              <a:cs typeface="Arial"/>
+              <a:sym typeface="Arial"/>
             </a:endParaRPr>
           </a:p>
           <a:p>
-            <a:pPr indent="0" lvl="0" marL="457200" rtl="0" algn="l">
-              <a:spcBef>
-                <a:spcPts val="0"/>
-              </a:spcBef>
-              <a:spcAft>
-                <a:spcPts val="0"/>
-              </a:spcAft>
+            <a:pPr indent="0" lvl="0" marL="457200" marR="0" rtl="0" algn="l">
+              <a:lnSpc>
+                <a:spcPct val="100000"/>
+              </a:lnSpc>
+              <a:spcBef>
+                <a:spcPts val="0"/>
+              </a:spcBef>
+              <a:spcAft>
+                <a:spcPts val="0"/>
+              </a:spcAft>
+              <a:buClr>
+                <a:srgbClr val="000000"/>
+              </a:buClr>
+              <a:buSzPts val="1400"/>
+              <a:buFont typeface="Arial"/>
               <a:buNone/>
             </a:pPr>
             <a:r>
               <a:t/>
             </a:r>
-            <a:endParaRPr>
+            <a:endParaRPr b="0" i="0" sz="1400" u="none" cap="none" strike="noStrike">
               <a:solidFill>
                 <a:srgbClr val="FFFFFF"/>
               </a:solidFill>
+              <a:latin typeface="Arial"/>
+              <a:ea typeface="Arial"/>
+              <a:cs typeface="Arial"/>
+              <a:sym typeface="Arial"/>
             </a:endParaRPr>
           </a:p>
           <a:p>
-            <a:pPr indent="-317500" lvl="0" marL="457200" rtl="0" algn="l">
+            <a:pPr indent="-317500" lvl="0" marL="457200" marR="0" rtl="0" algn="l">
+              <a:lnSpc>
+                <a:spcPct val="100000"/>
+              </a:lnSpc>
               <a:spcBef>
                 <a:spcPts val="0"/>
               </a:spcBef>
@@ -8261,58 +11675,91 @@
                 <a:srgbClr val="FFFFFF"/>
               </a:buClr>
               <a:buSzPts val="1400"/>
+              <a:buFont typeface="Arial"/>
               <a:buChar char="●"/>
             </a:pPr>
             <a:r>
-              <a:rPr lang="en">
+              <a:rPr b="0" i="0" lang="en" sz="1400" u="none" cap="none" strike="noStrike">
                 <a:solidFill>
                   <a:srgbClr val="FFFFFF"/>
                 </a:solidFill>
+                <a:latin typeface="Arial"/>
+                <a:ea typeface="Arial"/>
+                <a:cs typeface="Arial"/>
+                <a:sym typeface="Arial"/>
               </a:rPr>
               <a:t>Plan key features of management system based of realistic completion based on time constraints</a:t>
             </a:r>
-            <a:endParaRPr>
+            <a:endParaRPr b="0" i="0" sz="1400" u="none" cap="none" strike="noStrike">
               <a:solidFill>
                 <a:srgbClr val="FFFFFF"/>
               </a:solidFill>
+              <a:latin typeface="Arial"/>
+              <a:ea typeface="Arial"/>
+              <a:cs typeface="Arial"/>
+              <a:sym typeface="Arial"/>
             </a:endParaRPr>
           </a:p>
           <a:p>
-            <a:pPr indent="0" lvl="0" marL="457200" rtl="0" algn="l">
-              <a:spcBef>
-                <a:spcPts val="0"/>
-              </a:spcBef>
-              <a:spcAft>
-                <a:spcPts val="0"/>
-              </a:spcAft>
+            <a:pPr indent="0" lvl="0" marL="457200" marR="0" rtl="0" algn="l">
+              <a:lnSpc>
+                <a:spcPct val="100000"/>
+              </a:lnSpc>
+              <a:spcBef>
+                <a:spcPts val="0"/>
+              </a:spcBef>
+              <a:spcAft>
+                <a:spcPts val="0"/>
+              </a:spcAft>
+              <a:buClr>
+                <a:srgbClr val="000000"/>
+              </a:buClr>
+              <a:buSzPts val="1400"/>
+              <a:buFont typeface="Arial"/>
               <a:buNone/>
             </a:pPr>
             <a:r>
               <a:t/>
             </a:r>
-            <a:endParaRPr>
+            <a:endParaRPr b="0" i="0" sz="1400" u="none" cap="none" strike="noStrike">
               <a:solidFill>
                 <a:srgbClr val="FFFFFF"/>
               </a:solidFill>
+              <a:latin typeface="Arial"/>
+              <a:ea typeface="Arial"/>
+              <a:cs typeface="Arial"/>
+              <a:sym typeface="Arial"/>
             </a:endParaRPr>
           </a:p>
           <a:p>
-            <a:pPr indent="0" lvl="0" marL="457200" rtl="0" algn="l">
-              <a:spcBef>
-                <a:spcPts val="0"/>
-              </a:spcBef>
-              <a:spcAft>
-                <a:spcPts val="0"/>
-              </a:spcAft>
+            <a:pPr indent="0" lvl="0" marL="457200" marR="0" rtl="0" algn="l">
+              <a:lnSpc>
+                <a:spcPct val="100000"/>
+              </a:lnSpc>
+              <a:spcBef>
+                <a:spcPts val="0"/>
+              </a:spcBef>
+              <a:spcAft>
+                <a:spcPts val="0"/>
+              </a:spcAft>
+              <a:buClr>
+                <a:srgbClr val="000000"/>
+              </a:buClr>
+              <a:buSzPts val="1400"/>
+              <a:buFont typeface="Arial"/>
               <a:buNone/>
             </a:pPr>
             <a:r>
               <a:t/>
             </a:r>
-            <a:endParaRPr>
+            <a:endParaRPr b="0" i="0" sz="1400" u="none" cap="none" strike="noStrike">
               <a:solidFill>
                 <a:srgbClr val="FFFFFF"/>
               </a:solidFill>
+              <a:latin typeface="Arial"/>
+              <a:ea typeface="Arial"/>
+              <a:cs typeface="Arial"/>
+              <a:sym typeface="Arial"/>
             </a:endParaRPr>
           </a:p>
         </p:txBody>
@@ -8323,13 +11770,12 @@
           <p:cNvPicPr preferRelativeResize="0"/>
           <p:nvPr/>
         </p:nvPicPr>
-        <p:blipFill>
+        <p:blipFill rotWithShape="1">
           <a:blip r:embed="rId3">
             <a:alphaModFix/>
           </a:blip>
-          <a:stretch>
-            <a:fillRect/>
-          </a:stretch>
+          <a:srcRect b="0" l="0" r="0" t="0"/>
+          <a:stretch/>
         </p:blipFill>
         <p:spPr>
           <a:xfrm>
@@ -8376,13 +11822,12 @@
           <p:cNvPicPr preferRelativeResize="0"/>
           <p:nvPr/>
         </p:nvPicPr>
-        <p:blipFill>
+        <p:blipFill rotWithShape="1">
           <a:blip r:embed="rId3">
             <a:alphaModFix/>
           </a:blip>
-          <a:stretch>
-            <a:fillRect/>
-          </a:stretch>
+          <a:srcRect b="0" l="0" r="0" t="0"/>
+          <a:stretch/>
         </p:blipFill>
         <p:spPr>
           <a:xfrm>
@@ -8439,6 +11884,10 @@
           <a:prstGeom prst="rect">
             <a:avLst/>
           </a:prstGeom>
+          <a:noFill/>
+          <a:ln>
+            <a:noFill/>
+          </a:ln>
         </p:spPr>
         <p:txBody>
           <a:bodyPr anchorCtr="0" anchor="t" bIns="91425" lIns="91425" spcFirstLastPara="1" rIns="91425" wrap="square" tIns="91425">
@@ -8447,12 +11896,16 @@
           <a:lstStyle/>
           <a:p>
             <a:pPr indent="0" lvl="0" marL="0" rtl="0" algn="l">
-              <a:spcBef>
-                <a:spcPts val="0"/>
-              </a:spcBef>
-              <a:spcAft>
-                <a:spcPts val="0"/>
-              </a:spcAft>
+              <a:lnSpc>
+                <a:spcPct val="100000"/>
+              </a:lnSpc>
+              <a:spcBef>
+                <a:spcPts val="0"/>
+              </a:spcBef>
+              <a:spcAft>
+                <a:spcPts val="0"/>
+              </a:spcAft>
+              <a:buSzPts val="2800"/>
               <a:buNone/>
             </a:pPr>
             <a:r>
@@ -8461,31 +11914,7 @@
                   <a:srgbClr val="B7B7B7"/>
                 </a:solidFill>
               </a:rPr>
-              <a:t>Feasibility</a:t>
-            </a:r>
-            <a:r>
-              <a:rPr lang="en" sz="3000">
-                <a:solidFill>
-                  <a:srgbClr val="B7B7B7"/>
-                </a:solidFill>
-              </a:rPr>
-              <a:t> Analysis: Technical </a:t>
-            </a:r>
-            <a:r>
-              <a:rPr lang="en" sz="3000">
-                <a:solidFill>
-                  <a:srgbClr val="B7B7B7"/>
-                </a:solidFill>
-              </a:rPr>
-              <a:t>Feasibility</a:t>
-            </a:r>
-            <a:r>
-              <a:rPr lang="en" sz="3000">
-                <a:solidFill>
-                  <a:srgbClr val="B7B7B7"/>
-                </a:solidFill>
-              </a:rPr>
-              <a:t> </a:t>
+              <a:t>Feasibility Analysis: Technical Feasibility </a:t>
             </a:r>
             <a:endParaRPr sz="3000">
               <a:solidFill>
@@ -8511,6 +11940,10 @@
           <a:prstGeom prst="rect">
             <a:avLst/>
           </a:prstGeom>
+          <a:noFill/>
+          <a:ln>
+            <a:noFill/>
+          </a:ln>
         </p:spPr>
         <p:txBody>
           <a:bodyPr anchorCtr="0" anchor="t" bIns="91425" lIns="91425" spcFirstLastPara="1" rIns="91425" wrap="square" tIns="91425">
@@ -8519,6 +11952,9 @@
           <a:lstStyle/>
           <a:p>
             <a:pPr indent="-342900" lvl="0" marL="457200" rtl="0" algn="l">
+              <a:lnSpc>
+                <a:spcPct val="115000"/>
+              </a:lnSpc>
               <a:spcBef>
                 <a:spcPts val="0"/>
               </a:spcBef>
@@ -8547,6 +11983,9 @@
           </a:p>
           <a:p>
             <a:pPr indent="-342900" lvl="0" marL="457200" rtl="0" algn="l">
+              <a:lnSpc>
+                <a:spcPct val="115000"/>
+              </a:lnSpc>
               <a:spcBef>
                 <a:spcPts val="0"/>
               </a:spcBef>
@@ -8565,15 +12004,7 @@
                   <a:srgbClr val="FFFFFF"/>
                 </a:solidFill>
               </a:rPr>
-              <a:t>Familiarity</a:t>
-            </a:r>
-            <a:r>
-              <a:rPr lang="en">
-                <a:solidFill>
-                  <a:srgbClr val="FFFFFF"/>
-                </a:solidFill>
-              </a:rPr>
-              <a:t> with software needed to create database, web application and establish link (sql oracle, javascript, css, html, php etc.)</a:t>
+              <a:t>Familiarity with software needed to create database, web application and establish link (sql oracle, javascript, css, html, php etc.)</a:t>
             </a:r>
             <a:endParaRPr>
               <a:solidFill>
@@ -8583,6 +12014,9 @@
           </a:p>
           <a:p>
             <a:pPr indent="-342900" lvl="0" marL="457200" rtl="0" algn="l">
+              <a:lnSpc>
+                <a:spcPct val="115000"/>
+              </a:lnSpc>
               <a:spcBef>
                 <a:spcPts val="0"/>
               </a:spcBef>
@@ -8601,31 +12035,7 @@
                   <a:srgbClr val="FFFFFF"/>
                 </a:solidFill>
               </a:rPr>
-              <a:t>Difficulty</a:t>
-            </a:r>
-            <a:r>
-              <a:rPr lang="en">
-                <a:solidFill>
-                  <a:srgbClr val="FFFFFF"/>
-                </a:solidFill>
-              </a:rPr>
-              <a:t> with linking database to web application, lack of </a:t>
-            </a:r>
-            <a:r>
-              <a:rPr lang="en">
-                <a:solidFill>
-                  <a:srgbClr val="FFFFFF"/>
-                </a:solidFill>
-              </a:rPr>
-              <a:t>knowledge</a:t>
-            </a:r>
-            <a:r>
-              <a:rPr lang="en">
-                <a:solidFill>
-                  <a:srgbClr val="FFFFFF"/>
-                </a:solidFill>
-              </a:rPr>
-              <a:t> on software</a:t>
+              <a:t>Difficulty with linking database to web application, lack of knowledge on software</a:t>
             </a:r>
             <a:endParaRPr>
               <a:solidFill>
@@ -8676,6 +12086,10 @@
           <a:prstGeom prst="rect">
             <a:avLst/>
           </a:prstGeom>
+          <a:noFill/>
+          <a:ln>
+            <a:noFill/>
+          </a:ln>
         </p:spPr>
         <p:txBody>
           <a:bodyPr anchorCtr="0" anchor="t" bIns="91425" lIns="91425" spcFirstLastPara="1" rIns="91425" wrap="square" tIns="91425">
@@ -8684,12 +12098,16 @@
           <a:lstStyle/>
           <a:p>
             <a:pPr indent="0" lvl="0" marL="0" rtl="0" algn="l">
-              <a:spcBef>
-                <a:spcPts val="0"/>
-              </a:spcBef>
-              <a:spcAft>
-                <a:spcPts val="0"/>
-              </a:spcAft>
+              <a:lnSpc>
+                <a:spcPct val="100000"/>
+              </a:lnSpc>
+              <a:spcBef>
+                <a:spcPts val="0"/>
+              </a:spcBef>
+              <a:spcAft>
+                <a:spcPts val="0"/>
+              </a:spcAft>
+              <a:buSzPts val="2800"/>
               <a:buNone/>
             </a:pPr>
             <a:r>
@@ -8724,6 +12142,10 @@
           <a:prstGeom prst="rect">
             <a:avLst/>
           </a:prstGeom>
+          <a:noFill/>
+          <a:ln>
+            <a:noFill/>
+          </a:ln>
         </p:spPr>
         <p:txBody>
           <a:bodyPr anchorCtr="0" anchor="t" bIns="91425" lIns="91425" spcFirstLastPara="1" rIns="91425" wrap="square" tIns="91425">
@@ -8732,12 +12154,16 @@
           <a:lstStyle/>
           <a:p>
             <a:pPr indent="0" lvl="0" marL="0" rtl="0" algn="l">
-              <a:spcBef>
-                <a:spcPts val="0"/>
-              </a:spcBef>
-              <a:spcAft>
-                <a:spcPts val="0"/>
-              </a:spcAft>
+              <a:lnSpc>
+                <a:spcPct val="115000"/>
+              </a:lnSpc>
+              <a:spcBef>
+                <a:spcPts val="0"/>
+              </a:spcBef>
+              <a:spcAft>
+                <a:spcPts val="0"/>
+              </a:spcAft>
+              <a:buSzPts val="1800"/>
               <a:buNone/>
             </a:pPr>
             <a:r>
@@ -8756,6 +12182,9 @@
           </a:p>
           <a:p>
             <a:pPr indent="-342900" lvl="0" marL="457200" rtl="0" algn="l">
+              <a:lnSpc>
+                <a:spcPct val="115000"/>
+              </a:lnSpc>
               <a:spcBef>
                 <a:spcPts val="1600"/>
               </a:spcBef>
@@ -8784,6 +12213,9 @@
           </a:p>
           <a:p>
             <a:pPr indent="-342900" lvl="0" marL="457200" rtl="0" algn="l">
+              <a:lnSpc>
+                <a:spcPct val="115000"/>
+              </a:lnSpc>
               <a:spcBef>
                 <a:spcPts val="0"/>
               </a:spcBef>
@@ -8812,6 +12244,9 @@
           </a:p>
           <a:p>
             <a:pPr indent="-342900" lvl="0" marL="457200" rtl="0" algn="l">
+              <a:lnSpc>
+                <a:spcPct val="115000"/>
+              </a:lnSpc>
               <a:spcBef>
                 <a:spcPts val="0"/>
               </a:spcBef>
@@ -8881,6 +12316,10 @@
           <a:prstGeom prst="rect">
             <a:avLst/>
           </a:prstGeom>
+          <a:noFill/>
+          <a:ln>
+            <a:noFill/>
+          </a:ln>
         </p:spPr>
         <p:txBody>
           <a:bodyPr anchorCtr="0" anchor="t" bIns="91425" lIns="91425" spcFirstLastPara="1" rIns="91425" wrap="square" tIns="91425">
@@ -8889,12 +12328,16 @@
           <a:lstStyle/>
           <a:p>
             <a:pPr indent="0" lvl="0" marL="0" rtl="0" algn="l">
-              <a:spcBef>
-                <a:spcPts val="0"/>
-              </a:spcBef>
-              <a:spcAft>
-                <a:spcPts val="0"/>
-              </a:spcAft>
+              <a:lnSpc>
+                <a:spcPct val="100000"/>
+              </a:lnSpc>
+              <a:spcBef>
+                <a:spcPts val="0"/>
+              </a:spcBef>
+              <a:spcAft>
+                <a:spcPts val="0"/>
+              </a:spcAft>
+              <a:buSzPts val="2800"/>
               <a:buNone/>
             </a:pPr>
             <a:r>
@@ -8929,6 +12372,10 @@
           <a:prstGeom prst="rect">
             <a:avLst/>
           </a:prstGeom>
+          <a:noFill/>
+          <a:ln>
+            <a:noFill/>
+          </a:ln>
         </p:spPr>
         <p:txBody>
           <a:bodyPr anchorCtr="0" anchor="t" bIns="91425" lIns="91425" spcFirstLastPara="1" rIns="91425" wrap="square" tIns="91425">
@@ -8937,12 +12384,16 @@
           <a:lstStyle/>
           <a:p>
             <a:pPr indent="457200" lvl="0" marL="0" rtl="0" algn="l">
+              <a:lnSpc>
+                <a:spcPct val="115000"/>
+              </a:lnSpc>
               <a:spcBef>
                 <a:spcPts val="0"/>
               </a:spcBef>
               <a:spcAft>
                 <a:spcPts val="1600"/>
               </a:spcAft>
+              <a:buSzPts val="1800"/>
               <a:buNone/>
             </a:pPr>
             <a:r>
